--- a/예제 7번/프리젠테이션3.pptx
+++ b/예제 7번/프리젠테이션3.pptx
@@ -16,15 +16,16 @@
     <p:sldId id="264" r:id="rId10"/>
     <p:sldId id="345" r:id="rId11"/>
     <p:sldId id="346" r:id="rId12"/>
-    <p:sldId id="347" r:id="rId13"/>
-    <p:sldId id="348" r:id="rId14"/>
-    <p:sldId id="349" r:id="rId15"/>
-    <p:sldId id="350" r:id="rId16"/>
-    <p:sldId id="351" r:id="rId17"/>
-    <p:sldId id="352" r:id="rId18"/>
-    <p:sldId id="353" r:id="rId19"/>
-    <p:sldId id="354" r:id="rId20"/>
-    <p:sldId id="355" r:id="rId21"/>
+    <p:sldId id="356" r:id="rId13"/>
+    <p:sldId id="347" r:id="rId14"/>
+    <p:sldId id="348" r:id="rId15"/>
+    <p:sldId id="349" r:id="rId16"/>
+    <p:sldId id="350" r:id="rId17"/>
+    <p:sldId id="351" r:id="rId18"/>
+    <p:sldId id="352" r:id="rId19"/>
+    <p:sldId id="353" r:id="rId20"/>
+    <p:sldId id="354" r:id="rId21"/>
+    <p:sldId id="355" r:id="rId22"/>
   </p:sldIdLst>
   <p:sldSz cx="12192000" cy="6858000"/>
   <p:notesSz cx="6858000" cy="9144000"/>
@@ -278,7 +279,7 @@
           <a:p>
             <a:fld id="{B6224D7A-9CF3-4E78-A2C4-FBFAA96AA998}" type="datetimeFigureOut">
               <a:rPr lang="ko-KR" altLang="en-US" smtClean="0"/>
-              <a:t>2022-09-19</a:t>
+              <a:t>2022-09-23</a:t>
             </a:fld>
             <a:endParaRPr lang="ko-KR" altLang="en-US"/>
           </a:p>
@@ -476,7 +477,7 @@
           <a:p>
             <a:fld id="{B6224D7A-9CF3-4E78-A2C4-FBFAA96AA998}" type="datetimeFigureOut">
               <a:rPr lang="ko-KR" altLang="en-US" smtClean="0"/>
-              <a:t>2022-09-19</a:t>
+              <a:t>2022-09-23</a:t>
             </a:fld>
             <a:endParaRPr lang="ko-KR" altLang="en-US"/>
           </a:p>
@@ -684,7 +685,7 @@
           <a:p>
             <a:fld id="{B6224D7A-9CF3-4E78-A2C4-FBFAA96AA998}" type="datetimeFigureOut">
               <a:rPr lang="ko-KR" altLang="en-US" smtClean="0"/>
-              <a:t>2022-09-19</a:t>
+              <a:t>2022-09-23</a:t>
             </a:fld>
             <a:endParaRPr lang="ko-KR" altLang="en-US"/>
           </a:p>
@@ -882,7 +883,7 @@
           <a:p>
             <a:fld id="{B6224D7A-9CF3-4E78-A2C4-FBFAA96AA998}" type="datetimeFigureOut">
               <a:rPr lang="ko-KR" altLang="en-US" smtClean="0"/>
-              <a:t>2022-09-19</a:t>
+              <a:t>2022-09-23</a:t>
             </a:fld>
             <a:endParaRPr lang="ko-KR" altLang="en-US"/>
           </a:p>
@@ -1157,7 +1158,7 @@
           <a:p>
             <a:fld id="{B6224D7A-9CF3-4E78-A2C4-FBFAA96AA998}" type="datetimeFigureOut">
               <a:rPr lang="ko-KR" altLang="en-US" smtClean="0"/>
-              <a:t>2022-09-19</a:t>
+              <a:t>2022-09-23</a:t>
             </a:fld>
             <a:endParaRPr lang="ko-KR" altLang="en-US"/>
           </a:p>
@@ -1422,7 +1423,7 @@
           <a:p>
             <a:fld id="{B6224D7A-9CF3-4E78-A2C4-FBFAA96AA998}" type="datetimeFigureOut">
               <a:rPr lang="ko-KR" altLang="en-US" smtClean="0"/>
-              <a:t>2022-09-19</a:t>
+              <a:t>2022-09-23</a:t>
             </a:fld>
             <a:endParaRPr lang="ko-KR" altLang="en-US"/>
           </a:p>
@@ -1834,7 +1835,7 @@
           <a:p>
             <a:fld id="{B6224D7A-9CF3-4E78-A2C4-FBFAA96AA998}" type="datetimeFigureOut">
               <a:rPr lang="ko-KR" altLang="en-US" smtClean="0"/>
-              <a:t>2022-09-19</a:t>
+              <a:t>2022-09-23</a:t>
             </a:fld>
             <a:endParaRPr lang="ko-KR" altLang="en-US"/>
           </a:p>
@@ -1975,7 +1976,7 @@
           <a:p>
             <a:fld id="{B6224D7A-9CF3-4E78-A2C4-FBFAA96AA998}" type="datetimeFigureOut">
               <a:rPr lang="ko-KR" altLang="en-US" smtClean="0"/>
-              <a:t>2022-09-19</a:t>
+              <a:t>2022-09-23</a:t>
             </a:fld>
             <a:endParaRPr lang="ko-KR" altLang="en-US"/>
           </a:p>
@@ -2088,7 +2089,7 @@
           <a:p>
             <a:fld id="{B6224D7A-9CF3-4E78-A2C4-FBFAA96AA998}" type="datetimeFigureOut">
               <a:rPr lang="ko-KR" altLang="en-US" smtClean="0"/>
-              <a:t>2022-09-19</a:t>
+              <a:t>2022-09-23</a:t>
             </a:fld>
             <a:endParaRPr lang="ko-KR" altLang="en-US"/>
           </a:p>
@@ -2399,7 +2400,7 @@
           <a:p>
             <a:fld id="{B6224D7A-9CF3-4E78-A2C4-FBFAA96AA998}" type="datetimeFigureOut">
               <a:rPr lang="ko-KR" altLang="en-US" smtClean="0"/>
-              <a:t>2022-09-19</a:t>
+              <a:t>2022-09-23</a:t>
             </a:fld>
             <a:endParaRPr lang="ko-KR" altLang="en-US"/>
           </a:p>
@@ -2687,7 +2688,7 @@
           <a:p>
             <a:fld id="{B6224D7A-9CF3-4E78-A2C4-FBFAA96AA998}" type="datetimeFigureOut">
               <a:rPr lang="ko-KR" altLang="en-US" smtClean="0"/>
-              <a:t>2022-09-19</a:t>
+              <a:t>2022-09-23</a:t>
             </a:fld>
             <a:endParaRPr lang="ko-KR" altLang="en-US"/>
           </a:p>
@@ -2933,7 +2934,7 @@
           <a:p>
             <a:fld id="{B6224D7A-9CF3-4E78-A2C4-FBFAA96AA998}" type="datetimeFigureOut">
               <a:rPr lang="ko-KR" altLang="en-US" smtClean="0"/>
-              <a:t>2022-09-19</a:t>
+              <a:t>2022-09-23</a:t>
             </a:fld>
             <a:endParaRPr lang="ko-KR" altLang="en-US"/>
           </a:p>
@@ -8534,7 +8535,7 @@
                   <a:sysClr val="windowText" lastClr="000000"/>
                 </a:solidFill>
               </a:rPr>
-              <a:t>2</a:t>
+              <a:t>4</a:t>
             </a:r>
             <a:endParaRPr lang="ko-KR" altLang="en-US" sz="2500" dirty="0">
               <a:solidFill>
@@ -8666,7 +8667,7 @@
           <p:nvPr>
             <p:extLst>
               <p:ext uri="{D42A27DB-BD31-4B8C-83A1-F6EECF244321}">
-                <p14:modId xmlns:p14="http://schemas.microsoft.com/office/powerpoint/2010/main" val="1167427955"/>
+                <p14:modId xmlns:p14="http://schemas.microsoft.com/office/powerpoint/2010/main" val="3184745504"/>
               </p:ext>
             </p:extLst>
           </p:nvPr>
@@ -9022,43 +9023,17 @@
                     <a:bodyPr/>
                     <a:lstStyle/>
                     <a:p>
-                      <a:pPr algn="ctr"/>
-                      <a:r>
-                        <a:rPr lang="en-US" altLang="ko-KR" dirty="0">
-                          <a:solidFill>
-                            <a:schemeClr val="tx1"/>
-                          </a:solidFill>
-                        </a:rPr>
-                        <a:t>(4, 2)</a:t>
-                      </a:r>
-                      <a:endParaRPr lang="ko-KR" altLang="en-US" dirty="0">
-                        <a:solidFill>
-                          <a:schemeClr val="tx1"/>
-                        </a:solidFill>
-                      </a:endParaRPr>
-                    </a:p>
-                  </a:txBody>
-                  <a:tcPr anchor="ctr"/>
-                </a:tc>
-                <a:tc>
-                  <a:txBody>
-                    <a:bodyPr/>
-                    <a:lstStyle/>
-                    <a:p>
-                      <a:pPr algn="ctr"/>
-                      <a:r>
-                        <a:rPr lang="en-US" altLang="ko-KR" dirty="0">
-                          <a:solidFill>
-                            <a:schemeClr val="tx1"/>
-                          </a:solidFill>
-                        </a:rPr>
-                        <a:t>10</a:t>
-                      </a:r>
-                      <a:endParaRPr lang="ko-KR" altLang="en-US" dirty="0">
-                        <a:solidFill>
-                          <a:schemeClr val="tx1"/>
-                        </a:solidFill>
-                      </a:endParaRPr>
+                      <a:endParaRPr lang="ko-KR" altLang="en-US"/>
+                    </a:p>
+                  </a:txBody>
+                  <a:tcPr anchor="ctr"/>
+                </a:tc>
+                <a:tc>
+                  <a:txBody>
+                    <a:bodyPr/>
+                    <a:lstStyle/>
+                    <a:p>
+                      <a:endParaRPr lang="ko-KR" altLang="en-US"/>
                     </a:p>
                   </a:txBody>
                   <a:tcPr anchor="ctr"/>
@@ -9079,74 +9054,36 @@
                       <a:r>
                         <a:rPr lang="en-US" altLang="ko-KR" dirty="0">
                           <a:solidFill>
-                            <a:schemeClr val="accent6">
-                              <a:lumMod val="75000"/>
-                            </a:schemeClr>
+                            <a:schemeClr val="tx1"/>
                           </a:solidFill>
                         </a:rPr>
                         <a:t>8</a:t>
                       </a:r>
                       <a:endParaRPr lang="ko-KR" altLang="en-US" dirty="0">
                         <a:solidFill>
-                          <a:schemeClr val="accent6">
-                            <a:lumMod val="75000"/>
-                          </a:schemeClr>
-                        </a:solidFill>
-                      </a:endParaRPr>
-                    </a:p>
-                  </a:txBody>
-                  <a:tcPr anchor="ctr"/>
-                </a:tc>
-                <a:tc>
-                  <a:txBody>
-                    <a:bodyPr/>
-                    <a:lstStyle/>
-                    <a:p>
-                      <a:pPr algn="ctr"/>
-                      <a:r>
-                        <a:rPr lang="en-US" altLang="ko-KR" dirty="0">
-                          <a:solidFill>
-                            <a:schemeClr val="accent6">
-                              <a:lumMod val="75000"/>
-                            </a:schemeClr>
-                          </a:solidFill>
-                        </a:rPr>
-                        <a:t>(2, 4)</a:t>
-                      </a:r>
-                      <a:endParaRPr lang="ko-KR" altLang="en-US" dirty="0">
-                        <a:solidFill>
-                          <a:schemeClr val="accent6">
-                            <a:lumMod val="75000"/>
-                          </a:schemeClr>
-                        </a:solidFill>
-                      </a:endParaRPr>
-                    </a:p>
-                  </a:txBody>
-                  <a:tcPr anchor="ctr"/>
-                </a:tc>
-                <a:tc>
-                  <a:txBody>
-                    <a:bodyPr/>
-                    <a:lstStyle/>
-                    <a:p>
-                      <a:pPr algn="ctr"/>
-                      <a:r>
-                        <a:rPr lang="en-US" altLang="ko-KR" dirty="0">
-                          <a:solidFill>
-                            <a:schemeClr val="accent6">
-                              <a:lumMod val="75000"/>
-                            </a:schemeClr>
-                          </a:solidFill>
-                        </a:rPr>
-                        <a:t>10</a:t>
-                      </a:r>
-                      <a:endParaRPr lang="ko-KR" altLang="en-US" dirty="0">
-                        <a:solidFill>
-                          <a:schemeClr val="accent6">
-                            <a:lumMod val="75000"/>
-                          </a:schemeClr>
-                        </a:solidFill>
-                      </a:endParaRPr>
+                          <a:schemeClr val="tx1"/>
+                        </a:solidFill>
+                      </a:endParaRPr>
+                    </a:p>
+                  </a:txBody>
+                  <a:tcPr anchor="ctr"/>
+                </a:tc>
+                <a:tc>
+                  <a:txBody>
+                    <a:bodyPr/>
+                    <a:lstStyle/>
+                    <a:p>
+                      <a:endParaRPr lang="ko-KR" altLang="en-US"/>
+                    </a:p>
+                  </a:txBody>
+                  <a:tcPr anchor="ctr"/>
+                </a:tc>
+                <a:tc>
+                  <a:txBody>
+                    <a:bodyPr/>
+                    <a:lstStyle/>
+                    <a:p>
+                      <a:endParaRPr lang="ko-KR" altLang="en-US"/>
                     </a:p>
                   </a:txBody>
                   <a:tcPr anchor="ctr"/>
@@ -9186,43 +9123,17 @@
                     <a:bodyPr/>
                     <a:lstStyle/>
                     <a:p>
-                      <a:pPr algn="ctr"/>
-                      <a:r>
-                        <a:rPr lang="en-US" altLang="ko-KR" dirty="0">
-                          <a:solidFill>
-                            <a:schemeClr val="tx1"/>
-                          </a:solidFill>
-                        </a:rPr>
-                        <a:t>(4, 5)</a:t>
-                      </a:r>
-                      <a:endParaRPr lang="ko-KR" altLang="en-US" dirty="0">
-                        <a:solidFill>
-                          <a:schemeClr val="tx1"/>
-                        </a:solidFill>
-                      </a:endParaRPr>
-                    </a:p>
-                  </a:txBody>
-                  <a:tcPr anchor="ctr"/>
-                </a:tc>
-                <a:tc>
-                  <a:txBody>
-                    <a:bodyPr/>
-                    <a:lstStyle/>
-                    <a:p>
-                      <a:pPr algn="ctr"/>
-                      <a:r>
-                        <a:rPr lang="en-US" altLang="ko-KR" dirty="0">
-                          <a:solidFill>
-                            <a:schemeClr val="tx1"/>
-                          </a:solidFill>
-                        </a:rPr>
-                        <a:t>11</a:t>
-                      </a:r>
-                      <a:endParaRPr lang="ko-KR" altLang="en-US" dirty="0">
-                        <a:solidFill>
-                          <a:schemeClr val="tx1"/>
-                        </a:solidFill>
-                      </a:endParaRPr>
+                      <a:endParaRPr lang="ko-KR" altLang="en-US"/>
+                    </a:p>
+                  </a:txBody>
+                  <a:tcPr anchor="ctr"/>
+                </a:tc>
+                <a:tc>
+                  <a:txBody>
+                    <a:bodyPr/>
+                    <a:lstStyle/>
+                    <a:p>
+                      <a:endParaRPr lang="ko-KR" altLang="en-US" dirty="0"/>
                     </a:p>
                   </a:txBody>
                   <a:tcPr anchor="ctr"/>
@@ -9243,15 +9154,28 @@
                       <a:r>
                         <a:rPr lang="en-US" altLang="ko-KR" dirty="0">
                           <a:solidFill>
-                            <a:schemeClr val="accent6">
-                              <a:lumMod val="75000"/>
-                            </a:schemeClr>
+                            <a:schemeClr val="tx1"/>
                           </a:solidFill>
                         </a:rPr>
                         <a:t>6</a:t>
                       </a:r>
                       <a:endParaRPr lang="ko-KR" altLang="en-US" dirty="0">
                         <a:solidFill>
+                          <a:schemeClr val="tx1"/>
+                        </a:solidFill>
+                      </a:endParaRPr>
+                    </a:p>
+                  </a:txBody>
+                  <a:tcPr anchor="ctr"/>
+                </a:tc>
+                <a:tc>
+                  <a:txBody>
+                    <a:bodyPr/>
+                    <a:lstStyle/>
+                    <a:p>
+                      <a:pPr algn="ctr"/>
+                      <a:endParaRPr lang="ko-KR" altLang="en-US" dirty="0">
+                        <a:solidFill>
                           <a:schemeClr val="accent6">
                             <a:lumMod val="75000"/>
                           </a:schemeClr>
@@ -9267,43 +9191,6 @@
                     <a:lstStyle/>
                     <a:p>
                       <a:pPr algn="ctr"/>
-                      <a:r>
-                        <a:rPr lang="en-US" altLang="ko-KR" dirty="0">
-                          <a:solidFill>
-                            <a:schemeClr val="accent6">
-                              <a:lumMod val="75000"/>
-                            </a:schemeClr>
-                          </a:solidFill>
-                        </a:rPr>
-                        <a:t>(2, 6)</a:t>
-                      </a:r>
-                      <a:endParaRPr lang="ko-KR" altLang="en-US" dirty="0">
-                        <a:solidFill>
-                          <a:schemeClr val="accent6">
-                            <a:lumMod val="75000"/>
-                          </a:schemeClr>
-                        </a:solidFill>
-                      </a:endParaRPr>
-                    </a:p>
-                  </a:txBody>
-                  <a:tcPr anchor="ctr"/>
-                </a:tc>
-                <a:tc>
-                  <a:txBody>
-                    <a:bodyPr/>
-                    <a:lstStyle/>
-                    <a:p>
-                      <a:pPr algn="ctr"/>
-                      <a:r>
-                        <a:rPr lang="en-US" altLang="ko-KR" dirty="0">
-                          <a:solidFill>
-                            <a:schemeClr val="accent6">
-                              <a:lumMod val="75000"/>
-                            </a:schemeClr>
-                          </a:solidFill>
-                        </a:rPr>
-                        <a:t>6</a:t>
-                      </a:r>
                       <a:endParaRPr lang="ko-KR" altLang="en-US" dirty="0">
                         <a:solidFill>
                           <a:schemeClr val="accent6">
@@ -9407,18 +9294,14 @@
                       <a:r>
                         <a:rPr lang="en-US" altLang="ko-KR" dirty="0">
                           <a:solidFill>
-                            <a:schemeClr val="accent6">
-                              <a:lumMod val="75000"/>
-                            </a:schemeClr>
+                            <a:schemeClr val="tx1"/>
                           </a:solidFill>
                         </a:rPr>
                         <a:t>4</a:t>
                       </a:r>
                       <a:endParaRPr lang="ko-KR" altLang="en-US" dirty="0">
                         <a:solidFill>
-                          <a:schemeClr val="accent6">
-                            <a:lumMod val="75000"/>
-                          </a:schemeClr>
+                          <a:schemeClr val="tx1"/>
                         </a:solidFill>
                       </a:endParaRPr>
                     </a:p>
@@ -9434,18 +9317,14 @@
                       <a:r>
                         <a:rPr lang="en-US" altLang="ko-KR" dirty="0">
                           <a:solidFill>
-                            <a:schemeClr val="accent6">
-                              <a:lumMod val="75000"/>
-                            </a:schemeClr>
+                            <a:schemeClr val="tx1"/>
                           </a:solidFill>
                         </a:rPr>
-                        <a:t>(2, 1)</a:t>
+                        <a:t>(4, 2)</a:t>
                       </a:r>
                       <a:endParaRPr lang="ko-KR" altLang="en-US" dirty="0">
                         <a:solidFill>
-                          <a:schemeClr val="accent6">
-                            <a:lumMod val="75000"/>
-                          </a:schemeClr>
+                          <a:schemeClr val="tx1"/>
                         </a:solidFill>
                       </a:endParaRPr>
                     </a:p>
@@ -9461,18 +9340,14 @@
                       <a:r>
                         <a:rPr lang="en-US" altLang="ko-KR" dirty="0">
                           <a:solidFill>
-                            <a:schemeClr val="accent6">
-                              <a:lumMod val="75000"/>
-                            </a:schemeClr>
+                            <a:schemeClr val="tx1"/>
                           </a:solidFill>
                         </a:rPr>
-                        <a:t>7</a:t>
+                        <a:t>10</a:t>
                       </a:r>
                       <a:endParaRPr lang="ko-KR" altLang="en-US" dirty="0">
                         <a:solidFill>
-                          <a:schemeClr val="accent6">
-                            <a:lumMod val="75000"/>
-                          </a:schemeClr>
+                          <a:schemeClr val="tx1"/>
                         </a:solidFill>
                       </a:endParaRPr>
                     </a:p>
@@ -9521,7 +9396,7 @@
                             <a:schemeClr val="tx1"/>
                           </a:solidFill>
                         </a:rPr>
-                        <a:t>(7, 5)</a:t>
+                        <a:t>(4, 5)</a:t>
                       </a:r>
                       <a:endParaRPr lang="ko-KR" altLang="en-US" dirty="0">
                         <a:solidFill>
@@ -9544,7 +9419,7 @@
                             <a:schemeClr val="tx1"/>
                           </a:solidFill>
                         </a:rPr>
-                        <a:t>5</a:t>
+                        <a:t>11</a:t>
                       </a:r>
                       <a:endParaRPr lang="ko-KR" altLang="en-US" dirty="0">
                         <a:solidFill>
@@ -9647,18 +9522,14 @@
                       <a:r>
                         <a:rPr lang="en-US" altLang="ko-KR" dirty="0">
                           <a:solidFill>
-                            <a:schemeClr val="accent6">
-                              <a:lumMod val="75000"/>
-                            </a:schemeClr>
+                            <a:schemeClr val="tx1"/>
                           </a:solidFill>
                         </a:rPr>
                         <a:t>1</a:t>
                       </a:r>
                       <a:endParaRPr lang="ko-KR" altLang="en-US" dirty="0">
                         <a:solidFill>
-                          <a:schemeClr val="accent6">
-                            <a:lumMod val="75000"/>
-                          </a:schemeClr>
+                          <a:schemeClr val="tx1"/>
                         </a:solidFill>
                       </a:endParaRPr>
                     </a:p>
@@ -9674,18 +9545,14 @@
                       <a:r>
                         <a:rPr lang="en-US" altLang="ko-KR" dirty="0">
                           <a:solidFill>
-                            <a:schemeClr val="accent6">
-                              <a:lumMod val="75000"/>
-                            </a:schemeClr>
+                            <a:schemeClr val="tx1"/>
                           </a:solidFill>
                         </a:rPr>
-                        <a:t>(2, 3)</a:t>
+                        <a:t>(7, 5)</a:t>
                       </a:r>
                       <a:endParaRPr lang="ko-KR" altLang="en-US" dirty="0">
                         <a:solidFill>
-                          <a:schemeClr val="accent6">
-                            <a:lumMod val="75000"/>
-                          </a:schemeClr>
+                          <a:schemeClr val="tx1"/>
                         </a:solidFill>
                       </a:endParaRPr>
                     </a:p>
@@ -9701,18 +9568,14 @@
                       <a:r>
                         <a:rPr lang="en-US" altLang="ko-KR" dirty="0">
                           <a:solidFill>
-                            <a:schemeClr val="accent6">
-                              <a:lumMod val="75000"/>
-                            </a:schemeClr>
+                            <a:schemeClr val="tx1"/>
                           </a:solidFill>
                         </a:rPr>
-                        <a:t>4</a:t>
+                        <a:t>5</a:t>
                       </a:r>
                       <a:endParaRPr lang="ko-KR" altLang="en-US" dirty="0">
                         <a:solidFill>
-                          <a:schemeClr val="accent6">
-                            <a:lumMod val="75000"/>
-                          </a:schemeClr>
+                          <a:schemeClr val="tx1"/>
                         </a:solidFill>
                       </a:endParaRPr>
                     </a:p>
@@ -9761,7 +9624,7 @@
                             <a:srgbClr val="FF0000"/>
                           </a:solidFill>
                         </a:rPr>
-                        <a:t>(2, 5)</a:t>
+                        <a:t>(3, 2)</a:t>
                       </a:r>
                       <a:endParaRPr lang="ko-KR" altLang="en-US" dirty="0">
                         <a:solidFill>
@@ -9784,7 +9647,7 @@
                             <a:srgbClr val="FF0000"/>
                           </a:solidFill>
                         </a:rPr>
-                        <a:t>2</a:t>
+                        <a:t>4</a:t>
                       </a:r>
                       <a:endParaRPr lang="ko-KR" altLang="en-US" dirty="0">
                         <a:solidFill>
@@ -10233,117 +10096,10 @@
           </a:fontRef>
         </p:style>
       </p:cxnSp>
-      <p:sp>
-        <p:nvSpPr>
-          <p:cNvPr id="15" name="타원 14">
-            <a:extLst>
-              <a:ext uri="{FF2B5EF4-FFF2-40B4-BE49-F238E27FC236}">
-                <a16:creationId xmlns:a16="http://schemas.microsoft.com/office/drawing/2014/main" id="{73B51643-E13C-4912-8876-7C51234F3AC3}"/>
-              </a:ext>
-            </a:extLst>
-          </p:cNvPr>
-          <p:cNvSpPr/>
-          <p:nvPr/>
-        </p:nvSpPr>
-        <p:spPr>
-          <a:xfrm>
-            <a:off x="5041388" y="3635104"/>
-            <a:ext cx="783770" cy="783770"/>
-          </a:xfrm>
-          <a:prstGeom prst="ellipse">
-            <a:avLst/>
-          </a:prstGeom>
-          <a:solidFill>
-            <a:srgbClr val="FFC000"/>
-          </a:solidFill>
-          <a:ln w="28575">
-            <a:solidFill>
-              <a:schemeClr val="accent2"/>
-            </a:solidFill>
-          </a:ln>
-        </p:spPr>
-        <p:style>
-          <a:lnRef idx="2">
-            <a:schemeClr val="accent1">
-              <a:shade val="50000"/>
-            </a:schemeClr>
-          </a:lnRef>
-          <a:fillRef idx="1">
-            <a:schemeClr val="accent1"/>
-          </a:fillRef>
-          <a:effectRef idx="0">
-            <a:schemeClr val="accent1"/>
-          </a:effectRef>
-          <a:fontRef idx="minor">
-            <a:schemeClr val="lt1"/>
-          </a:fontRef>
-        </p:style>
-        <p:txBody>
-          <a:bodyPr rtlCol="0" anchor="ctr"/>
-          <a:lstStyle/>
-          <a:p>
-            <a:pPr algn="ctr"/>
-            <a:r>
-              <a:rPr lang="en-US" altLang="ko-KR" sz="2500" dirty="0">
-                <a:solidFill>
-                  <a:sysClr val="windowText" lastClr="000000"/>
-                </a:solidFill>
-              </a:rPr>
-              <a:t>4</a:t>
-            </a:r>
-            <a:endParaRPr lang="ko-KR" altLang="en-US" sz="2500" dirty="0">
-              <a:solidFill>
-                <a:sysClr val="windowText" lastClr="000000"/>
-              </a:solidFill>
-            </a:endParaRPr>
-          </a:p>
-        </p:txBody>
-      </p:sp>
-      <p:cxnSp>
-        <p:nvCxnSpPr>
-          <p:cNvPr id="16" name="직선 연결선 15">
-            <a:extLst>
-              <a:ext uri="{FF2B5EF4-FFF2-40B4-BE49-F238E27FC236}">
-                <a16:creationId xmlns:a16="http://schemas.microsoft.com/office/drawing/2014/main" id="{AC7AA8A9-372B-40A3-AFC3-7A3205B0A366}"/>
-              </a:ext>
-            </a:extLst>
-          </p:cNvPr>
-          <p:cNvCxnSpPr>
-            <a:cxnSpLocks/>
-            <a:stCxn id="8" idx="5"/>
-            <a:endCxn id="15" idx="0"/>
-          </p:cNvCxnSpPr>
-          <p:nvPr/>
-        </p:nvCxnSpPr>
-        <p:spPr>
-          <a:xfrm>
-            <a:off x="5269799" y="3088004"/>
-            <a:ext cx="163474" cy="547100"/>
-          </a:xfrm>
-          <a:prstGeom prst="line">
-            <a:avLst/>
-          </a:prstGeom>
-          <a:ln w="19050"/>
-        </p:spPr>
-        <p:style>
-          <a:lnRef idx="1">
-            <a:schemeClr val="dk1"/>
-          </a:lnRef>
-          <a:fillRef idx="0">
-            <a:schemeClr val="dk1"/>
-          </a:fillRef>
-          <a:effectRef idx="0">
-            <a:schemeClr val="dk1"/>
-          </a:effectRef>
-          <a:fontRef idx="minor">
-            <a:schemeClr val="tx1"/>
-          </a:fontRef>
-        </p:style>
-      </p:cxnSp>
     </p:spTree>
     <p:extLst>
       <p:ext uri="{BB962C8B-B14F-4D97-AF65-F5344CB8AC3E}">
-        <p14:creationId xmlns:p14="http://schemas.microsoft.com/office/powerpoint/2010/main" val="736185306"/>
+        <p14:creationId xmlns:p14="http://schemas.microsoft.com/office/powerpoint/2010/main" val="546885718"/>
       </p:ext>
     </p:extLst>
   </p:cSld>
@@ -10520,7 +10276,7 @@
         </p:nvSpPr>
         <p:spPr>
           <a:xfrm>
-            <a:off x="2167279" y="2419014"/>
+            <a:off x="2834731" y="2419014"/>
             <a:ext cx="783770" cy="783770"/>
           </a:xfrm>
           <a:prstGeom prst="ellipse">
@@ -10590,8 +10346,8 @@
         </p:nvCxnSpPr>
         <p:spPr>
           <a:xfrm flipH="1">
-            <a:off x="2559164" y="1871914"/>
-            <a:ext cx="1310030" cy="547100"/>
+            <a:off x="3226616" y="1871914"/>
+            <a:ext cx="642578" cy="547100"/>
           </a:xfrm>
           <a:prstGeom prst="line">
             <a:avLst/>
@@ -10628,7 +10384,7 @@
           <p:nvPr>
             <p:extLst>
               <p:ext uri="{D42A27DB-BD31-4B8C-83A1-F6EECF244321}">
-                <p14:modId xmlns:p14="http://schemas.microsoft.com/office/powerpoint/2010/main" val="657485570"/>
+                <p14:modId xmlns:p14="http://schemas.microsoft.com/office/powerpoint/2010/main" val="2648424682"/>
               </p:ext>
             </p:extLst>
           </p:nvPr>
@@ -10757,7 +10513,7 @@
                     <a:lstStyle/>
                     <a:p>
                       <a:pPr algn="ctr"/>
-                      <a:endParaRPr lang="ko-KR" altLang="en-US"/>
+                      <a:endParaRPr lang="ko-KR" altLang="en-US" dirty="0"/>
                     </a:p>
                   </a:txBody>
                   <a:tcPr anchor="ctr"/>
@@ -10768,7 +10524,7 @@
                     <a:lstStyle/>
                     <a:p>
                       <a:pPr algn="ctr"/>
-                      <a:endParaRPr lang="ko-KR" altLang="en-US"/>
+                      <a:endParaRPr lang="ko-KR" altLang="en-US" dirty="0"/>
                     </a:p>
                   </a:txBody>
                   <a:tcPr anchor="ctr"/>
@@ -10809,17 +10565,11 @@
                     <a:lstStyle/>
                     <a:p>
                       <a:pPr algn="ctr"/>
-                      <a:r>
-                        <a:rPr lang="en-US" altLang="ko-KR" dirty="0">
-                          <a:solidFill>
-                            <a:schemeClr val="tx1"/>
-                          </a:solidFill>
-                        </a:rPr>
-                        <a:t>(4, 7)</a:t>
-                      </a:r>
                       <a:endParaRPr lang="ko-KR" altLang="en-US" dirty="0">
                         <a:solidFill>
-                          <a:schemeClr val="tx1"/>
+                          <a:schemeClr val="accent6">
+                            <a:lumMod val="75000"/>
+                          </a:schemeClr>
                         </a:solidFill>
                       </a:endParaRPr>
                     </a:p>
@@ -10832,17 +10582,11 @@
                     <a:lstStyle/>
                     <a:p>
                       <a:pPr algn="ctr"/>
-                      <a:r>
-                        <a:rPr lang="en-US" altLang="ko-KR" dirty="0">
-                          <a:solidFill>
-                            <a:schemeClr val="tx1"/>
-                          </a:solidFill>
-                        </a:rPr>
-                        <a:t>4</a:t>
-                      </a:r>
                       <a:endParaRPr lang="ko-KR" altLang="en-US" dirty="0">
                         <a:solidFill>
-                          <a:schemeClr val="tx1"/>
+                          <a:schemeClr val="accent6">
+                            <a:lumMod val="75000"/>
+                          </a:schemeClr>
                         </a:solidFill>
                       </a:endParaRPr>
                     </a:p>
@@ -10884,15 +10628,7 @@
                     <a:bodyPr/>
                     <a:lstStyle/>
                     <a:p>
-                      <a:pPr algn="ctr"/>
-                      <a:r>
-                        <a:rPr lang="en-US" altLang="ko-KR" dirty="0">
-                          <a:solidFill>
-                            <a:schemeClr val="tx1"/>
-                          </a:solidFill>
-                        </a:rPr>
-                        <a:t>(4, 6)</a:t>
-                      </a:r>
+                      <a:pPr algn="ctr" latinLnBrk="1"/>
                       <a:endParaRPr lang="ko-KR" altLang="en-US" dirty="0">
                         <a:solidFill>
                           <a:schemeClr val="tx1"/>
@@ -10907,15 +10643,7 @@
                     <a:bodyPr/>
                     <a:lstStyle/>
                     <a:p>
-                      <a:pPr algn="ctr"/>
-                      <a:r>
-                        <a:rPr lang="en-US" altLang="ko-KR" dirty="0">
-                          <a:solidFill>
-                            <a:schemeClr val="tx1"/>
-                          </a:solidFill>
-                        </a:rPr>
-                        <a:t>9</a:t>
-                      </a:r>
+                      <a:pPr algn="ctr" latinLnBrk="1"/>
                       <a:endParaRPr lang="ko-KR" altLang="en-US" dirty="0">
                         <a:solidFill>
                           <a:schemeClr val="tx1"/>
@@ -10941,18 +10669,14 @@
                       <a:r>
                         <a:rPr lang="en-US" altLang="ko-KR" b="0" dirty="0">
                           <a:solidFill>
-                            <a:schemeClr val="accent6">
-                              <a:lumMod val="75000"/>
-                            </a:schemeClr>
+                            <a:schemeClr val="tx1"/>
                           </a:solidFill>
                         </a:rPr>
                         <a:t>10</a:t>
                       </a:r>
                       <a:endParaRPr lang="ko-KR" altLang="en-US" b="0" dirty="0">
                         <a:solidFill>
-                          <a:schemeClr val="accent6">
-                            <a:lumMod val="75000"/>
-                          </a:schemeClr>
+                          <a:schemeClr val="tx1"/>
                         </a:solidFill>
                       </a:endParaRPr>
                     </a:p>
@@ -10965,6 +10689,111 @@
                     <a:lstStyle/>
                     <a:p>
                       <a:pPr algn="ctr"/>
+                      <a:endParaRPr lang="ko-KR" altLang="en-US"/>
+                    </a:p>
+                  </a:txBody>
+                  <a:tcPr anchor="ctr"/>
+                </a:tc>
+                <a:tc>
+                  <a:txBody>
+                    <a:bodyPr/>
+                    <a:lstStyle/>
+                    <a:p>
+                      <a:pPr algn="ctr"/>
+                      <a:endParaRPr lang="ko-KR" altLang="en-US" dirty="0"/>
+                    </a:p>
+                  </a:txBody>
+                  <a:tcPr anchor="ctr"/>
+                </a:tc>
+                <a:extLst>
+                  <a:ext uri="{0D108BD9-81ED-4DB2-BD59-A6C34878D82A}">
+                    <a16:rowId xmlns:a16="http://schemas.microsoft.com/office/drawing/2014/main" val="1625158745"/>
+                  </a:ext>
+                </a:extLst>
+              </a:tr>
+              <a:tr h="409189">
+                <a:tc>
+                  <a:txBody>
+                    <a:bodyPr/>
+                    <a:lstStyle/>
+                    <a:p>
+                      <a:pPr algn="ctr" latinLnBrk="1"/>
+                      <a:r>
+                        <a:rPr lang="en-US" altLang="ko-KR" b="0" dirty="0">
+                          <a:solidFill>
+                            <a:schemeClr val="tx1"/>
+                          </a:solidFill>
+                        </a:rPr>
+                        <a:t>9</a:t>
+                      </a:r>
+                      <a:endParaRPr lang="ko-KR" altLang="en-US" b="0" dirty="0">
+                        <a:solidFill>
+                          <a:schemeClr val="tx1"/>
+                        </a:solidFill>
+                      </a:endParaRPr>
+                    </a:p>
+                  </a:txBody>
+                  <a:tcPr anchor="ctr"/>
+                </a:tc>
+                <a:tc>
+                  <a:txBody>
+                    <a:bodyPr/>
+                    <a:lstStyle/>
+                    <a:p>
+                      <a:pPr algn="ctr"/>
+                      <a:r>
+                        <a:rPr lang="en-US" altLang="ko-KR" dirty="0">
+                          <a:solidFill>
+                            <a:schemeClr val="tx1"/>
+                          </a:solidFill>
+                        </a:rPr>
+                        <a:t>(4, 2)</a:t>
+                      </a:r>
+                      <a:endParaRPr lang="ko-KR" altLang="en-US" dirty="0">
+                        <a:solidFill>
+                          <a:schemeClr val="tx1"/>
+                        </a:solidFill>
+                      </a:endParaRPr>
+                    </a:p>
+                  </a:txBody>
+                  <a:tcPr anchor="ctr"/>
+                </a:tc>
+                <a:tc>
+                  <a:txBody>
+                    <a:bodyPr/>
+                    <a:lstStyle/>
+                    <a:p>
+                      <a:pPr algn="ctr"/>
+                      <a:r>
+                        <a:rPr lang="en-US" altLang="ko-KR" dirty="0">
+                          <a:solidFill>
+                            <a:schemeClr val="tx1"/>
+                          </a:solidFill>
+                        </a:rPr>
+                        <a:t>10</a:t>
+                      </a:r>
+                      <a:endParaRPr lang="ko-KR" altLang="en-US" dirty="0">
+                        <a:solidFill>
+                          <a:schemeClr val="tx1"/>
+                        </a:solidFill>
+                      </a:endParaRPr>
+                    </a:p>
+                  </a:txBody>
+                  <a:tcPr anchor="ctr"/>
+                </a:tc>
+                <a:extLst>
+                  <a:ext uri="{0D108BD9-81ED-4DB2-BD59-A6C34878D82A}">
+                    <a16:rowId xmlns:a16="http://schemas.microsoft.com/office/drawing/2014/main" val="208855873"/>
+                  </a:ext>
+                </a:extLst>
+              </a:tr>
+              <a:tr h="409189">
+                <a:tc>
+                  <a:txBody>
+                    <a:bodyPr/>
+                    <a:lstStyle/>
+                    <a:p>
+                      <a:pPr algn="ctr" latinLnBrk="1"/>
                       <a:r>
                         <a:rPr lang="en-US" altLang="ko-KR" dirty="0">
                           <a:solidFill>
@@ -10973,7 +10802,7 @@
                             </a:schemeClr>
                           </a:solidFill>
                         </a:rPr>
-                        <a:t>(5, 4)</a:t>
+                        <a:t>8</a:t>
                       </a:r>
                       <a:endParaRPr lang="ko-KR" altLang="en-US" dirty="0">
                         <a:solidFill>
@@ -11000,7 +10829,7 @@
                             </a:schemeClr>
                           </a:solidFill>
                         </a:rPr>
-                        <a:t>11</a:t>
+                        <a:t>(2, 4)</a:t>
                       </a:r>
                       <a:endParaRPr lang="ko-KR" altLang="en-US" dirty="0">
                         <a:solidFill>
@@ -11013,36 +10842,6 @@
                   </a:txBody>
                   <a:tcPr anchor="ctr"/>
                 </a:tc>
-                <a:extLst>
-                  <a:ext uri="{0D108BD9-81ED-4DB2-BD59-A6C34878D82A}">
-                    <a16:rowId xmlns:a16="http://schemas.microsoft.com/office/drawing/2014/main" val="1625158745"/>
-                  </a:ext>
-                </a:extLst>
-              </a:tr>
-              <a:tr h="409189">
-                <a:tc>
-                  <a:txBody>
-                    <a:bodyPr/>
-                    <a:lstStyle/>
-                    <a:p>
-                      <a:pPr algn="ctr" latinLnBrk="1"/>
-                      <a:r>
-                        <a:rPr lang="en-US" altLang="ko-KR" b="0" dirty="0">
-                          <a:solidFill>
-                            <a:schemeClr val="tx1"/>
-                          </a:solidFill>
-                        </a:rPr>
-                        <a:t>9</a:t>
-                      </a:r>
-                      <a:endParaRPr lang="ko-KR" altLang="en-US" b="0" dirty="0">
-                        <a:solidFill>
-                          <a:schemeClr val="tx1"/>
-                        </a:solidFill>
-                      </a:endParaRPr>
-                    </a:p>
-                  </a:txBody>
-                  <a:tcPr anchor="ctr"/>
-                </a:tc>
                 <a:tc>
                   <a:txBody>
                     <a:bodyPr/>
@@ -11052,113 +10851,18 @@
                       <a:r>
                         <a:rPr lang="en-US" altLang="ko-KR" dirty="0">
                           <a:solidFill>
-                            <a:schemeClr val="tx1"/>
-                          </a:solidFill>
-                        </a:rPr>
-                        <a:t>(2, 1)</a:t>
-                      </a:r>
-                      <a:endParaRPr lang="ko-KR" altLang="en-US" dirty="0">
-                        <a:solidFill>
-                          <a:schemeClr val="tx1"/>
-                        </a:solidFill>
-                      </a:endParaRPr>
-                    </a:p>
-                  </a:txBody>
-                  <a:tcPr anchor="ctr"/>
-                </a:tc>
-                <a:tc>
-                  <a:txBody>
-                    <a:bodyPr/>
-                    <a:lstStyle/>
-                    <a:p>
-                      <a:pPr algn="ctr"/>
-                      <a:r>
-                        <a:rPr lang="en-US" altLang="ko-KR" dirty="0">
-                          <a:solidFill>
-                            <a:schemeClr val="tx1"/>
-                          </a:solidFill>
-                        </a:rPr>
-                        <a:t>7</a:t>
-                      </a:r>
-                      <a:endParaRPr lang="ko-KR" altLang="en-US" dirty="0">
-                        <a:solidFill>
-                          <a:schemeClr val="tx1"/>
-                        </a:solidFill>
-                      </a:endParaRPr>
-                    </a:p>
-                  </a:txBody>
-                  <a:tcPr anchor="ctr"/>
-                </a:tc>
-                <a:extLst>
-                  <a:ext uri="{0D108BD9-81ED-4DB2-BD59-A6C34878D82A}">
-                    <a16:rowId xmlns:a16="http://schemas.microsoft.com/office/drawing/2014/main" val="208855873"/>
-                  </a:ext>
-                </a:extLst>
-              </a:tr>
-              <a:tr h="409189">
-                <a:tc>
-                  <a:txBody>
-                    <a:bodyPr/>
-                    <a:lstStyle/>
-                    <a:p>
-                      <a:pPr algn="ctr" latinLnBrk="1"/>
-                      <a:r>
-                        <a:rPr lang="en-US" altLang="ko-KR" dirty="0">
-                          <a:solidFill>
-                            <a:schemeClr val="tx1"/>
-                          </a:solidFill>
-                        </a:rPr>
-                        <a:t>8</a:t>
-                      </a:r>
-                      <a:endParaRPr lang="ko-KR" altLang="en-US" dirty="0">
-                        <a:solidFill>
-                          <a:schemeClr val="tx1"/>
-                        </a:solidFill>
-                      </a:endParaRPr>
-                    </a:p>
-                  </a:txBody>
-                  <a:tcPr anchor="ctr"/>
-                </a:tc>
-                <a:tc>
-                  <a:txBody>
-                    <a:bodyPr/>
-                    <a:lstStyle/>
-                    <a:p>
-                      <a:pPr algn="ctr"/>
-                      <a:r>
-                        <a:rPr lang="en-US" altLang="ko-KR" dirty="0">
-                          <a:solidFill>
-                            <a:schemeClr val="tx1"/>
-                          </a:solidFill>
-                        </a:rPr>
-                        <a:t>(2, 4)</a:t>
-                      </a:r>
-                      <a:endParaRPr lang="ko-KR" altLang="en-US" dirty="0">
-                        <a:solidFill>
-                          <a:schemeClr val="tx1"/>
-                        </a:solidFill>
-                      </a:endParaRPr>
-                    </a:p>
-                  </a:txBody>
-                  <a:tcPr anchor="ctr"/>
-                </a:tc>
-                <a:tc>
-                  <a:txBody>
-                    <a:bodyPr/>
-                    <a:lstStyle/>
-                    <a:p>
-                      <a:pPr algn="ctr"/>
-                      <a:r>
-                        <a:rPr lang="en-US" altLang="ko-KR" dirty="0">
-                          <a:solidFill>
-                            <a:schemeClr val="tx1"/>
+                            <a:schemeClr val="accent6">
+                              <a:lumMod val="75000"/>
+                            </a:schemeClr>
                           </a:solidFill>
                         </a:rPr>
                         <a:t>10</a:t>
                       </a:r>
                       <a:endParaRPr lang="ko-KR" altLang="en-US" dirty="0">
                         <a:solidFill>
-                          <a:schemeClr val="tx1"/>
+                          <a:schemeClr val="accent6">
+                            <a:lumMod val="75000"/>
+                          </a:schemeClr>
                         </a:solidFill>
                       </a:endParaRPr>
                     </a:p>
@@ -11257,14 +10961,18 @@
                       <a:r>
                         <a:rPr lang="en-US" altLang="ko-KR" dirty="0">
                           <a:solidFill>
-                            <a:schemeClr val="tx1"/>
+                            <a:schemeClr val="accent6">
+                              <a:lumMod val="75000"/>
+                            </a:schemeClr>
                           </a:solidFill>
                         </a:rPr>
                         <a:t>6</a:t>
                       </a:r>
                       <a:endParaRPr lang="ko-KR" altLang="en-US" dirty="0">
                         <a:solidFill>
-                          <a:schemeClr val="tx1"/>
+                          <a:schemeClr val="accent6">
+                            <a:lumMod val="75000"/>
+                          </a:schemeClr>
                         </a:solidFill>
                       </a:endParaRPr>
                     </a:p>
@@ -11280,14 +10988,18 @@
                       <a:r>
                         <a:rPr lang="en-US" altLang="ko-KR" dirty="0">
                           <a:solidFill>
-                            <a:schemeClr val="tx1"/>
+                            <a:schemeClr val="accent6">
+                              <a:lumMod val="75000"/>
+                            </a:schemeClr>
                           </a:solidFill>
                         </a:rPr>
                         <a:t>(2, 6)</a:t>
                       </a:r>
                       <a:endParaRPr lang="ko-KR" altLang="en-US" dirty="0">
                         <a:solidFill>
-                          <a:schemeClr val="tx1"/>
+                          <a:schemeClr val="accent6">
+                            <a:lumMod val="75000"/>
+                          </a:schemeClr>
                         </a:solidFill>
                       </a:endParaRPr>
                     </a:p>
@@ -11303,14 +11015,18 @@
                       <a:r>
                         <a:rPr lang="en-US" altLang="ko-KR" dirty="0">
                           <a:solidFill>
-                            <a:schemeClr val="tx1"/>
+                            <a:schemeClr val="accent6">
+                              <a:lumMod val="75000"/>
+                            </a:schemeClr>
                           </a:solidFill>
                         </a:rPr>
                         <a:t>6</a:t>
                       </a:r>
                       <a:endParaRPr lang="ko-KR" altLang="en-US" dirty="0">
                         <a:solidFill>
-                          <a:schemeClr val="tx1"/>
+                          <a:schemeClr val="accent6">
+                            <a:lumMod val="75000"/>
+                          </a:schemeClr>
                         </a:solidFill>
                       </a:endParaRPr>
                     </a:p>
@@ -11359,7 +11075,7 @@
                             <a:schemeClr val="tx1"/>
                           </a:solidFill>
                         </a:rPr>
-                        <a:t>(2, 3)</a:t>
+                        <a:t>(4, 6)</a:t>
                       </a:r>
                       <a:endParaRPr lang="ko-KR" altLang="en-US" dirty="0">
                         <a:solidFill>
@@ -11382,7 +11098,7 @@
                             <a:schemeClr val="tx1"/>
                           </a:solidFill>
                         </a:rPr>
-                        <a:t>4</a:t>
+                        <a:t>9</a:t>
                       </a:r>
                       <a:endParaRPr lang="ko-KR" altLang="en-US" dirty="0">
                         <a:solidFill>
@@ -11441,7 +11157,7 @@
                             </a:schemeClr>
                           </a:solidFill>
                         </a:rPr>
-                        <a:t>(5, 7)</a:t>
+                        <a:t>(2, 1)</a:t>
                       </a:r>
                       <a:endParaRPr lang="ko-KR" altLang="en-US" dirty="0">
                         <a:solidFill>
@@ -11468,7 +11184,7 @@
                             </a:schemeClr>
                           </a:solidFill>
                         </a:rPr>
-                        <a:t>5</a:t>
+                        <a:t>7</a:t>
                       </a:r>
                       <a:endParaRPr lang="ko-KR" altLang="en-US" dirty="0">
                         <a:solidFill>
@@ -11523,7 +11239,7 @@
                             <a:schemeClr val="tx1"/>
                           </a:solidFill>
                         </a:rPr>
-                        <a:t>(4, 2)</a:t>
+                        <a:t>(7, 5)</a:t>
                       </a:r>
                       <a:endParaRPr lang="ko-KR" altLang="en-US" dirty="0">
                         <a:solidFill>
@@ -11546,7 +11262,7 @@
                             <a:schemeClr val="tx1"/>
                           </a:solidFill>
                         </a:rPr>
-                        <a:t>10</a:t>
+                        <a:t>5</a:t>
                       </a:r>
                       <a:endParaRPr lang="ko-KR" altLang="en-US" dirty="0">
                         <a:solidFill>
@@ -11573,18 +11289,14 @@
                       <a:r>
                         <a:rPr lang="en-US" altLang="ko-KR" dirty="0">
                           <a:solidFill>
-                            <a:schemeClr val="accent6">
-                              <a:lumMod val="75000"/>
-                            </a:schemeClr>
+                            <a:schemeClr val="tx1"/>
                           </a:solidFill>
                         </a:rPr>
                         <a:t>2</a:t>
                       </a:r>
                       <a:endParaRPr lang="ko-KR" altLang="en-US" dirty="0">
                         <a:solidFill>
-                          <a:schemeClr val="accent6">
-                            <a:lumMod val="75000"/>
-                          </a:schemeClr>
+                          <a:schemeClr val="tx1"/>
                         </a:solidFill>
                       </a:endParaRPr>
                     </a:p>
@@ -11597,6 +11309,59 @@
                     <a:lstStyle/>
                     <a:p>
                       <a:pPr algn="ctr"/>
+                      <a:r>
+                        <a:rPr lang="en-US" altLang="ko-KR" dirty="0">
+                          <a:solidFill>
+                            <a:schemeClr val="tx1"/>
+                          </a:solidFill>
+                        </a:rPr>
+                        <a:t>(4, 7)</a:t>
+                      </a:r>
+                      <a:endParaRPr lang="ko-KR" altLang="en-US" dirty="0">
+                        <a:solidFill>
+                          <a:schemeClr val="tx1"/>
+                        </a:solidFill>
+                      </a:endParaRPr>
+                    </a:p>
+                  </a:txBody>
+                  <a:tcPr anchor="ctr"/>
+                </a:tc>
+                <a:tc>
+                  <a:txBody>
+                    <a:bodyPr/>
+                    <a:lstStyle/>
+                    <a:p>
+                      <a:pPr algn="ctr"/>
+                      <a:r>
+                        <a:rPr lang="en-US" altLang="ko-KR" dirty="0">
+                          <a:solidFill>
+                            <a:schemeClr val="tx1"/>
+                          </a:solidFill>
+                        </a:rPr>
+                        <a:t>4</a:t>
+                      </a:r>
+                      <a:endParaRPr lang="ko-KR" altLang="en-US" dirty="0">
+                        <a:solidFill>
+                          <a:schemeClr val="tx1"/>
+                        </a:solidFill>
+                      </a:endParaRPr>
+                    </a:p>
+                  </a:txBody>
+                  <a:tcPr anchor="ctr"/>
+                </a:tc>
+                <a:extLst>
+                  <a:ext uri="{0D108BD9-81ED-4DB2-BD59-A6C34878D82A}">
+                    <a16:rowId xmlns:a16="http://schemas.microsoft.com/office/drawing/2014/main" val="4211862219"/>
+                  </a:ext>
+                </a:extLst>
+              </a:tr>
+              <a:tr h="409189">
+                <a:tc>
+                  <a:txBody>
+                    <a:bodyPr/>
+                    <a:lstStyle/>
+                    <a:p>
+                      <a:pPr algn="ctr" latinLnBrk="1"/>
                       <a:r>
                         <a:rPr lang="en-US" altLang="ko-KR" dirty="0">
                           <a:solidFill>
@@ -11605,7 +11370,7 @@
                             </a:schemeClr>
                           </a:solidFill>
                         </a:rPr>
-                        <a:t>(5, 1)</a:t>
+                        <a:t>1</a:t>
                       </a:r>
                       <a:endParaRPr lang="ko-KR" altLang="en-US" dirty="0">
                         <a:solidFill>
@@ -11632,7 +11397,7 @@
                             </a:schemeClr>
                           </a:solidFill>
                         </a:rPr>
-                        <a:t>3</a:t>
+                        <a:t>(2, 3)</a:t>
                       </a:r>
                       <a:endParaRPr lang="ko-KR" altLang="en-US" dirty="0">
                         <a:solidFill>
@@ -11645,76 +11410,27 @@
                   </a:txBody>
                   <a:tcPr anchor="ctr"/>
                 </a:tc>
-                <a:extLst>
-                  <a:ext uri="{0D108BD9-81ED-4DB2-BD59-A6C34878D82A}">
-                    <a16:rowId xmlns:a16="http://schemas.microsoft.com/office/drawing/2014/main" val="4211862219"/>
-                  </a:ext>
-                </a:extLst>
-              </a:tr>
-              <a:tr h="409189">
-                <a:tc>
-                  <a:txBody>
-                    <a:bodyPr/>
-                    <a:lstStyle/>
-                    <a:p>
-                      <a:pPr algn="ctr" latinLnBrk="1"/>
+                <a:tc>
+                  <a:txBody>
+                    <a:bodyPr/>
+                    <a:lstStyle/>
+                    <a:p>
+                      <a:pPr algn="ctr"/>
                       <a:r>
                         <a:rPr lang="en-US" altLang="ko-KR" dirty="0">
                           <a:solidFill>
-                            <a:schemeClr val="tx1"/>
+                            <a:schemeClr val="accent6">
+                              <a:lumMod val="75000"/>
+                            </a:schemeClr>
                           </a:solidFill>
                         </a:rPr>
-                        <a:t>1</a:t>
+                        <a:t>4</a:t>
                       </a:r>
                       <a:endParaRPr lang="ko-KR" altLang="en-US" dirty="0">
                         <a:solidFill>
-                          <a:schemeClr val="tx1"/>
-                        </a:solidFill>
-                      </a:endParaRPr>
-                    </a:p>
-                  </a:txBody>
-                  <a:tcPr anchor="ctr"/>
-                </a:tc>
-                <a:tc>
-                  <a:txBody>
-                    <a:bodyPr/>
-                    <a:lstStyle/>
-                    <a:p>
-                      <a:pPr algn="ctr"/>
-                      <a:r>
-                        <a:rPr lang="en-US" altLang="ko-KR" dirty="0">
-                          <a:solidFill>
-                            <a:schemeClr val="tx1"/>
-                          </a:solidFill>
-                        </a:rPr>
-                        <a:t>(7, 5)</a:t>
-                      </a:r>
-                      <a:endParaRPr lang="ko-KR" altLang="en-US" dirty="0">
-                        <a:solidFill>
-                          <a:schemeClr val="tx1"/>
-                        </a:solidFill>
-                      </a:endParaRPr>
-                    </a:p>
-                  </a:txBody>
-                  <a:tcPr anchor="ctr"/>
-                </a:tc>
-                <a:tc>
-                  <a:txBody>
-                    <a:bodyPr/>
-                    <a:lstStyle/>
-                    <a:p>
-                      <a:pPr algn="ctr"/>
-                      <a:r>
-                        <a:rPr lang="en-US" altLang="ko-KR" dirty="0">
-                          <a:solidFill>
-                            <a:schemeClr val="tx1"/>
-                          </a:solidFill>
-                        </a:rPr>
-                        <a:t>5</a:t>
-                      </a:r>
-                      <a:endParaRPr lang="ko-KR" altLang="en-US" dirty="0">
-                        <a:solidFill>
-                          <a:schemeClr val="tx1"/>
+                          <a:schemeClr val="accent6">
+                            <a:lumMod val="75000"/>
+                          </a:schemeClr>
                         </a:solidFill>
                       </a:endParaRPr>
                     </a:p>
@@ -11758,12 +11474,12 @@
                     <a:p>
                       <a:pPr algn="ctr"/>
                       <a:r>
-                        <a:rPr lang="en-US" altLang="ko-KR" dirty="0">
+                        <a:rPr lang="en-US" altLang="ko-KR">
                           <a:solidFill>
                             <a:srgbClr val="FF0000"/>
                           </a:solidFill>
                         </a:rPr>
-                        <a:t>(5, 2)</a:t>
+                        <a:t>(2, 5)</a:t>
                       </a:r>
                       <a:endParaRPr lang="ko-KR" altLang="en-US" dirty="0">
                         <a:solidFill>
@@ -11821,7 +11537,7 @@
         </p:nvSpPr>
         <p:spPr>
           <a:xfrm>
-            <a:off x="5511635" y="2419014"/>
+            <a:off x="4600809" y="2419014"/>
             <a:ext cx="783770" cy="783770"/>
           </a:xfrm>
           <a:prstGeom prst="ellipse">
@@ -11863,7 +11579,7 @@
                   <a:sysClr val="windowText" lastClr="000000"/>
                 </a:solidFill>
               </a:rPr>
-              <a:t>3</a:t>
+              <a:t>4</a:t>
             </a:r>
             <a:endParaRPr lang="ko-KR" altLang="en-US" sz="2500" dirty="0">
               <a:solidFill>
@@ -11892,7 +11608,7 @@
         <p:spPr>
           <a:xfrm>
             <a:off x="4423404" y="1871914"/>
-            <a:ext cx="1480116" cy="547100"/>
+            <a:ext cx="569290" cy="547100"/>
           </a:xfrm>
           <a:prstGeom prst="line">
             <a:avLst/>
@@ -11928,7 +11644,114 @@
         </p:nvSpPr>
         <p:spPr>
           <a:xfrm>
-            <a:off x="1206932" y="3635104"/>
+            <a:off x="2343243" y="3635104"/>
+            <a:ext cx="783770" cy="783770"/>
+          </a:xfrm>
+          <a:prstGeom prst="ellipse">
+            <a:avLst/>
+          </a:prstGeom>
+          <a:solidFill>
+            <a:srgbClr val="FFC000"/>
+          </a:solidFill>
+          <a:ln w="28575">
+            <a:solidFill>
+              <a:schemeClr val="accent2"/>
+            </a:solidFill>
+          </a:ln>
+        </p:spPr>
+        <p:style>
+          <a:lnRef idx="2">
+            <a:schemeClr val="accent1">
+              <a:shade val="50000"/>
+            </a:schemeClr>
+          </a:lnRef>
+          <a:fillRef idx="1">
+            <a:schemeClr val="accent1"/>
+          </a:fillRef>
+          <a:effectRef idx="0">
+            <a:schemeClr val="accent1"/>
+          </a:effectRef>
+          <a:fontRef idx="minor">
+            <a:schemeClr val="lt1"/>
+          </a:fontRef>
+        </p:style>
+        <p:txBody>
+          <a:bodyPr rtlCol="0" anchor="ctr"/>
+          <a:lstStyle/>
+          <a:p>
+            <a:pPr algn="ctr"/>
+            <a:r>
+              <a:rPr lang="en-US" altLang="ko-KR" sz="2500" dirty="0">
+                <a:solidFill>
+                  <a:sysClr val="windowText" lastClr="000000"/>
+                </a:solidFill>
+              </a:rPr>
+              <a:t>11</a:t>
+            </a:r>
+            <a:endParaRPr lang="ko-KR" altLang="en-US" sz="2500" dirty="0">
+              <a:solidFill>
+                <a:sysClr val="windowText" lastClr="000000"/>
+              </a:solidFill>
+            </a:endParaRPr>
+          </a:p>
+        </p:txBody>
+      </p:sp>
+      <p:cxnSp>
+        <p:nvCxnSpPr>
+          <p:cNvPr id="14" name="직선 연결선 13">
+            <a:extLst>
+              <a:ext uri="{FF2B5EF4-FFF2-40B4-BE49-F238E27FC236}">
+                <a16:creationId xmlns:a16="http://schemas.microsoft.com/office/drawing/2014/main" id="{4022F947-2150-4248-84D5-14C652043FD9}"/>
+              </a:ext>
+            </a:extLst>
+          </p:cNvPr>
+          <p:cNvCxnSpPr>
+            <a:cxnSpLocks/>
+            <a:stCxn id="36" idx="3"/>
+            <a:endCxn id="13" idx="0"/>
+          </p:cNvCxnSpPr>
+          <p:nvPr/>
+        </p:nvCxnSpPr>
+        <p:spPr>
+          <a:xfrm flipH="1">
+            <a:off x="2735128" y="3088004"/>
+            <a:ext cx="214383" cy="547100"/>
+          </a:xfrm>
+          <a:prstGeom prst="line">
+            <a:avLst/>
+          </a:prstGeom>
+          <a:ln w="19050"/>
+        </p:spPr>
+        <p:style>
+          <a:lnRef idx="1">
+            <a:schemeClr val="dk1"/>
+          </a:lnRef>
+          <a:fillRef idx="0">
+            <a:schemeClr val="dk1"/>
+          </a:fillRef>
+          <a:effectRef idx="0">
+            <a:schemeClr val="dk1"/>
+          </a:effectRef>
+          <a:fontRef idx="minor">
+            <a:schemeClr val="tx1"/>
+          </a:fontRef>
+        </p:style>
+      </p:cxnSp>
+      <p:sp>
+        <p:nvSpPr>
+          <p:cNvPr id="19" name="타원 18">
+            <a:extLst>
+              <a:ext uri="{FF2B5EF4-FFF2-40B4-BE49-F238E27FC236}">
+                <a16:creationId xmlns:a16="http://schemas.microsoft.com/office/drawing/2014/main" id="{16B30F20-53AC-4AB7-9B58-4C0557BECA6F}"/>
+              </a:ext>
+            </a:extLst>
+          </p:cNvPr>
+          <p:cNvSpPr/>
+          <p:nvPr/>
+        </p:nvSpPr>
+        <p:spPr>
+          <a:xfrm>
+            <a:off x="3278728" y="3635104"/>
             <a:ext cx="783770" cy="783770"/>
           </a:xfrm>
           <a:prstGeom prst="ellipse">
@@ -11982,24 +11805,24 @@
       </p:sp>
       <p:cxnSp>
         <p:nvCxnSpPr>
-          <p:cNvPr id="14" name="직선 연결선 13">
-            <a:extLst>
-              <a:ext uri="{FF2B5EF4-FFF2-40B4-BE49-F238E27FC236}">
-                <a16:creationId xmlns:a16="http://schemas.microsoft.com/office/drawing/2014/main" id="{4022F947-2150-4248-84D5-14C652043FD9}"/>
+          <p:cNvPr id="20" name="직선 연결선 19">
+            <a:extLst>
+              <a:ext uri="{FF2B5EF4-FFF2-40B4-BE49-F238E27FC236}">
+                <a16:creationId xmlns:a16="http://schemas.microsoft.com/office/drawing/2014/main" id="{7D953708-4747-4863-A35C-FD9F489B2795}"/>
               </a:ext>
             </a:extLst>
           </p:cNvPr>
           <p:cNvCxnSpPr>
             <a:cxnSpLocks/>
-            <a:stCxn id="36" idx="3"/>
-            <a:endCxn id="13" idx="0"/>
+            <a:stCxn id="36" idx="5"/>
+            <a:endCxn id="19" idx="0"/>
           </p:cNvCxnSpPr>
           <p:nvPr/>
         </p:nvCxnSpPr>
         <p:spPr>
-          <a:xfrm flipH="1">
-            <a:off x="1598817" y="3088004"/>
-            <a:ext cx="683242" cy="547100"/>
+          <a:xfrm>
+            <a:off x="3503721" y="3088004"/>
+            <a:ext cx="166892" cy="547100"/>
           </a:xfrm>
           <a:prstGeom prst="line">
             <a:avLst/>
@@ -12023,10 +11846,10 @@
       </p:cxnSp>
       <p:sp>
         <p:nvSpPr>
-          <p:cNvPr id="19" name="타원 18">
-            <a:extLst>
-              <a:ext uri="{FF2B5EF4-FFF2-40B4-BE49-F238E27FC236}">
-                <a16:creationId xmlns:a16="http://schemas.microsoft.com/office/drawing/2014/main" id="{16B30F20-53AC-4AB7-9B58-4C0557BECA6F}"/>
+          <p:cNvPr id="31" name="타원 30">
+            <a:extLst>
+              <a:ext uri="{FF2B5EF4-FFF2-40B4-BE49-F238E27FC236}">
+                <a16:creationId xmlns:a16="http://schemas.microsoft.com/office/drawing/2014/main" id="{D2A5C87B-8BDC-42C3-B699-DCFA8C9DAF06}"/>
               </a:ext>
             </a:extLst>
           </p:cNvPr>
@@ -12035,7 +11858,7 @@
         </p:nvSpPr>
         <p:spPr>
           <a:xfrm>
-            <a:off x="3066951" y="3635104"/>
+            <a:off x="4156812" y="3635104"/>
             <a:ext cx="783770" cy="783770"/>
           </a:xfrm>
           <a:prstGeom prst="ellipse">
@@ -12077,7 +11900,7 @@
                   <a:sysClr val="windowText" lastClr="000000"/>
                 </a:solidFill>
               </a:rPr>
-              <a:t>5</a:t>
+              <a:t>9</a:t>
             </a:r>
             <a:endParaRPr lang="ko-KR" altLang="en-US" sz="2500" dirty="0">
               <a:solidFill>
@@ -12089,24 +11912,24 @@
       </p:sp>
       <p:cxnSp>
         <p:nvCxnSpPr>
-          <p:cNvPr id="20" name="직선 연결선 19">
-            <a:extLst>
-              <a:ext uri="{FF2B5EF4-FFF2-40B4-BE49-F238E27FC236}">
-                <a16:creationId xmlns:a16="http://schemas.microsoft.com/office/drawing/2014/main" id="{7D953708-4747-4863-A35C-FD9F489B2795}"/>
+          <p:cNvPr id="32" name="직선 연결선 31">
+            <a:extLst>
+              <a:ext uri="{FF2B5EF4-FFF2-40B4-BE49-F238E27FC236}">
+                <a16:creationId xmlns:a16="http://schemas.microsoft.com/office/drawing/2014/main" id="{FC5D8D4B-8E2A-424C-9FBF-14E7D2993F50}"/>
               </a:ext>
             </a:extLst>
           </p:cNvPr>
           <p:cNvCxnSpPr>
             <a:cxnSpLocks/>
-            <a:stCxn id="36" idx="5"/>
-            <a:endCxn id="19" idx="0"/>
+            <a:stCxn id="8" idx="3"/>
+            <a:endCxn id="31" idx="0"/>
           </p:cNvCxnSpPr>
           <p:nvPr/>
         </p:nvCxnSpPr>
         <p:spPr>
-          <a:xfrm>
-            <a:off x="2836269" y="3088004"/>
-            <a:ext cx="622567" cy="547100"/>
+          <a:xfrm flipH="1">
+            <a:off x="4548697" y="3088004"/>
+            <a:ext cx="166892" cy="547100"/>
           </a:xfrm>
           <a:prstGeom prst="line">
             <a:avLst/>
@@ -12130,10 +11953,10 @@
       </p:cxnSp>
       <p:sp>
         <p:nvSpPr>
-          <p:cNvPr id="31" name="타원 30">
-            <a:extLst>
-              <a:ext uri="{FF2B5EF4-FFF2-40B4-BE49-F238E27FC236}">
-                <a16:creationId xmlns:a16="http://schemas.microsoft.com/office/drawing/2014/main" id="{D2A5C87B-8BDC-42C3-B699-DCFA8C9DAF06}"/>
+          <p:cNvPr id="15" name="타원 14">
+            <a:extLst>
+              <a:ext uri="{FF2B5EF4-FFF2-40B4-BE49-F238E27FC236}">
+                <a16:creationId xmlns:a16="http://schemas.microsoft.com/office/drawing/2014/main" id="{73B51643-E13C-4912-8876-7C51234F3AC3}"/>
               </a:ext>
             </a:extLst>
           </p:cNvPr>
@@ -12142,7 +11965,7 @@
         </p:nvSpPr>
         <p:spPr>
           <a:xfrm>
-            <a:off x="4786091" y="3635104"/>
+            <a:off x="5041388" y="3635104"/>
             <a:ext cx="783770" cy="783770"/>
           </a:xfrm>
           <a:prstGeom prst="ellipse">
@@ -12196,113 +12019,6 @@
       </p:sp>
       <p:cxnSp>
         <p:nvCxnSpPr>
-          <p:cNvPr id="32" name="직선 연결선 31">
-            <a:extLst>
-              <a:ext uri="{FF2B5EF4-FFF2-40B4-BE49-F238E27FC236}">
-                <a16:creationId xmlns:a16="http://schemas.microsoft.com/office/drawing/2014/main" id="{FC5D8D4B-8E2A-424C-9FBF-14E7D2993F50}"/>
-              </a:ext>
-            </a:extLst>
-          </p:cNvPr>
-          <p:cNvCxnSpPr>
-            <a:cxnSpLocks/>
-            <a:stCxn id="8" idx="3"/>
-            <a:endCxn id="31" idx="0"/>
-          </p:cNvCxnSpPr>
-          <p:nvPr/>
-        </p:nvCxnSpPr>
-        <p:spPr>
-          <a:xfrm flipH="1">
-            <a:off x="5177976" y="3088004"/>
-            <a:ext cx="448439" cy="547100"/>
-          </a:xfrm>
-          <a:prstGeom prst="line">
-            <a:avLst/>
-          </a:prstGeom>
-          <a:ln w="19050"/>
-        </p:spPr>
-        <p:style>
-          <a:lnRef idx="1">
-            <a:schemeClr val="dk1"/>
-          </a:lnRef>
-          <a:fillRef idx="0">
-            <a:schemeClr val="dk1"/>
-          </a:fillRef>
-          <a:effectRef idx="0">
-            <a:schemeClr val="dk1"/>
-          </a:effectRef>
-          <a:fontRef idx="minor">
-            <a:schemeClr val="tx1"/>
-          </a:fontRef>
-        </p:style>
-      </p:cxnSp>
-      <p:sp>
-        <p:nvSpPr>
-          <p:cNvPr id="15" name="타원 14">
-            <a:extLst>
-              <a:ext uri="{FF2B5EF4-FFF2-40B4-BE49-F238E27FC236}">
-                <a16:creationId xmlns:a16="http://schemas.microsoft.com/office/drawing/2014/main" id="{73B51643-E13C-4912-8876-7C51234F3AC3}"/>
-              </a:ext>
-            </a:extLst>
-          </p:cNvPr>
-          <p:cNvSpPr/>
-          <p:nvPr/>
-        </p:nvSpPr>
-        <p:spPr>
-          <a:xfrm>
-            <a:off x="6450250" y="3635104"/>
-            <a:ext cx="783770" cy="783770"/>
-          </a:xfrm>
-          <a:prstGeom prst="ellipse">
-            <a:avLst/>
-          </a:prstGeom>
-          <a:solidFill>
-            <a:srgbClr val="FFC000"/>
-          </a:solidFill>
-          <a:ln w="28575">
-            <a:solidFill>
-              <a:schemeClr val="accent2"/>
-            </a:solidFill>
-          </a:ln>
-        </p:spPr>
-        <p:style>
-          <a:lnRef idx="2">
-            <a:schemeClr val="accent1">
-              <a:shade val="50000"/>
-            </a:schemeClr>
-          </a:lnRef>
-          <a:fillRef idx="1">
-            <a:schemeClr val="accent1"/>
-          </a:fillRef>
-          <a:effectRef idx="0">
-            <a:schemeClr val="accent1"/>
-          </a:effectRef>
-          <a:fontRef idx="minor">
-            <a:schemeClr val="lt1"/>
-          </a:fontRef>
-        </p:style>
-        <p:txBody>
-          <a:bodyPr rtlCol="0" anchor="ctr"/>
-          <a:lstStyle/>
-          <a:p>
-            <a:pPr algn="ctr"/>
-            <a:r>
-              <a:rPr lang="en-US" altLang="ko-KR" sz="2500" dirty="0">
-                <a:solidFill>
-                  <a:sysClr val="windowText" lastClr="000000"/>
-                </a:solidFill>
-              </a:rPr>
-              <a:t>6</a:t>
-            </a:r>
-            <a:endParaRPr lang="ko-KR" altLang="en-US" sz="2500" dirty="0">
-              <a:solidFill>
-                <a:sysClr val="windowText" lastClr="000000"/>
-              </a:solidFill>
-            </a:endParaRPr>
-          </a:p>
-        </p:txBody>
-      </p:sp>
-      <p:cxnSp>
-        <p:nvCxnSpPr>
           <p:cNvPr id="16" name="직선 연결선 15">
             <a:extLst>
               <a:ext uri="{FF2B5EF4-FFF2-40B4-BE49-F238E27FC236}">
@@ -12319,650 +12035,8 @@
         </p:nvCxnSpPr>
         <p:spPr>
           <a:xfrm>
-            <a:off x="6180625" y="3088004"/>
-            <a:ext cx="661510" cy="547100"/>
-          </a:xfrm>
-          <a:prstGeom prst="line">
-            <a:avLst/>
-          </a:prstGeom>
-          <a:ln w="19050"/>
-        </p:spPr>
-        <p:style>
-          <a:lnRef idx="1">
-            <a:schemeClr val="dk1"/>
-          </a:lnRef>
-          <a:fillRef idx="0">
-            <a:schemeClr val="dk1"/>
-          </a:fillRef>
-          <a:effectRef idx="0">
-            <a:schemeClr val="dk1"/>
-          </a:effectRef>
-          <a:fontRef idx="minor">
-            <a:schemeClr val="tx1"/>
-          </a:fontRef>
-        </p:style>
-      </p:cxnSp>
-      <p:sp>
-        <p:nvSpPr>
-          <p:cNvPr id="24" name="타원 23">
-            <a:extLst>
-              <a:ext uri="{FF2B5EF4-FFF2-40B4-BE49-F238E27FC236}">
-                <a16:creationId xmlns:a16="http://schemas.microsoft.com/office/drawing/2014/main" id="{95FC83FB-E148-44ED-B11D-61732693F479}"/>
-              </a:ext>
-            </a:extLst>
-          </p:cNvPr>
-          <p:cNvSpPr/>
-          <p:nvPr/>
-        </p:nvSpPr>
-        <p:spPr>
-          <a:xfrm>
-            <a:off x="796277" y="4851194"/>
-            <a:ext cx="783770" cy="783770"/>
-          </a:xfrm>
-          <a:prstGeom prst="ellipse">
-            <a:avLst/>
-          </a:prstGeom>
-          <a:solidFill>
-            <a:srgbClr val="FFC000"/>
-          </a:solidFill>
-          <a:ln w="28575">
-            <a:solidFill>
-              <a:schemeClr val="accent2"/>
-            </a:solidFill>
-          </a:ln>
-        </p:spPr>
-        <p:style>
-          <a:lnRef idx="2">
-            <a:schemeClr val="accent1">
-              <a:shade val="50000"/>
-            </a:schemeClr>
-          </a:lnRef>
-          <a:fillRef idx="1">
-            <a:schemeClr val="accent1"/>
-          </a:fillRef>
-          <a:effectRef idx="0">
-            <a:schemeClr val="accent1"/>
-          </a:effectRef>
-          <a:fontRef idx="minor">
-            <a:schemeClr val="lt1"/>
-          </a:fontRef>
-        </p:style>
-        <p:txBody>
-          <a:bodyPr rtlCol="0" anchor="ctr"/>
-          <a:lstStyle/>
-          <a:p>
-            <a:pPr algn="ctr"/>
-            <a:r>
-              <a:rPr lang="en-US" altLang="ko-KR" sz="2500" dirty="0">
-                <a:solidFill>
-                  <a:sysClr val="windowText" lastClr="000000"/>
-                </a:solidFill>
-              </a:rPr>
-              <a:t>11</a:t>
-            </a:r>
-            <a:endParaRPr lang="ko-KR" altLang="en-US" sz="2500" dirty="0">
-              <a:solidFill>
-                <a:sysClr val="windowText" lastClr="000000"/>
-              </a:solidFill>
-            </a:endParaRPr>
-          </a:p>
-        </p:txBody>
-      </p:sp>
-      <p:cxnSp>
-        <p:nvCxnSpPr>
-          <p:cNvPr id="25" name="직선 연결선 24">
-            <a:extLst>
-              <a:ext uri="{FF2B5EF4-FFF2-40B4-BE49-F238E27FC236}">
-                <a16:creationId xmlns:a16="http://schemas.microsoft.com/office/drawing/2014/main" id="{517E4825-663B-475E-8D1D-CB28F9C3D58A}"/>
-              </a:ext>
-            </a:extLst>
-          </p:cNvPr>
-          <p:cNvCxnSpPr>
-            <a:cxnSpLocks/>
-            <a:stCxn id="13" idx="3"/>
-            <a:endCxn id="24" idx="0"/>
-          </p:cNvCxnSpPr>
-          <p:nvPr/>
-        </p:nvCxnSpPr>
-        <p:spPr>
-          <a:xfrm flipH="1">
-            <a:off x="1188162" y="4304094"/>
-            <a:ext cx="133550" cy="547100"/>
-          </a:xfrm>
-          <a:prstGeom prst="line">
-            <a:avLst/>
-          </a:prstGeom>
-          <a:ln w="19050"/>
-        </p:spPr>
-        <p:style>
-          <a:lnRef idx="1">
-            <a:schemeClr val="dk1"/>
-          </a:lnRef>
-          <a:fillRef idx="0">
-            <a:schemeClr val="dk1"/>
-          </a:fillRef>
-          <a:effectRef idx="0">
-            <a:schemeClr val="dk1"/>
-          </a:effectRef>
-          <a:fontRef idx="minor">
-            <a:schemeClr val="tx1"/>
-          </a:fontRef>
-        </p:style>
-      </p:cxnSp>
-      <p:sp>
-        <p:nvSpPr>
-          <p:cNvPr id="26" name="타원 25">
-            <a:extLst>
-              <a:ext uri="{FF2B5EF4-FFF2-40B4-BE49-F238E27FC236}">
-                <a16:creationId xmlns:a16="http://schemas.microsoft.com/office/drawing/2014/main" id="{C95EDC84-0EFE-489D-822A-467EED0BED4E}"/>
-              </a:ext>
-            </a:extLst>
-          </p:cNvPr>
-          <p:cNvSpPr/>
-          <p:nvPr/>
-        </p:nvSpPr>
-        <p:spPr>
-          <a:xfrm>
-            <a:off x="1653856" y="4851194"/>
-            <a:ext cx="783770" cy="783770"/>
-          </a:xfrm>
-          <a:prstGeom prst="ellipse">
-            <a:avLst/>
-          </a:prstGeom>
-          <a:solidFill>
-            <a:srgbClr val="FFC000"/>
-          </a:solidFill>
-          <a:ln w="28575">
-            <a:solidFill>
-              <a:schemeClr val="accent2"/>
-            </a:solidFill>
-          </a:ln>
-        </p:spPr>
-        <p:style>
-          <a:lnRef idx="2">
-            <a:schemeClr val="accent1">
-              <a:shade val="50000"/>
-            </a:schemeClr>
-          </a:lnRef>
-          <a:fillRef idx="1">
-            <a:schemeClr val="accent1"/>
-          </a:fillRef>
-          <a:effectRef idx="0">
-            <a:schemeClr val="accent1"/>
-          </a:effectRef>
-          <a:fontRef idx="minor">
-            <a:schemeClr val="lt1"/>
-          </a:fontRef>
-        </p:style>
-        <p:txBody>
-          <a:bodyPr rtlCol="0" anchor="ctr"/>
-          <a:lstStyle/>
-          <a:p>
-            <a:pPr algn="ctr"/>
-            <a:r>
-              <a:rPr lang="en-US" altLang="ko-KR" sz="2500" dirty="0">
-                <a:solidFill>
-                  <a:sysClr val="windowText" lastClr="000000"/>
-                </a:solidFill>
-              </a:rPr>
-              <a:t>10</a:t>
-            </a:r>
-            <a:endParaRPr lang="ko-KR" altLang="en-US" sz="2500" dirty="0">
-              <a:solidFill>
-                <a:sysClr val="windowText" lastClr="000000"/>
-              </a:solidFill>
-            </a:endParaRPr>
-          </a:p>
-        </p:txBody>
-      </p:sp>
-      <p:cxnSp>
-        <p:nvCxnSpPr>
-          <p:cNvPr id="28" name="직선 연결선 27">
-            <a:extLst>
-              <a:ext uri="{FF2B5EF4-FFF2-40B4-BE49-F238E27FC236}">
-                <a16:creationId xmlns:a16="http://schemas.microsoft.com/office/drawing/2014/main" id="{B964E362-199C-44CD-A4A7-E60F84359DA2}"/>
-              </a:ext>
-            </a:extLst>
-          </p:cNvPr>
-          <p:cNvCxnSpPr>
-            <a:cxnSpLocks/>
-            <a:stCxn id="13" idx="5"/>
-            <a:endCxn id="26" idx="0"/>
-          </p:cNvCxnSpPr>
-          <p:nvPr/>
-        </p:nvCxnSpPr>
-        <p:spPr>
-          <a:xfrm>
-            <a:off x="1875922" y="4304094"/>
-            <a:ext cx="169819" cy="547100"/>
-          </a:xfrm>
-          <a:prstGeom prst="line">
-            <a:avLst/>
-          </a:prstGeom>
-          <a:ln w="19050"/>
-        </p:spPr>
-        <p:style>
-          <a:lnRef idx="1">
-            <a:schemeClr val="dk1"/>
-          </a:lnRef>
-          <a:fillRef idx="0">
-            <a:schemeClr val="dk1"/>
-          </a:fillRef>
-          <a:effectRef idx="0">
-            <a:schemeClr val="dk1"/>
-          </a:effectRef>
-          <a:fontRef idx="minor">
-            <a:schemeClr val="tx1"/>
-          </a:fontRef>
-        </p:style>
-      </p:cxnSp>
-      <p:sp>
-        <p:nvSpPr>
-          <p:cNvPr id="33" name="타원 32">
-            <a:extLst>
-              <a:ext uri="{FF2B5EF4-FFF2-40B4-BE49-F238E27FC236}">
-                <a16:creationId xmlns:a16="http://schemas.microsoft.com/office/drawing/2014/main" id="{EAACEC42-DB09-4BC3-AB28-2E92902694F5}"/>
-              </a:ext>
-            </a:extLst>
-          </p:cNvPr>
-          <p:cNvSpPr/>
-          <p:nvPr/>
-        </p:nvSpPr>
-        <p:spPr>
-          <a:xfrm>
-            <a:off x="2668213" y="4851194"/>
-            <a:ext cx="783770" cy="783770"/>
-          </a:xfrm>
-          <a:prstGeom prst="ellipse">
-            <a:avLst/>
-          </a:prstGeom>
-          <a:solidFill>
-            <a:srgbClr val="FFC000"/>
-          </a:solidFill>
-          <a:ln w="28575">
-            <a:solidFill>
-              <a:schemeClr val="accent2"/>
-            </a:solidFill>
-          </a:ln>
-        </p:spPr>
-        <p:style>
-          <a:lnRef idx="2">
-            <a:schemeClr val="accent1">
-              <a:shade val="50000"/>
-            </a:schemeClr>
-          </a:lnRef>
-          <a:fillRef idx="1">
-            <a:schemeClr val="accent1"/>
-          </a:fillRef>
-          <a:effectRef idx="0">
-            <a:schemeClr val="accent1"/>
-          </a:effectRef>
-          <a:fontRef idx="minor">
-            <a:schemeClr val="lt1"/>
-          </a:fontRef>
-        </p:style>
-        <p:txBody>
-          <a:bodyPr rtlCol="0" anchor="ctr"/>
-          <a:lstStyle/>
-          <a:p>
-            <a:pPr algn="ctr"/>
-            <a:r>
-              <a:rPr lang="en-US" altLang="ko-KR" sz="2500" dirty="0">
-                <a:solidFill>
-                  <a:sysClr val="windowText" lastClr="000000"/>
-                </a:solidFill>
-              </a:rPr>
-              <a:t>7</a:t>
-            </a:r>
-            <a:endParaRPr lang="ko-KR" altLang="en-US" sz="2500" dirty="0">
-              <a:solidFill>
-                <a:sysClr val="windowText" lastClr="000000"/>
-              </a:solidFill>
-            </a:endParaRPr>
-          </a:p>
-        </p:txBody>
-      </p:sp>
-      <p:cxnSp>
-        <p:nvCxnSpPr>
-          <p:cNvPr id="34" name="직선 연결선 33">
-            <a:extLst>
-              <a:ext uri="{FF2B5EF4-FFF2-40B4-BE49-F238E27FC236}">
-                <a16:creationId xmlns:a16="http://schemas.microsoft.com/office/drawing/2014/main" id="{146B6E34-C3C0-40A5-B9A9-8316708D101D}"/>
-              </a:ext>
-            </a:extLst>
-          </p:cNvPr>
-          <p:cNvCxnSpPr>
-            <a:cxnSpLocks/>
-            <a:stCxn id="19" idx="3"/>
-            <a:endCxn id="33" idx="0"/>
-          </p:cNvCxnSpPr>
-          <p:nvPr/>
-        </p:nvCxnSpPr>
-        <p:spPr>
-          <a:xfrm flipH="1">
-            <a:off x="3060098" y="4304094"/>
-            <a:ext cx="121633" cy="547100"/>
-          </a:xfrm>
-          <a:prstGeom prst="line">
-            <a:avLst/>
-          </a:prstGeom>
-          <a:ln w="19050"/>
-        </p:spPr>
-        <p:style>
-          <a:lnRef idx="1">
-            <a:schemeClr val="dk1"/>
-          </a:lnRef>
-          <a:fillRef idx="0">
-            <a:schemeClr val="dk1"/>
-          </a:fillRef>
-          <a:effectRef idx="0">
-            <a:schemeClr val="dk1"/>
-          </a:effectRef>
-          <a:fontRef idx="minor">
-            <a:schemeClr val="tx1"/>
-          </a:fontRef>
-        </p:style>
-      </p:cxnSp>
-      <p:sp>
-        <p:nvSpPr>
-          <p:cNvPr id="37" name="타원 36">
-            <a:extLst>
-              <a:ext uri="{FF2B5EF4-FFF2-40B4-BE49-F238E27FC236}">
-                <a16:creationId xmlns:a16="http://schemas.microsoft.com/office/drawing/2014/main" id="{93CDB53B-985F-4209-AD25-87B4CD81FDA9}"/>
-              </a:ext>
-            </a:extLst>
-          </p:cNvPr>
-          <p:cNvSpPr/>
-          <p:nvPr/>
-        </p:nvSpPr>
-        <p:spPr>
-          <a:xfrm>
-            <a:off x="3536483" y="4851194"/>
-            <a:ext cx="783770" cy="783770"/>
-          </a:xfrm>
-          <a:prstGeom prst="ellipse">
-            <a:avLst/>
-          </a:prstGeom>
-          <a:solidFill>
-            <a:srgbClr val="FFC000"/>
-          </a:solidFill>
-          <a:ln w="28575">
-            <a:solidFill>
-              <a:schemeClr val="accent2"/>
-            </a:solidFill>
-          </a:ln>
-        </p:spPr>
-        <p:style>
-          <a:lnRef idx="2">
-            <a:schemeClr val="accent1">
-              <a:shade val="50000"/>
-            </a:schemeClr>
-          </a:lnRef>
-          <a:fillRef idx="1">
-            <a:schemeClr val="accent1"/>
-          </a:fillRef>
-          <a:effectRef idx="0">
-            <a:schemeClr val="accent1"/>
-          </a:effectRef>
-          <a:fontRef idx="minor">
-            <a:schemeClr val="lt1"/>
-          </a:fontRef>
-        </p:style>
-        <p:txBody>
-          <a:bodyPr rtlCol="0" anchor="ctr"/>
-          <a:lstStyle/>
-          <a:p>
-            <a:pPr algn="ctr"/>
-            <a:r>
-              <a:rPr lang="en-US" altLang="ko-KR" sz="2500" dirty="0">
-                <a:solidFill>
-                  <a:sysClr val="windowText" lastClr="000000"/>
-                </a:solidFill>
-              </a:rPr>
-              <a:t>11</a:t>
-            </a:r>
-            <a:endParaRPr lang="ko-KR" altLang="en-US" sz="2500" dirty="0">
-              <a:solidFill>
-                <a:sysClr val="windowText" lastClr="000000"/>
-              </a:solidFill>
-            </a:endParaRPr>
-          </a:p>
-        </p:txBody>
-      </p:sp>
-      <p:cxnSp>
-        <p:nvCxnSpPr>
-          <p:cNvPr id="39" name="직선 연결선 38">
-            <a:extLst>
-              <a:ext uri="{FF2B5EF4-FFF2-40B4-BE49-F238E27FC236}">
-                <a16:creationId xmlns:a16="http://schemas.microsoft.com/office/drawing/2014/main" id="{76968F23-8769-468E-8760-B90EBDFAB6C2}"/>
-              </a:ext>
-            </a:extLst>
-          </p:cNvPr>
-          <p:cNvCxnSpPr>
-            <a:cxnSpLocks/>
-            <a:stCxn id="19" idx="5"/>
-            <a:endCxn id="37" idx="0"/>
-          </p:cNvCxnSpPr>
-          <p:nvPr/>
-        </p:nvCxnSpPr>
-        <p:spPr>
-          <a:xfrm>
-            <a:off x="3735941" y="4304094"/>
-            <a:ext cx="192427" cy="547100"/>
-          </a:xfrm>
-          <a:prstGeom prst="line">
-            <a:avLst/>
-          </a:prstGeom>
-          <a:ln w="19050"/>
-        </p:spPr>
-        <p:style>
-          <a:lnRef idx="1">
-            <a:schemeClr val="dk1"/>
-          </a:lnRef>
-          <a:fillRef idx="0">
-            <a:schemeClr val="dk1"/>
-          </a:fillRef>
-          <a:effectRef idx="0">
-            <a:schemeClr val="dk1"/>
-          </a:effectRef>
-          <a:fontRef idx="minor">
-            <a:schemeClr val="tx1"/>
-          </a:fontRef>
-        </p:style>
-      </p:cxnSp>
-      <p:sp>
-        <p:nvSpPr>
-          <p:cNvPr id="44" name="타원 43">
-            <a:extLst>
-              <a:ext uri="{FF2B5EF4-FFF2-40B4-BE49-F238E27FC236}">
-                <a16:creationId xmlns:a16="http://schemas.microsoft.com/office/drawing/2014/main" id="{FFEC96A2-789A-4770-987C-709F1F1CAC2B}"/>
-              </a:ext>
-            </a:extLst>
-          </p:cNvPr>
-          <p:cNvSpPr/>
-          <p:nvPr/>
-        </p:nvSpPr>
-        <p:spPr>
-          <a:xfrm>
-            <a:off x="4386108" y="4851194"/>
-            <a:ext cx="783770" cy="783770"/>
-          </a:xfrm>
-          <a:prstGeom prst="ellipse">
-            <a:avLst/>
-          </a:prstGeom>
-          <a:solidFill>
-            <a:srgbClr val="FFC000"/>
-          </a:solidFill>
-          <a:ln w="28575">
-            <a:solidFill>
-              <a:schemeClr val="accent2"/>
-            </a:solidFill>
-          </a:ln>
-        </p:spPr>
-        <p:style>
-          <a:lnRef idx="2">
-            <a:schemeClr val="accent1">
-              <a:shade val="50000"/>
-            </a:schemeClr>
-          </a:lnRef>
-          <a:fillRef idx="1">
-            <a:schemeClr val="accent1"/>
-          </a:fillRef>
-          <a:effectRef idx="0">
-            <a:schemeClr val="accent1"/>
-          </a:effectRef>
-          <a:fontRef idx="minor">
-            <a:schemeClr val="lt1"/>
-          </a:fontRef>
-        </p:style>
-        <p:txBody>
-          <a:bodyPr rtlCol="0" anchor="ctr"/>
-          <a:lstStyle/>
-          <a:p>
-            <a:pPr algn="ctr"/>
-            <a:r>
-              <a:rPr lang="en-US" altLang="ko-KR" sz="2500" dirty="0">
-                <a:solidFill>
-                  <a:sysClr val="windowText" lastClr="000000"/>
-                </a:solidFill>
-              </a:rPr>
-              <a:t>9</a:t>
-            </a:r>
-            <a:endParaRPr lang="ko-KR" altLang="en-US" sz="2500" dirty="0">
-              <a:solidFill>
-                <a:sysClr val="windowText" lastClr="000000"/>
-              </a:solidFill>
-            </a:endParaRPr>
-          </a:p>
-        </p:txBody>
-      </p:sp>
-      <p:cxnSp>
-        <p:nvCxnSpPr>
-          <p:cNvPr id="45" name="직선 연결선 44">
-            <a:extLst>
-              <a:ext uri="{FF2B5EF4-FFF2-40B4-BE49-F238E27FC236}">
-                <a16:creationId xmlns:a16="http://schemas.microsoft.com/office/drawing/2014/main" id="{710A88A0-789F-4C3E-9900-AE6FF0FE12EA}"/>
-              </a:ext>
-            </a:extLst>
-          </p:cNvPr>
-          <p:cNvCxnSpPr>
-            <a:cxnSpLocks/>
-            <a:stCxn id="31" idx="3"/>
-            <a:endCxn id="44" idx="0"/>
-          </p:cNvCxnSpPr>
-          <p:nvPr/>
-        </p:nvCxnSpPr>
-        <p:spPr>
-          <a:xfrm flipH="1">
-            <a:off x="4777993" y="4304094"/>
-            <a:ext cx="122878" cy="547100"/>
-          </a:xfrm>
-          <a:prstGeom prst="line">
-            <a:avLst/>
-          </a:prstGeom>
-          <a:ln w="19050"/>
-        </p:spPr>
-        <p:style>
-          <a:lnRef idx="1">
-            <a:schemeClr val="dk1"/>
-          </a:lnRef>
-          <a:fillRef idx="0">
-            <a:schemeClr val="dk1"/>
-          </a:fillRef>
-          <a:effectRef idx="0">
-            <a:schemeClr val="dk1"/>
-          </a:effectRef>
-          <a:fontRef idx="minor">
-            <a:schemeClr val="tx1"/>
-          </a:fontRef>
-        </p:style>
-      </p:cxnSp>
-      <p:sp>
-        <p:nvSpPr>
-          <p:cNvPr id="46" name="타원 45">
-            <a:extLst>
-              <a:ext uri="{FF2B5EF4-FFF2-40B4-BE49-F238E27FC236}">
-                <a16:creationId xmlns:a16="http://schemas.microsoft.com/office/drawing/2014/main" id="{A2E335D0-3A2A-4ECA-A9C3-F065B9140B6D}"/>
-              </a:ext>
-            </a:extLst>
-          </p:cNvPr>
-          <p:cNvSpPr/>
-          <p:nvPr/>
-        </p:nvSpPr>
-        <p:spPr>
-          <a:xfrm>
-            <a:off x="5254378" y="4851194"/>
-            <a:ext cx="783770" cy="783770"/>
-          </a:xfrm>
-          <a:prstGeom prst="ellipse">
-            <a:avLst/>
-          </a:prstGeom>
-          <a:solidFill>
-            <a:srgbClr val="FFC000"/>
-          </a:solidFill>
-          <a:ln w="28575">
-            <a:solidFill>
-              <a:schemeClr val="accent2"/>
-            </a:solidFill>
-          </a:ln>
-        </p:spPr>
-        <p:style>
-          <a:lnRef idx="2">
-            <a:schemeClr val="accent1">
-              <a:shade val="50000"/>
-            </a:schemeClr>
-          </a:lnRef>
-          <a:fillRef idx="1">
-            <a:schemeClr val="accent1"/>
-          </a:fillRef>
-          <a:effectRef idx="0">
-            <a:schemeClr val="accent1"/>
-          </a:effectRef>
-          <a:fontRef idx="minor">
-            <a:schemeClr val="lt1"/>
-          </a:fontRef>
-        </p:style>
-        <p:txBody>
-          <a:bodyPr rtlCol="0" anchor="ctr"/>
-          <a:lstStyle/>
-          <a:p>
-            <a:pPr algn="ctr"/>
-            <a:r>
-              <a:rPr lang="en-US" altLang="ko-KR" sz="2500" dirty="0">
-                <a:solidFill>
-                  <a:sysClr val="windowText" lastClr="000000"/>
-                </a:solidFill>
-              </a:rPr>
-              <a:t>4</a:t>
-            </a:r>
-            <a:endParaRPr lang="ko-KR" altLang="en-US" sz="2500" dirty="0">
-              <a:solidFill>
-                <a:sysClr val="windowText" lastClr="000000"/>
-              </a:solidFill>
-            </a:endParaRPr>
-          </a:p>
-        </p:txBody>
-      </p:sp>
-      <p:cxnSp>
-        <p:nvCxnSpPr>
-          <p:cNvPr id="47" name="직선 연결선 46">
-            <a:extLst>
-              <a:ext uri="{FF2B5EF4-FFF2-40B4-BE49-F238E27FC236}">
-                <a16:creationId xmlns:a16="http://schemas.microsoft.com/office/drawing/2014/main" id="{1896CC4F-3F7E-41EA-925E-FF5C0C09DC15}"/>
-              </a:ext>
-            </a:extLst>
-          </p:cNvPr>
-          <p:cNvCxnSpPr>
-            <a:cxnSpLocks/>
-            <a:stCxn id="31" idx="5"/>
-            <a:endCxn id="46" idx="0"/>
-          </p:cNvCxnSpPr>
-          <p:nvPr/>
-        </p:nvCxnSpPr>
-        <p:spPr>
-          <a:xfrm>
-            <a:off x="5455081" y="4304094"/>
-            <a:ext cx="191182" cy="547100"/>
+            <a:off x="5269799" y="3088004"/>
+            <a:ext cx="163474" cy="547100"/>
           </a:xfrm>
           <a:prstGeom prst="line">
             <a:avLst/>
@@ -12987,7 +12061,7 @@
     </p:spTree>
     <p:extLst>
       <p:ext uri="{BB962C8B-B14F-4D97-AF65-F5344CB8AC3E}">
-        <p14:creationId xmlns:p14="http://schemas.microsoft.com/office/powerpoint/2010/main" val="2005668559"/>
+        <p14:creationId xmlns:p14="http://schemas.microsoft.com/office/powerpoint/2010/main" val="736185306"/>
       </p:ext>
     </p:extLst>
   </p:cSld>
@@ -13140,7 +12214,7 @@
                   <a:sysClr val="windowText" lastClr="000000"/>
                 </a:solidFill>
               </a:rPr>
-              <a:t>3</a:t>
+              <a:t>2</a:t>
             </a:r>
             <a:endParaRPr lang="ko-KR" altLang="en-US" sz="2500" dirty="0">
               <a:solidFill>
@@ -13272,7 +12346,7 @@
           <p:nvPr>
             <p:extLst>
               <p:ext uri="{D42A27DB-BD31-4B8C-83A1-F6EECF244321}">
-                <p14:modId xmlns:p14="http://schemas.microsoft.com/office/powerpoint/2010/main" val="2350959290"/>
+                <p14:modId xmlns:p14="http://schemas.microsoft.com/office/powerpoint/2010/main" val="657485570"/>
               </p:ext>
             </p:extLst>
           </p:nvPr>
@@ -13452,17 +12526,43 @@
                     <a:bodyPr/>
                     <a:lstStyle/>
                     <a:p>
-                      <a:endParaRPr lang="ko-KR" altLang="en-US"/>
-                    </a:p>
-                  </a:txBody>
-                  <a:tcPr anchor="ctr"/>
-                </a:tc>
-                <a:tc>
-                  <a:txBody>
-                    <a:bodyPr/>
-                    <a:lstStyle/>
-                    <a:p>
-                      <a:endParaRPr lang="ko-KR" altLang="en-US" dirty="0"/>
+                      <a:pPr algn="ctr"/>
+                      <a:r>
+                        <a:rPr lang="en-US" altLang="ko-KR" dirty="0">
+                          <a:solidFill>
+                            <a:schemeClr val="tx1"/>
+                          </a:solidFill>
+                        </a:rPr>
+                        <a:t>(4, 7)</a:t>
+                      </a:r>
+                      <a:endParaRPr lang="ko-KR" altLang="en-US" dirty="0">
+                        <a:solidFill>
+                          <a:schemeClr val="tx1"/>
+                        </a:solidFill>
+                      </a:endParaRPr>
+                    </a:p>
+                  </a:txBody>
+                  <a:tcPr anchor="ctr"/>
+                </a:tc>
+                <a:tc>
+                  <a:txBody>
+                    <a:bodyPr/>
+                    <a:lstStyle/>
+                    <a:p>
+                      <a:pPr algn="ctr"/>
+                      <a:r>
+                        <a:rPr lang="en-US" altLang="ko-KR" dirty="0">
+                          <a:solidFill>
+                            <a:schemeClr val="tx1"/>
+                          </a:solidFill>
+                        </a:rPr>
+                        <a:t>4</a:t>
+                      </a:r>
+                      <a:endParaRPr lang="ko-KR" altLang="en-US" dirty="0">
+                        <a:solidFill>
+                          <a:schemeClr val="tx1"/>
+                        </a:solidFill>
+                      </a:endParaRPr>
                     </a:p>
                   </a:txBody>
                   <a:tcPr anchor="ctr"/>
@@ -13559,14 +12659,18 @@
                       <a:r>
                         <a:rPr lang="en-US" altLang="ko-KR" b="0" dirty="0">
                           <a:solidFill>
-                            <a:schemeClr val="tx1"/>
+                            <a:schemeClr val="accent6">
+                              <a:lumMod val="75000"/>
+                            </a:schemeClr>
                           </a:solidFill>
                         </a:rPr>
                         <a:t>10</a:t>
                       </a:r>
                       <a:endParaRPr lang="ko-KR" altLang="en-US" b="0" dirty="0">
                         <a:solidFill>
-                          <a:schemeClr val="tx1"/>
+                          <a:schemeClr val="accent6">
+                            <a:lumMod val="75000"/>
+                          </a:schemeClr>
                         </a:solidFill>
                       </a:endParaRPr>
                     </a:p>
@@ -13582,14 +12686,18 @@
                       <a:r>
                         <a:rPr lang="en-US" altLang="ko-KR" dirty="0">
                           <a:solidFill>
-                            <a:schemeClr val="tx1"/>
+                            <a:schemeClr val="accent6">
+                              <a:lumMod val="75000"/>
+                            </a:schemeClr>
                           </a:solidFill>
                         </a:rPr>
                         <a:t>(5, 4)</a:t>
                       </a:r>
                       <a:endParaRPr lang="ko-KR" altLang="en-US" dirty="0">
                         <a:solidFill>
-                          <a:schemeClr val="tx1"/>
+                          <a:schemeClr val="accent6">
+                            <a:lumMod val="75000"/>
+                          </a:schemeClr>
                         </a:solidFill>
                       </a:endParaRPr>
                     </a:p>
@@ -13605,14 +12713,18 @@
                       <a:r>
                         <a:rPr lang="en-US" altLang="ko-KR" dirty="0">
                           <a:solidFill>
-                            <a:schemeClr val="tx1"/>
+                            <a:schemeClr val="accent6">
+                              <a:lumMod val="75000"/>
+                            </a:schemeClr>
                           </a:solidFill>
                         </a:rPr>
                         <a:t>11</a:t>
                       </a:r>
                       <a:endParaRPr lang="ko-KR" altLang="en-US" dirty="0">
                         <a:solidFill>
-                          <a:schemeClr val="tx1"/>
+                          <a:schemeClr val="accent6">
+                            <a:lumMod val="75000"/>
+                          </a:schemeClr>
                         </a:solidFill>
                       </a:endParaRPr>
                     </a:p>
@@ -14015,14 +13127,18 @@
                       <a:r>
                         <a:rPr lang="en-US" altLang="ko-KR" dirty="0">
                           <a:solidFill>
-                            <a:schemeClr val="tx1"/>
+                            <a:schemeClr val="accent6">
+                              <a:lumMod val="75000"/>
+                            </a:schemeClr>
                           </a:solidFill>
                         </a:rPr>
                         <a:t>4</a:t>
                       </a:r>
                       <a:endParaRPr lang="ko-KR" altLang="en-US" dirty="0">
                         <a:solidFill>
-                          <a:schemeClr val="tx1"/>
+                          <a:schemeClr val="accent6">
+                            <a:lumMod val="75000"/>
+                          </a:schemeClr>
                         </a:solidFill>
                       </a:endParaRPr>
                     </a:p>
@@ -14038,14 +13154,18 @@
                       <a:r>
                         <a:rPr lang="en-US" altLang="ko-KR" dirty="0">
                           <a:solidFill>
-                            <a:schemeClr val="tx1"/>
+                            <a:schemeClr val="accent6">
+                              <a:lumMod val="75000"/>
+                            </a:schemeClr>
                           </a:solidFill>
                         </a:rPr>
                         <a:t>(5, 7)</a:t>
                       </a:r>
                       <a:endParaRPr lang="ko-KR" altLang="en-US" dirty="0">
                         <a:solidFill>
-                          <a:schemeClr val="tx1"/>
+                          <a:schemeClr val="accent6">
+                            <a:lumMod val="75000"/>
+                          </a:schemeClr>
                         </a:solidFill>
                       </a:endParaRPr>
                     </a:p>
@@ -14061,14 +13181,18 @@
                       <a:r>
                         <a:rPr lang="en-US" altLang="ko-KR" dirty="0">
                           <a:solidFill>
-                            <a:schemeClr val="tx1"/>
+                            <a:schemeClr val="accent6">
+                              <a:lumMod val="75000"/>
+                            </a:schemeClr>
                           </a:solidFill>
                         </a:rPr>
                         <a:t>5</a:t>
                       </a:r>
                       <a:endParaRPr lang="ko-KR" altLang="en-US" dirty="0">
                         <a:solidFill>
-                          <a:schemeClr val="tx1"/>
+                          <a:schemeClr val="accent6">
+                            <a:lumMod val="75000"/>
+                          </a:schemeClr>
                         </a:solidFill>
                       </a:endParaRPr>
                     </a:p>
@@ -14167,14 +13291,18 @@
                       <a:r>
                         <a:rPr lang="en-US" altLang="ko-KR" dirty="0">
                           <a:solidFill>
-                            <a:schemeClr val="tx1"/>
+                            <a:schemeClr val="accent6">
+                              <a:lumMod val="75000"/>
+                            </a:schemeClr>
                           </a:solidFill>
                         </a:rPr>
                         <a:t>2</a:t>
                       </a:r>
                       <a:endParaRPr lang="ko-KR" altLang="en-US" dirty="0">
                         <a:solidFill>
-                          <a:schemeClr val="tx1"/>
+                          <a:schemeClr val="accent6">
+                            <a:lumMod val="75000"/>
+                          </a:schemeClr>
                         </a:solidFill>
                       </a:endParaRPr>
                     </a:p>
@@ -14190,14 +13318,18 @@
                       <a:r>
                         <a:rPr lang="en-US" altLang="ko-KR" dirty="0">
                           <a:solidFill>
-                            <a:schemeClr val="tx1"/>
+                            <a:schemeClr val="accent6">
+                              <a:lumMod val="75000"/>
+                            </a:schemeClr>
                           </a:solidFill>
                         </a:rPr>
-                        <a:t>(4, 7)</a:t>
+                        <a:t>(5, 1)</a:t>
                       </a:r>
                       <a:endParaRPr lang="ko-KR" altLang="en-US" dirty="0">
                         <a:solidFill>
-                          <a:schemeClr val="tx1"/>
+                          <a:schemeClr val="accent6">
+                            <a:lumMod val="75000"/>
+                          </a:schemeClr>
                         </a:solidFill>
                       </a:endParaRPr>
                     </a:p>
@@ -14213,14 +13345,18 @@
                       <a:r>
                         <a:rPr lang="en-US" altLang="ko-KR" dirty="0">
                           <a:solidFill>
-                            <a:schemeClr val="tx1"/>
+                            <a:schemeClr val="accent6">
+                              <a:lumMod val="75000"/>
+                            </a:schemeClr>
                           </a:solidFill>
                         </a:rPr>
-                        <a:t>4</a:t>
+                        <a:t>3</a:t>
                       </a:r>
                       <a:endParaRPr lang="ko-KR" altLang="en-US" dirty="0">
                         <a:solidFill>
-                          <a:schemeClr val="tx1"/>
+                          <a:schemeClr val="accent6">
+                            <a:lumMod val="75000"/>
+                          </a:schemeClr>
                         </a:solidFill>
                       </a:endParaRPr>
                     </a:p>
@@ -14345,7 +13481,7 @@
                             <a:srgbClr val="FF0000"/>
                           </a:solidFill>
                         </a:rPr>
-                        <a:t>(5, 1)</a:t>
+                        <a:t>(5, 2)</a:t>
                       </a:r>
                       <a:endParaRPr lang="ko-KR" altLang="en-US" dirty="0">
                         <a:solidFill>
@@ -14368,7 +13504,7 @@
                             <a:srgbClr val="FF0000"/>
                           </a:solidFill>
                         </a:rPr>
-                        <a:t>3</a:t>
+                        <a:t>2</a:t>
                       </a:r>
                       <a:endParaRPr lang="ko-KR" altLang="en-US" dirty="0">
                         <a:solidFill>
@@ -14445,7 +13581,7 @@
                   <a:sysClr val="windowText" lastClr="000000"/>
                 </a:solidFill>
               </a:rPr>
-              <a:t>4</a:t>
+              <a:t>3</a:t>
             </a:r>
             <a:endParaRPr lang="ko-KR" altLang="en-US" sz="2500" dirty="0">
               <a:solidFill>
@@ -15459,10 +14595,117 @@
           </a:fontRef>
         </p:style>
       </p:cxnSp>
+      <p:sp>
+        <p:nvSpPr>
+          <p:cNvPr id="46" name="타원 45">
+            <a:extLst>
+              <a:ext uri="{FF2B5EF4-FFF2-40B4-BE49-F238E27FC236}">
+                <a16:creationId xmlns:a16="http://schemas.microsoft.com/office/drawing/2014/main" id="{A2E335D0-3A2A-4ECA-A9C3-F065B9140B6D}"/>
+              </a:ext>
+            </a:extLst>
+          </p:cNvPr>
+          <p:cNvSpPr/>
+          <p:nvPr/>
+        </p:nvSpPr>
+        <p:spPr>
+          <a:xfrm>
+            <a:off x="5254378" y="4851194"/>
+            <a:ext cx="783770" cy="783770"/>
+          </a:xfrm>
+          <a:prstGeom prst="ellipse">
+            <a:avLst/>
+          </a:prstGeom>
+          <a:solidFill>
+            <a:srgbClr val="FFC000"/>
+          </a:solidFill>
+          <a:ln w="28575">
+            <a:solidFill>
+              <a:schemeClr val="accent2"/>
+            </a:solidFill>
+          </a:ln>
+        </p:spPr>
+        <p:style>
+          <a:lnRef idx="2">
+            <a:schemeClr val="accent1">
+              <a:shade val="50000"/>
+            </a:schemeClr>
+          </a:lnRef>
+          <a:fillRef idx="1">
+            <a:schemeClr val="accent1"/>
+          </a:fillRef>
+          <a:effectRef idx="0">
+            <a:schemeClr val="accent1"/>
+          </a:effectRef>
+          <a:fontRef idx="minor">
+            <a:schemeClr val="lt1"/>
+          </a:fontRef>
+        </p:style>
+        <p:txBody>
+          <a:bodyPr rtlCol="0" anchor="ctr"/>
+          <a:lstStyle/>
+          <a:p>
+            <a:pPr algn="ctr"/>
+            <a:r>
+              <a:rPr lang="en-US" altLang="ko-KR" sz="2500" dirty="0">
+                <a:solidFill>
+                  <a:sysClr val="windowText" lastClr="000000"/>
+                </a:solidFill>
+              </a:rPr>
+              <a:t>4</a:t>
+            </a:r>
+            <a:endParaRPr lang="ko-KR" altLang="en-US" sz="2500" dirty="0">
+              <a:solidFill>
+                <a:sysClr val="windowText" lastClr="000000"/>
+              </a:solidFill>
+            </a:endParaRPr>
+          </a:p>
+        </p:txBody>
+      </p:sp>
+      <p:cxnSp>
+        <p:nvCxnSpPr>
+          <p:cNvPr id="47" name="직선 연결선 46">
+            <a:extLst>
+              <a:ext uri="{FF2B5EF4-FFF2-40B4-BE49-F238E27FC236}">
+                <a16:creationId xmlns:a16="http://schemas.microsoft.com/office/drawing/2014/main" id="{1896CC4F-3F7E-41EA-925E-FF5C0C09DC15}"/>
+              </a:ext>
+            </a:extLst>
+          </p:cNvPr>
+          <p:cNvCxnSpPr>
+            <a:cxnSpLocks/>
+            <a:stCxn id="31" idx="5"/>
+            <a:endCxn id="46" idx="0"/>
+          </p:cNvCxnSpPr>
+          <p:nvPr/>
+        </p:nvCxnSpPr>
+        <p:spPr>
+          <a:xfrm>
+            <a:off x="5455081" y="4304094"/>
+            <a:ext cx="191182" cy="547100"/>
+          </a:xfrm>
+          <a:prstGeom prst="line">
+            <a:avLst/>
+          </a:prstGeom>
+          <a:ln w="19050"/>
+        </p:spPr>
+        <p:style>
+          <a:lnRef idx="1">
+            <a:schemeClr val="dk1"/>
+          </a:lnRef>
+          <a:fillRef idx="0">
+            <a:schemeClr val="dk1"/>
+          </a:fillRef>
+          <a:effectRef idx="0">
+            <a:schemeClr val="dk1"/>
+          </a:effectRef>
+          <a:fontRef idx="minor">
+            <a:schemeClr val="tx1"/>
+          </a:fontRef>
+        </p:style>
+      </p:cxnSp>
     </p:spTree>
     <p:extLst>
       <p:ext uri="{BB962C8B-B14F-4D97-AF65-F5344CB8AC3E}">
-        <p14:creationId xmlns:p14="http://schemas.microsoft.com/office/powerpoint/2010/main" val="654217512"/>
+        <p14:creationId xmlns:p14="http://schemas.microsoft.com/office/powerpoint/2010/main" val="2005668559"/>
       </p:ext>
     </p:extLst>
   </p:cSld>
@@ -15747,7 +14990,7 @@
           <p:nvPr>
             <p:extLst>
               <p:ext uri="{D42A27DB-BD31-4B8C-83A1-F6EECF244321}">
-                <p14:modId xmlns:p14="http://schemas.microsoft.com/office/powerpoint/2010/main" val="1153549045"/>
+                <p14:modId xmlns:p14="http://schemas.microsoft.com/office/powerpoint/2010/main" val="2350959290"/>
               </p:ext>
             </p:extLst>
           </p:nvPr>
@@ -15856,18 +15099,14 @@
                       <a:r>
                         <a:rPr lang="en-US" altLang="ko-KR" b="0" dirty="0">
                           <a:solidFill>
-                            <a:schemeClr val="accent6">
-                              <a:lumMod val="75000"/>
-                            </a:schemeClr>
+                            <a:schemeClr val="tx1"/>
                           </a:solidFill>
                         </a:rPr>
                         <a:t>13</a:t>
                       </a:r>
                       <a:endParaRPr lang="ko-KR" altLang="en-US" b="0" dirty="0">
                         <a:solidFill>
-                          <a:schemeClr val="accent6">
-                            <a:lumMod val="75000"/>
-                          </a:schemeClr>
+                          <a:schemeClr val="tx1"/>
                         </a:solidFill>
                       </a:endParaRPr>
                     </a:p>
@@ -15880,23 +15119,7 @@
                     <a:lstStyle/>
                     <a:p>
                       <a:pPr algn="ctr"/>
-                      <a:r>
-                        <a:rPr lang="en-US" altLang="ko-KR" dirty="0">
-                          <a:solidFill>
-                            <a:schemeClr val="accent6">
-                              <a:lumMod val="75000"/>
-                            </a:schemeClr>
-                          </a:solidFill>
-                        </a:rPr>
-                        <a:t>(1, 2)</a:t>
-                      </a:r>
-                      <a:endParaRPr lang="ko-KR" altLang="en-US" dirty="0">
-                        <a:solidFill>
-                          <a:schemeClr val="accent6">
-                            <a:lumMod val="75000"/>
-                          </a:schemeClr>
-                        </a:solidFill>
-                      </a:endParaRPr>
+                      <a:endParaRPr lang="ko-KR" altLang="en-US"/>
                     </a:p>
                   </a:txBody>
                   <a:tcPr anchor="ctr"/>
@@ -15907,23 +15130,7 @@
                     <a:lstStyle/>
                     <a:p>
                       <a:pPr algn="ctr"/>
-                      <a:r>
-                        <a:rPr lang="en-US" altLang="ko-KR" dirty="0">
-                          <a:solidFill>
-                            <a:schemeClr val="accent6">
-                              <a:lumMod val="75000"/>
-                            </a:schemeClr>
-                          </a:solidFill>
-                        </a:rPr>
-                        <a:t>7</a:t>
-                      </a:r>
-                      <a:endParaRPr lang="ko-KR" altLang="en-US" dirty="0">
-                        <a:solidFill>
-                          <a:schemeClr val="accent6">
-                            <a:lumMod val="75000"/>
-                          </a:schemeClr>
-                        </a:solidFill>
-                      </a:endParaRPr>
+                      <a:endParaRPr lang="ko-KR" altLang="en-US"/>
                     </a:p>
                   </a:txBody>
                   <a:tcPr anchor="ctr"/>
@@ -15963,43 +15170,17 @@
                     <a:bodyPr/>
                     <a:lstStyle/>
                     <a:p>
-                      <a:pPr algn="ctr"/>
-                      <a:r>
-                        <a:rPr lang="en-US" altLang="ko-KR" dirty="0">
-                          <a:solidFill>
-                            <a:schemeClr val="tx1"/>
-                          </a:solidFill>
-                        </a:rPr>
-                        <a:t>(4, 6)</a:t>
-                      </a:r>
-                      <a:endParaRPr lang="ko-KR" altLang="en-US" dirty="0">
-                        <a:solidFill>
-                          <a:schemeClr val="tx1"/>
-                        </a:solidFill>
-                      </a:endParaRPr>
-                    </a:p>
-                  </a:txBody>
-                  <a:tcPr anchor="ctr"/>
-                </a:tc>
-                <a:tc>
-                  <a:txBody>
-                    <a:bodyPr/>
-                    <a:lstStyle/>
-                    <a:p>
-                      <a:pPr algn="ctr"/>
-                      <a:r>
-                        <a:rPr lang="en-US" altLang="ko-KR" dirty="0">
-                          <a:solidFill>
-                            <a:schemeClr val="tx1"/>
-                          </a:solidFill>
-                        </a:rPr>
-                        <a:t>9</a:t>
-                      </a:r>
-                      <a:endParaRPr lang="ko-KR" altLang="en-US" dirty="0">
-                        <a:solidFill>
-                          <a:schemeClr val="tx1"/>
-                        </a:solidFill>
-                      </a:endParaRPr>
+                      <a:endParaRPr lang="ko-KR" altLang="en-US"/>
+                    </a:p>
+                  </a:txBody>
+                  <a:tcPr anchor="ctr"/>
+                </a:tc>
+                <a:tc>
+                  <a:txBody>
+                    <a:bodyPr/>
+                    <a:lstStyle/>
+                    <a:p>
+                      <a:endParaRPr lang="ko-KR" altLang="en-US" dirty="0"/>
                     </a:p>
                   </a:txBody>
                   <a:tcPr anchor="ctr"/>
@@ -16020,18 +15201,14 @@
                       <a:r>
                         <a:rPr lang="en-US" altLang="ko-KR" b="0" dirty="0">
                           <a:solidFill>
-                            <a:schemeClr val="accent6">
-                              <a:lumMod val="75000"/>
-                            </a:schemeClr>
+                            <a:schemeClr val="tx1"/>
                           </a:solidFill>
                         </a:rPr>
                         <a:t>11</a:t>
                       </a:r>
                       <a:endParaRPr lang="ko-KR" altLang="en-US" b="0" dirty="0">
                         <a:solidFill>
-                          <a:schemeClr val="accent6">
-                            <a:lumMod val="75000"/>
-                          </a:schemeClr>
+                          <a:schemeClr val="tx1"/>
                         </a:solidFill>
                       </a:endParaRPr>
                     </a:p>
@@ -16047,18 +15224,14 @@
                       <a:r>
                         <a:rPr lang="en-US" altLang="ko-KR" dirty="0">
                           <a:solidFill>
-                            <a:schemeClr val="accent6">
-                              <a:lumMod val="75000"/>
-                            </a:schemeClr>
+                            <a:schemeClr val="tx1"/>
                           </a:solidFill>
                         </a:rPr>
-                        <a:t>(1, 6)</a:t>
+                        <a:t>(4, 6)</a:t>
                       </a:r>
                       <a:endParaRPr lang="ko-KR" altLang="en-US" dirty="0">
                         <a:solidFill>
-                          <a:schemeClr val="accent6">
-                            <a:lumMod val="75000"/>
-                          </a:schemeClr>
+                          <a:schemeClr val="tx1"/>
                         </a:solidFill>
                       </a:endParaRPr>
                     </a:p>
@@ -16074,18 +15247,14 @@
                       <a:r>
                         <a:rPr lang="en-US" altLang="ko-KR" dirty="0">
                           <a:solidFill>
-                            <a:schemeClr val="accent6">
-                              <a:lumMod val="75000"/>
-                            </a:schemeClr>
+                            <a:schemeClr val="tx1"/>
                           </a:solidFill>
                         </a:rPr>
-                        <a:t>10</a:t>
+                        <a:t>9</a:t>
                       </a:r>
                       <a:endParaRPr lang="ko-KR" altLang="en-US" dirty="0">
                         <a:solidFill>
-                          <a:schemeClr val="accent6">
-                            <a:lumMod val="75000"/>
-                          </a:schemeClr>
+                          <a:schemeClr val="tx1"/>
                         </a:solidFill>
                       </a:endParaRPr>
                     </a:p>
@@ -16894,7 +16063,7 @@
                             <a:srgbClr val="FF0000"/>
                           </a:solidFill>
                         </a:rPr>
-                        <a:t>(1, 5)</a:t>
+                        <a:t>(5, 1)</a:t>
                       </a:r>
                       <a:endParaRPr lang="ko-KR" altLang="en-US" dirty="0">
                         <a:solidFill>
@@ -17380,7 +16549,7 @@
         </p:nvSpPr>
         <p:spPr>
           <a:xfrm>
-            <a:off x="6565587" y="3635104"/>
+            <a:off x="6450250" y="3635104"/>
             <a:ext cx="783770" cy="783770"/>
           </a:xfrm>
           <a:prstGeom prst="ellipse">
@@ -17451,7 +16620,7 @@
         <p:spPr>
           <a:xfrm>
             <a:off x="6180625" y="3088004"/>
-            <a:ext cx="776847" cy="547100"/>
+            <a:ext cx="661510" cy="547100"/>
           </a:xfrm>
           <a:prstGeom prst="line">
             <a:avLst/>
@@ -17957,7 +17126,7 @@
                   <a:sysClr val="windowText" lastClr="000000"/>
                 </a:solidFill>
               </a:rPr>
-              <a:t>10</a:t>
+              <a:t>9</a:t>
             </a:r>
             <a:endParaRPr lang="ko-KR" altLang="en-US" sz="2500" dirty="0">
               <a:solidFill>
@@ -18008,224 +17177,10 @@
           </a:fontRef>
         </p:style>
       </p:cxnSp>
-      <p:sp>
-        <p:nvSpPr>
-          <p:cNvPr id="29" name="타원 28">
-            <a:extLst>
-              <a:ext uri="{FF2B5EF4-FFF2-40B4-BE49-F238E27FC236}">
-                <a16:creationId xmlns:a16="http://schemas.microsoft.com/office/drawing/2014/main" id="{205A9E91-F464-45AC-BA9A-6FF98A18CD1D}"/>
-              </a:ext>
-            </a:extLst>
-          </p:cNvPr>
-          <p:cNvSpPr/>
-          <p:nvPr/>
-        </p:nvSpPr>
-        <p:spPr>
-          <a:xfrm>
-            <a:off x="5261661" y="4851194"/>
-            <a:ext cx="783770" cy="783770"/>
-          </a:xfrm>
-          <a:prstGeom prst="ellipse">
-            <a:avLst/>
-          </a:prstGeom>
-          <a:solidFill>
-            <a:srgbClr val="FFC000"/>
-          </a:solidFill>
-          <a:ln w="28575">
-            <a:solidFill>
-              <a:schemeClr val="accent2"/>
-            </a:solidFill>
-          </a:ln>
-        </p:spPr>
-        <p:style>
-          <a:lnRef idx="2">
-            <a:schemeClr val="accent1">
-              <a:shade val="50000"/>
-            </a:schemeClr>
-          </a:lnRef>
-          <a:fillRef idx="1">
-            <a:schemeClr val="accent1"/>
-          </a:fillRef>
-          <a:effectRef idx="0">
-            <a:schemeClr val="accent1"/>
-          </a:effectRef>
-          <a:fontRef idx="minor">
-            <a:schemeClr val="lt1"/>
-          </a:fontRef>
-        </p:style>
-        <p:txBody>
-          <a:bodyPr rtlCol="0" anchor="ctr"/>
-          <a:lstStyle/>
-          <a:p>
-            <a:pPr algn="ctr"/>
-            <a:r>
-              <a:rPr lang="en-US" altLang="ko-KR" sz="2500" dirty="0">
-                <a:solidFill>
-                  <a:sysClr val="windowText" lastClr="000000"/>
-                </a:solidFill>
-              </a:rPr>
-              <a:t>9</a:t>
-            </a:r>
-            <a:endParaRPr lang="ko-KR" altLang="en-US" sz="2500" dirty="0">
-              <a:solidFill>
-                <a:sysClr val="windowText" lastClr="000000"/>
-              </a:solidFill>
-            </a:endParaRPr>
-          </a:p>
-        </p:txBody>
-      </p:sp>
-      <p:cxnSp>
-        <p:nvCxnSpPr>
-          <p:cNvPr id="30" name="직선 연결선 29">
-            <a:extLst>
-              <a:ext uri="{FF2B5EF4-FFF2-40B4-BE49-F238E27FC236}">
-                <a16:creationId xmlns:a16="http://schemas.microsoft.com/office/drawing/2014/main" id="{D5DFC2E6-0F53-4008-A0B8-38ABD0E96A68}"/>
-              </a:ext>
-            </a:extLst>
-          </p:cNvPr>
-          <p:cNvCxnSpPr>
-            <a:cxnSpLocks/>
-            <a:stCxn id="31" idx="5"/>
-            <a:endCxn id="29" idx="0"/>
-          </p:cNvCxnSpPr>
-          <p:nvPr/>
-        </p:nvCxnSpPr>
-        <p:spPr>
-          <a:xfrm>
-            <a:off x="5455081" y="4304094"/>
-            <a:ext cx="198465" cy="547100"/>
-          </a:xfrm>
-          <a:prstGeom prst="line">
-            <a:avLst/>
-          </a:prstGeom>
-          <a:ln w="19050"/>
-        </p:spPr>
-        <p:style>
-          <a:lnRef idx="1">
-            <a:schemeClr val="dk1"/>
-          </a:lnRef>
-          <a:fillRef idx="0">
-            <a:schemeClr val="dk1"/>
-          </a:fillRef>
-          <a:effectRef idx="0">
-            <a:schemeClr val="dk1"/>
-          </a:effectRef>
-          <a:fontRef idx="minor">
-            <a:schemeClr val="tx1"/>
-          </a:fontRef>
-        </p:style>
-      </p:cxnSp>
-      <p:sp>
-        <p:nvSpPr>
-          <p:cNvPr id="40" name="타원 39">
-            <a:extLst>
-              <a:ext uri="{FF2B5EF4-FFF2-40B4-BE49-F238E27FC236}">
-                <a16:creationId xmlns:a16="http://schemas.microsoft.com/office/drawing/2014/main" id="{1054759D-1DE5-4620-A498-057BE1159DF0}"/>
-              </a:ext>
-            </a:extLst>
-          </p:cNvPr>
-          <p:cNvSpPr/>
-          <p:nvPr/>
-        </p:nvSpPr>
-        <p:spPr>
-          <a:xfrm>
-            <a:off x="6180625" y="4851194"/>
-            <a:ext cx="783770" cy="783770"/>
-          </a:xfrm>
-          <a:prstGeom prst="ellipse">
-            <a:avLst/>
-          </a:prstGeom>
-          <a:solidFill>
-            <a:srgbClr val="FFC000"/>
-          </a:solidFill>
-          <a:ln w="28575">
-            <a:solidFill>
-              <a:schemeClr val="accent2"/>
-            </a:solidFill>
-          </a:ln>
-        </p:spPr>
-        <p:style>
-          <a:lnRef idx="2">
-            <a:schemeClr val="accent1">
-              <a:shade val="50000"/>
-            </a:schemeClr>
-          </a:lnRef>
-          <a:fillRef idx="1">
-            <a:schemeClr val="accent1"/>
-          </a:fillRef>
-          <a:effectRef idx="0">
-            <a:schemeClr val="accent1"/>
-          </a:effectRef>
-          <a:fontRef idx="minor">
-            <a:schemeClr val="lt1"/>
-          </a:fontRef>
-        </p:style>
-        <p:txBody>
-          <a:bodyPr rtlCol="0" anchor="ctr"/>
-          <a:lstStyle/>
-          <a:p>
-            <a:pPr algn="ctr"/>
-            <a:r>
-              <a:rPr lang="en-US" altLang="ko-KR" sz="2500" dirty="0">
-                <a:solidFill>
-                  <a:sysClr val="windowText" lastClr="000000"/>
-                </a:solidFill>
-              </a:rPr>
-              <a:t>7</a:t>
-            </a:r>
-            <a:endParaRPr lang="ko-KR" altLang="en-US" sz="2500" dirty="0">
-              <a:solidFill>
-                <a:sysClr val="windowText" lastClr="000000"/>
-              </a:solidFill>
-            </a:endParaRPr>
-          </a:p>
-        </p:txBody>
-      </p:sp>
-      <p:cxnSp>
-        <p:nvCxnSpPr>
-          <p:cNvPr id="41" name="직선 연결선 40">
-            <a:extLst>
-              <a:ext uri="{FF2B5EF4-FFF2-40B4-BE49-F238E27FC236}">
-                <a16:creationId xmlns:a16="http://schemas.microsoft.com/office/drawing/2014/main" id="{F7B2F6EE-018C-4803-A9C6-7FEE329923A8}"/>
-              </a:ext>
-            </a:extLst>
-          </p:cNvPr>
-          <p:cNvCxnSpPr>
-            <a:cxnSpLocks/>
-            <a:stCxn id="15" idx="3"/>
-            <a:endCxn id="40" idx="0"/>
-          </p:cNvCxnSpPr>
-          <p:nvPr/>
-        </p:nvCxnSpPr>
-        <p:spPr>
-          <a:xfrm flipH="1">
-            <a:off x="6572510" y="4304094"/>
-            <a:ext cx="107857" cy="547100"/>
-          </a:xfrm>
-          <a:prstGeom prst="line">
-            <a:avLst/>
-          </a:prstGeom>
-          <a:ln w="19050"/>
-        </p:spPr>
-        <p:style>
-          <a:lnRef idx="1">
-            <a:schemeClr val="dk1"/>
-          </a:lnRef>
-          <a:fillRef idx="0">
-            <a:schemeClr val="dk1"/>
-          </a:fillRef>
-          <a:effectRef idx="0">
-            <a:schemeClr val="dk1"/>
-          </a:effectRef>
-          <a:fontRef idx="minor">
-            <a:schemeClr val="tx1"/>
-          </a:fontRef>
-        </p:style>
-      </p:cxnSp>
     </p:spTree>
     <p:extLst>
       <p:ext uri="{BB962C8B-B14F-4D97-AF65-F5344CB8AC3E}">
-        <p14:creationId xmlns:p14="http://schemas.microsoft.com/office/powerpoint/2010/main" val="72957202"/>
+        <p14:creationId xmlns:p14="http://schemas.microsoft.com/office/powerpoint/2010/main" val="654217512"/>
       </p:ext>
     </p:extLst>
   </p:cSld>
@@ -18378,7 +17333,7 @@
                   <a:sysClr val="windowText" lastClr="000000"/>
                 </a:solidFill>
               </a:rPr>
-              <a:t>4</a:t>
+              <a:t>3</a:t>
             </a:r>
             <a:endParaRPr lang="ko-KR" altLang="en-US" sz="2500" dirty="0">
               <a:solidFill>
@@ -18510,7 +17465,7 @@
           <p:nvPr>
             <p:extLst>
               <p:ext uri="{D42A27DB-BD31-4B8C-83A1-F6EECF244321}">
-                <p14:modId xmlns:p14="http://schemas.microsoft.com/office/powerpoint/2010/main" val="316527116"/>
+                <p14:modId xmlns:p14="http://schemas.microsoft.com/office/powerpoint/2010/main" val="1153549045"/>
               </p:ext>
             </p:extLst>
           </p:nvPr>
@@ -18619,42 +17574,72 @@
                       <a:r>
                         <a:rPr lang="en-US" altLang="ko-KR" b="0" dirty="0">
                           <a:solidFill>
-                            <a:schemeClr val="tx1"/>
+                            <a:schemeClr val="accent6">
+                              <a:lumMod val="75000"/>
+                            </a:schemeClr>
                           </a:solidFill>
                         </a:rPr>
                         <a:t>13</a:t>
                       </a:r>
                       <a:endParaRPr lang="ko-KR" altLang="en-US" b="0" dirty="0">
                         <a:solidFill>
-                          <a:schemeClr val="tx1"/>
-                        </a:solidFill>
-                      </a:endParaRPr>
-                    </a:p>
-                  </a:txBody>
-                  <a:tcPr anchor="ctr"/>
-                </a:tc>
-                <a:tc>
-                  <a:txBody>
-                    <a:bodyPr/>
-                    <a:lstStyle/>
-                    <a:p>
-                      <a:endParaRPr lang="ko-KR" altLang="en-US">
-                        <a:solidFill>
-                          <a:schemeClr val="tx1"/>
-                        </a:solidFill>
-                      </a:endParaRPr>
-                    </a:p>
-                  </a:txBody>
-                  <a:tcPr anchor="ctr"/>
-                </a:tc>
-                <a:tc>
-                  <a:txBody>
-                    <a:bodyPr/>
-                    <a:lstStyle/>
-                    <a:p>
+                          <a:schemeClr val="accent6">
+                            <a:lumMod val="75000"/>
+                          </a:schemeClr>
+                        </a:solidFill>
+                      </a:endParaRPr>
+                    </a:p>
+                  </a:txBody>
+                  <a:tcPr anchor="ctr"/>
+                </a:tc>
+                <a:tc>
+                  <a:txBody>
+                    <a:bodyPr/>
+                    <a:lstStyle/>
+                    <a:p>
+                      <a:pPr algn="ctr"/>
+                      <a:r>
+                        <a:rPr lang="en-US" altLang="ko-KR" dirty="0">
+                          <a:solidFill>
+                            <a:schemeClr val="accent6">
+                              <a:lumMod val="75000"/>
+                            </a:schemeClr>
+                          </a:solidFill>
+                        </a:rPr>
+                        <a:t>(1, 2)</a:t>
+                      </a:r>
                       <a:endParaRPr lang="ko-KR" altLang="en-US" dirty="0">
                         <a:solidFill>
-                          <a:schemeClr val="tx1"/>
+                          <a:schemeClr val="accent6">
+                            <a:lumMod val="75000"/>
+                          </a:schemeClr>
+                        </a:solidFill>
+                      </a:endParaRPr>
+                    </a:p>
+                  </a:txBody>
+                  <a:tcPr anchor="ctr"/>
+                </a:tc>
+                <a:tc>
+                  <a:txBody>
+                    <a:bodyPr/>
+                    <a:lstStyle/>
+                    <a:p>
+                      <a:pPr algn="ctr"/>
+                      <a:r>
+                        <a:rPr lang="en-US" altLang="ko-KR" dirty="0">
+                          <a:solidFill>
+                            <a:schemeClr val="accent6">
+                              <a:lumMod val="75000"/>
+                            </a:schemeClr>
+                          </a:solidFill>
+                        </a:rPr>
+                        <a:t>7</a:t>
+                      </a:r>
+                      <a:endParaRPr lang="ko-KR" altLang="en-US" dirty="0">
+                        <a:solidFill>
+                          <a:schemeClr val="accent6">
+                            <a:lumMod val="75000"/>
+                          </a:schemeClr>
                         </a:solidFill>
                       </a:endParaRPr>
                     </a:p>
@@ -18753,14 +17738,18 @@
                       <a:r>
                         <a:rPr lang="en-US" altLang="ko-KR" b="0" dirty="0">
                           <a:solidFill>
-                            <a:schemeClr val="tx1"/>
+                            <a:schemeClr val="accent6">
+                              <a:lumMod val="75000"/>
+                            </a:schemeClr>
                           </a:solidFill>
                         </a:rPr>
                         <a:t>11</a:t>
                       </a:r>
                       <a:endParaRPr lang="ko-KR" altLang="en-US" b="0" dirty="0">
                         <a:solidFill>
-                          <a:schemeClr val="tx1"/>
+                          <a:schemeClr val="accent6">
+                            <a:lumMod val="75000"/>
+                          </a:schemeClr>
                         </a:solidFill>
                       </a:endParaRPr>
                     </a:p>
@@ -18776,14 +17765,18 @@
                       <a:r>
                         <a:rPr lang="en-US" altLang="ko-KR" dirty="0">
                           <a:solidFill>
-                            <a:schemeClr val="tx1"/>
+                            <a:schemeClr val="accent6">
+                              <a:lumMod val="75000"/>
+                            </a:schemeClr>
                           </a:solidFill>
                         </a:rPr>
                         <a:t>(1, 6)</a:t>
                       </a:r>
                       <a:endParaRPr lang="ko-KR" altLang="en-US" dirty="0">
                         <a:solidFill>
-                          <a:schemeClr val="tx1"/>
+                          <a:schemeClr val="accent6">
+                            <a:lumMod val="75000"/>
+                          </a:schemeClr>
                         </a:solidFill>
                       </a:endParaRPr>
                     </a:p>
@@ -18799,14 +17792,18 @@
                       <a:r>
                         <a:rPr lang="en-US" altLang="ko-KR" dirty="0">
                           <a:solidFill>
-                            <a:schemeClr val="tx1"/>
+                            <a:schemeClr val="accent6">
+                              <a:lumMod val="75000"/>
+                            </a:schemeClr>
                           </a:solidFill>
                         </a:rPr>
                         <a:t>10</a:t>
                       </a:r>
                       <a:endParaRPr lang="ko-KR" altLang="en-US" dirty="0">
                         <a:solidFill>
-                          <a:schemeClr val="tx1"/>
+                          <a:schemeClr val="accent6">
+                            <a:lumMod val="75000"/>
+                          </a:schemeClr>
                         </a:solidFill>
                       </a:endParaRPr>
                     </a:p>
@@ -19235,7 +18232,7 @@
                             <a:schemeClr val="tx1"/>
                           </a:solidFill>
                         </a:rPr>
-                        <a:t>(1, 2)</a:t>
+                        <a:t>(2, 3)</a:t>
                       </a:r>
                       <a:endParaRPr lang="ko-KR" altLang="en-US" dirty="0">
                         <a:solidFill>
@@ -19258,7 +18255,7 @@
                             <a:schemeClr val="tx1"/>
                           </a:solidFill>
                         </a:rPr>
-                        <a:t>7</a:t>
+                        <a:t>4</a:t>
                       </a:r>
                       <a:endParaRPr lang="ko-KR" altLang="en-US" dirty="0">
                         <a:solidFill>
@@ -19463,7 +18460,7 @@
                             <a:schemeClr val="tx1"/>
                           </a:solidFill>
                         </a:rPr>
-                        <a:t>(2, 3)</a:t>
+                        <a:t>(4, 7)</a:t>
                       </a:r>
                       <a:endParaRPr lang="ko-KR" altLang="en-US" dirty="0">
                         <a:solidFill>
@@ -19615,7 +18612,7 @@
                             <a:srgbClr val="FF0000"/>
                           </a:solidFill>
                         </a:rPr>
-                        <a:t>(4, 7)</a:t>
+                        <a:t>(1, 5)</a:t>
                       </a:r>
                       <a:endParaRPr lang="ko-KR" altLang="en-US" dirty="0">
                         <a:solidFill>
@@ -19638,7 +18635,7 @@
                             <a:srgbClr val="FF0000"/>
                           </a:solidFill>
                         </a:rPr>
-                        <a:t>4</a:t>
+                        <a:t>3</a:t>
                       </a:r>
                       <a:endParaRPr lang="ko-KR" altLang="en-US" dirty="0">
                         <a:solidFill>
@@ -20036,7 +19033,7 @@
                   <a:sysClr val="windowText" lastClr="000000"/>
                 </a:solidFill>
               </a:rPr>
-              <a:t>7</a:t>
+              <a:t>4</a:t>
             </a:r>
             <a:endParaRPr lang="ko-KR" altLang="en-US" sz="2500" dirty="0">
               <a:solidFill>
@@ -20836,10 +19833,117 @@
           </a:fontRef>
         </p:style>
       </p:cxnSp>
+      <p:sp>
+        <p:nvSpPr>
+          <p:cNvPr id="40" name="타원 39">
+            <a:extLst>
+              <a:ext uri="{FF2B5EF4-FFF2-40B4-BE49-F238E27FC236}">
+                <a16:creationId xmlns:a16="http://schemas.microsoft.com/office/drawing/2014/main" id="{1054759D-1DE5-4620-A498-057BE1159DF0}"/>
+              </a:ext>
+            </a:extLst>
+          </p:cNvPr>
+          <p:cNvSpPr/>
+          <p:nvPr/>
+        </p:nvSpPr>
+        <p:spPr>
+          <a:xfrm>
+            <a:off x="6180625" y="4851194"/>
+            <a:ext cx="783770" cy="783770"/>
+          </a:xfrm>
+          <a:prstGeom prst="ellipse">
+            <a:avLst/>
+          </a:prstGeom>
+          <a:solidFill>
+            <a:srgbClr val="FFC000"/>
+          </a:solidFill>
+          <a:ln w="28575">
+            <a:solidFill>
+              <a:schemeClr val="accent2"/>
+            </a:solidFill>
+          </a:ln>
+        </p:spPr>
+        <p:style>
+          <a:lnRef idx="2">
+            <a:schemeClr val="accent1">
+              <a:shade val="50000"/>
+            </a:schemeClr>
+          </a:lnRef>
+          <a:fillRef idx="1">
+            <a:schemeClr val="accent1"/>
+          </a:fillRef>
+          <a:effectRef idx="0">
+            <a:schemeClr val="accent1"/>
+          </a:effectRef>
+          <a:fontRef idx="minor">
+            <a:schemeClr val="lt1"/>
+          </a:fontRef>
+        </p:style>
+        <p:txBody>
+          <a:bodyPr rtlCol="0" anchor="ctr"/>
+          <a:lstStyle/>
+          <a:p>
+            <a:pPr algn="ctr"/>
+            <a:r>
+              <a:rPr lang="en-US" altLang="ko-KR" sz="2500" dirty="0">
+                <a:solidFill>
+                  <a:sysClr val="windowText" lastClr="000000"/>
+                </a:solidFill>
+              </a:rPr>
+              <a:t>7</a:t>
+            </a:r>
+            <a:endParaRPr lang="ko-KR" altLang="en-US" sz="2500" dirty="0">
+              <a:solidFill>
+                <a:sysClr val="windowText" lastClr="000000"/>
+              </a:solidFill>
+            </a:endParaRPr>
+          </a:p>
+        </p:txBody>
+      </p:sp>
+      <p:cxnSp>
+        <p:nvCxnSpPr>
+          <p:cNvPr id="41" name="직선 연결선 40">
+            <a:extLst>
+              <a:ext uri="{FF2B5EF4-FFF2-40B4-BE49-F238E27FC236}">
+                <a16:creationId xmlns:a16="http://schemas.microsoft.com/office/drawing/2014/main" id="{F7B2F6EE-018C-4803-A9C6-7FEE329923A8}"/>
+              </a:ext>
+            </a:extLst>
+          </p:cNvPr>
+          <p:cNvCxnSpPr>
+            <a:cxnSpLocks/>
+            <a:stCxn id="15" idx="3"/>
+            <a:endCxn id="40" idx="0"/>
+          </p:cNvCxnSpPr>
+          <p:nvPr/>
+        </p:nvCxnSpPr>
+        <p:spPr>
+          <a:xfrm flipH="1">
+            <a:off x="6572510" y="4304094"/>
+            <a:ext cx="107857" cy="547100"/>
+          </a:xfrm>
+          <a:prstGeom prst="line">
+            <a:avLst/>
+          </a:prstGeom>
+          <a:ln w="19050"/>
+        </p:spPr>
+        <p:style>
+          <a:lnRef idx="1">
+            <a:schemeClr val="dk1"/>
+          </a:lnRef>
+          <a:fillRef idx="0">
+            <a:schemeClr val="dk1"/>
+          </a:fillRef>
+          <a:effectRef idx="0">
+            <a:schemeClr val="dk1"/>
+          </a:effectRef>
+          <a:fontRef idx="minor">
+            <a:schemeClr val="tx1"/>
+          </a:fontRef>
+        </p:style>
+      </p:cxnSp>
     </p:spTree>
     <p:extLst>
       <p:ext uri="{BB962C8B-B14F-4D97-AF65-F5344CB8AC3E}">
-        <p14:creationId xmlns:p14="http://schemas.microsoft.com/office/powerpoint/2010/main" val="538679955"/>
+        <p14:creationId xmlns:p14="http://schemas.microsoft.com/office/powerpoint/2010/main" val="72957202"/>
       </p:ext>
     </p:extLst>
   </p:cSld>
@@ -21124,7 +20228,7 @@
           <p:nvPr>
             <p:extLst>
               <p:ext uri="{D42A27DB-BD31-4B8C-83A1-F6EECF244321}">
-                <p14:modId xmlns:p14="http://schemas.microsoft.com/office/powerpoint/2010/main" val="3090699056"/>
+                <p14:modId xmlns:p14="http://schemas.microsoft.com/office/powerpoint/2010/main" val="316527116"/>
               </p:ext>
             </p:extLst>
           </p:nvPr>
@@ -21310,17 +20414,43 @@
                     <a:bodyPr/>
                     <a:lstStyle/>
                     <a:p>
-                      <a:endParaRPr lang="ko-KR" altLang="en-US"/>
-                    </a:p>
-                  </a:txBody>
-                  <a:tcPr anchor="ctr"/>
-                </a:tc>
-                <a:tc>
-                  <a:txBody>
-                    <a:bodyPr/>
-                    <a:lstStyle/>
-                    <a:p>
-                      <a:endParaRPr lang="ko-KR" altLang="en-US" dirty="0"/>
+                      <a:pPr algn="ctr"/>
+                      <a:r>
+                        <a:rPr lang="en-US" altLang="ko-KR" dirty="0">
+                          <a:solidFill>
+                            <a:schemeClr val="tx1"/>
+                          </a:solidFill>
+                        </a:rPr>
+                        <a:t>(4, 6)</a:t>
+                      </a:r>
+                      <a:endParaRPr lang="ko-KR" altLang="en-US" dirty="0">
+                        <a:solidFill>
+                          <a:schemeClr val="tx1"/>
+                        </a:solidFill>
+                      </a:endParaRPr>
+                    </a:p>
+                  </a:txBody>
+                  <a:tcPr anchor="ctr"/>
+                </a:tc>
+                <a:tc>
+                  <a:txBody>
+                    <a:bodyPr/>
+                    <a:lstStyle/>
+                    <a:p>
+                      <a:pPr algn="ctr"/>
+                      <a:r>
+                        <a:rPr lang="en-US" altLang="ko-KR" dirty="0">
+                          <a:solidFill>
+                            <a:schemeClr val="tx1"/>
+                          </a:solidFill>
+                        </a:rPr>
+                        <a:t>9</a:t>
+                      </a:r>
+                      <a:endParaRPr lang="ko-KR" altLang="en-US" dirty="0">
+                        <a:solidFill>
+                          <a:schemeClr val="tx1"/>
+                        </a:solidFill>
+                      </a:endParaRPr>
                     </a:p>
                   </a:txBody>
                   <a:tcPr anchor="ctr"/>
@@ -21747,7 +20877,7 @@
                             <a:schemeClr val="tx1"/>
                           </a:solidFill>
                         </a:rPr>
-                        <a:t>(4, 6)</a:t>
+                        <a:t>(2, 6)</a:t>
                       </a:r>
                       <a:endParaRPr lang="ko-KR" altLang="en-US" dirty="0">
                         <a:solidFill>
@@ -21770,7 +20900,7 @@
                             <a:schemeClr val="tx1"/>
                           </a:solidFill>
                         </a:rPr>
-                        <a:t>9</a:t>
+                        <a:t>6</a:t>
                       </a:r>
                       <a:endParaRPr lang="ko-KR" altLang="en-US" dirty="0">
                         <a:solidFill>
@@ -22051,7 +21181,7 @@
                             <a:schemeClr val="tx1"/>
                           </a:solidFill>
                         </a:rPr>
-                        <a:t>(2, 6)</a:t>
+                        <a:t>(2, 3)</a:t>
                       </a:r>
                       <a:endParaRPr lang="ko-KR" altLang="en-US" dirty="0">
                         <a:solidFill>
@@ -22074,7 +21204,7 @@
                             <a:schemeClr val="tx1"/>
                           </a:solidFill>
                         </a:rPr>
-                        <a:t>6</a:t>
+                        <a:t>4</a:t>
                       </a:r>
                       <a:endParaRPr lang="ko-KR" altLang="en-US" dirty="0">
                         <a:solidFill>
@@ -22203,7 +21333,7 @@
                             <a:srgbClr val="FF0000"/>
                           </a:solidFill>
                         </a:rPr>
-                        <a:t>(2, 3)</a:t>
+                        <a:t>(4, 7)</a:t>
                       </a:r>
                       <a:endParaRPr lang="ko-KR" altLang="en-US" dirty="0">
                         <a:solidFill>
@@ -22303,7 +21433,7 @@
                   <a:sysClr val="windowText" lastClr="000000"/>
                 </a:solidFill>
               </a:rPr>
-              <a:t>6</a:t>
+              <a:t>4</a:t>
             </a:r>
             <a:endParaRPr lang="ko-KR" altLang="en-US" sz="2500" dirty="0">
               <a:solidFill>
@@ -22731,7 +21861,7 @@
                   <a:sysClr val="windowText" lastClr="000000"/>
                 </a:solidFill>
               </a:rPr>
-              <a:t>9</a:t>
+              <a:t>6</a:t>
             </a:r>
             <a:endParaRPr lang="ko-KR" altLang="en-US" sz="2500" dirty="0">
               <a:solidFill>
@@ -23317,10 +22447,117 @@
           </a:fontRef>
         </p:style>
       </p:cxnSp>
+      <p:sp>
+        <p:nvSpPr>
+          <p:cNvPr id="29" name="타원 28">
+            <a:extLst>
+              <a:ext uri="{FF2B5EF4-FFF2-40B4-BE49-F238E27FC236}">
+                <a16:creationId xmlns:a16="http://schemas.microsoft.com/office/drawing/2014/main" id="{205A9E91-F464-45AC-BA9A-6FF98A18CD1D}"/>
+              </a:ext>
+            </a:extLst>
+          </p:cNvPr>
+          <p:cNvSpPr/>
+          <p:nvPr/>
+        </p:nvSpPr>
+        <p:spPr>
+          <a:xfrm>
+            <a:off x="5261661" y="4851194"/>
+            <a:ext cx="783770" cy="783770"/>
+          </a:xfrm>
+          <a:prstGeom prst="ellipse">
+            <a:avLst/>
+          </a:prstGeom>
+          <a:solidFill>
+            <a:srgbClr val="FFC000"/>
+          </a:solidFill>
+          <a:ln w="28575">
+            <a:solidFill>
+              <a:schemeClr val="accent2"/>
+            </a:solidFill>
+          </a:ln>
+        </p:spPr>
+        <p:style>
+          <a:lnRef idx="2">
+            <a:schemeClr val="accent1">
+              <a:shade val="50000"/>
+            </a:schemeClr>
+          </a:lnRef>
+          <a:fillRef idx="1">
+            <a:schemeClr val="accent1"/>
+          </a:fillRef>
+          <a:effectRef idx="0">
+            <a:schemeClr val="accent1"/>
+          </a:effectRef>
+          <a:fontRef idx="minor">
+            <a:schemeClr val="lt1"/>
+          </a:fontRef>
+        </p:style>
+        <p:txBody>
+          <a:bodyPr rtlCol="0" anchor="ctr"/>
+          <a:lstStyle/>
+          <a:p>
+            <a:pPr algn="ctr"/>
+            <a:r>
+              <a:rPr lang="en-US" altLang="ko-KR" sz="2500" dirty="0">
+                <a:solidFill>
+                  <a:sysClr val="windowText" lastClr="000000"/>
+                </a:solidFill>
+              </a:rPr>
+              <a:t>9</a:t>
+            </a:r>
+            <a:endParaRPr lang="ko-KR" altLang="en-US" sz="2500" dirty="0">
+              <a:solidFill>
+                <a:sysClr val="windowText" lastClr="000000"/>
+              </a:solidFill>
+            </a:endParaRPr>
+          </a:p>
+        </p:txBody>
+      </p:sp>
+      <p:cxnSp>
+        <p:nvCxnSpPr>
+          <p:cNvPr id="30" name="직선 연결선 29">
+            <a:extLst>
+              <a:ext uri="{FF2B5EF4-FFF2-40B4-BE49-F238E27FC236}">
+                <a16:creationId xmlns:a16="http://schemas.microsoft.com/office/drawing/2014/main" id="{D5DFC2E6-0F53-4008-A0B8-38ABD0E96A68}"/>
+              </a:ext>
+            </a:extLst>
+          </p:cNvPr>
+          <p:cNvCxnSpPr>
+            <a:cxnSpLocks/>
+            <a:stCxn id="31" idx="5"/>
+            <a:endCxn id="29" idx="0"/>
+          </p:cNvCxnSpPr>
+          <p:nvPr/>
+        </p:nvCxnSpPr>
+        <p:spPr>
+          <a:xfrm>
+            <a:off x="5455081" y="4304094"/>
+            <a:ext cx="198465" cy="547100"/>
+          </a:xfrm>
+          <a:prstGeom prst="line">
+            <a:avLst/>
+          </a:prstGeom>
+          <a:ln w="19050"/>
+        </p:spPr>
+        <p:style>
+          <a:lnRef idx="1">
+            <a:schemeClr val="dk1"/>
+          </a:lnRef>
+          <a:fillRef idx="0">
+            <a:schemeClr val="dk1"/>
+          </a:fillRef>
+          <a:effectRef idx="0">
+            <a:schemeClr val="dk1"/>
+          </a:effectRef>
+          <a:fontRef idx="minor">
+            <a:schemeClr val="tx1"/>
+          </a:fontRef>
+        </p:style>
+      </p:cxnSp>
     </p:spTree>
     <p:extLst>
       <p:ext uri="{BB962C8B-B14F-4D97-AF65-F5344CB8AC3E}">
-        <p14:creationId xmlns:p14="http://schemas.microsoft.com/office/powerpoint/2010/main" val="3646569854"/>
+        <p14:creationId xmlns:p14="http://schemas.microsoft.com/office/powerpoint/2010/main" val="538679955"/>
       </p:ext>
     </p:extLst>
   </p:cSld>
@@ -23473,7 +22710,7 @@
                   <a:sysClr val="windowText" lastClr="000000"/>
                 </a:solidFill>
               </a:rPr>
-              <a:t>5</a:t>
+              <a:t>4</a:t>
             </a:r>
             <a:endParaRPr lang="ko-KR" altLang="en-US" sz="2500" dirty="0">
               <a:solidFill>
@@ -23605,7 +22842,7 @@
           <p:nvPr>
             <p:extLst>
               <p:ext uri="{D42A27DB-BD31-4B8C-83A1-F6EECF244321}">
-                <p14:modId xmlns:p14="http://schemas.microsoft.com/office/powerpoint/2010/main" val="2776465300"/>
+                <p14:modId xmlns:p14="http://schemas.microsoft.com/office/powerpoint/2010/main" val="3090699056"/>
               </p:ext>
             </p:extLst>
           </p:nvPr>
@@ -23841,17 +23078,43 @@
                     <a:bodyPr/>
                     <a:lstStyle/>
                     <a:p>
-                      <a:endParaRPr lang="ko-KR" altLang="en-US"/>
-                    </a:p>
-                  </a:txBody>
-                  <a:tcPr anchor="ctr"/>
-                </a:tc>
-                <a:tc>
-                  <a:txBody>
-                    <a:bodyPr/>
-                    <a:lstStyle/>
-                    <a:p>
-                      <a:endParaRPr lang="ko-KR" altLang="en-US" dirty="0"/>
+                      <a:pPr algn="ctr"/>
+                      <a:r>
+                        <a:rPr lang="en-US" altLang="ko-KR" dirty="0">
+                          <a:solidFill>
+                            <a:schemeClr val="tx1"/>
+                          </a:solidFill>
+                        </a:rPr>
+                        <a:t>(1, 6)</a:t>
+                      </a:r>
+                      <a:endParaRPr lang="ko-KR" altLang="en-US" dirty="0">
+                        <a:solidFill>
+                          <a:schemeClr val="tx1"/>
+                        </a:solidFill>
+                      </a:endParaRPr>
+                    </a:p>
+                  </a:txBody>
+                  <a:tcPr anchor="ctr"/>
+                </a:tc>
+                <a:tc>
+                  <a:txBody>
+                    <a:bodyPr/>
+                    <a:lstStyle/>
+                    <a:p>
+                      <a:pPr algn="ctr"/>
+                      <a:r>
+                        <a:rPr lang="en-US" altLang="ko-KR" dirty="0">
+                          <a:solidFill>
+                            <a:schemeClr val="tx1"/>
+                          </a:solidFill>
+                        </a:rPr>
+                        <a:t>10</a:t>
+                      </a:r>
+                      <a:endParaRPr lang="ko-KR" altLang="en-US" dirty="0">
+                        <a:solidFill>
+                          <a:schemeClr val="tx1"/>
+                        </a:solidFill>
+                      </a:endParaRPr>
                     </a:p>
                   </a:txBody>
                   <a:tcPr anchor="ctr"/>
@@ -23974,7 +23237,7 @@
                             <a:schemeClr val="tx1"/>
                           </a:solidFill>
                         </a:rPr>
-                        <a:t>(1, 6)</a:t>
+                        <a:t>(2, 1)</a:t>
                       </a:r>
                       <a:endParaRPr lang="ko-KR" altLang="en-US" dirty="0">
                         <a:solidFill>
@@ -23997,7 +23260,7 @@
                             <a:schemeClr val="tx1"/>
                           </a:solidFill>
                         </a:rPr>
-                        <a:t>10</a:t>
+                        <a:t>7</a:t>
                       </a:r>
                       <a:endParaRPr lang="ko-KR" altLang="en-US" dirty="0">
                         <a:solidFill>
@@ -24354,7 +23617,7 @@
                             <a:schemeClr val="tx1"/>
                           </a:solidFill>
                         </a:rPr>
-                        <a:t>(2, 1)</a:t>
+                        <a:t>(5, 7)</a:t>
                       </a:r>
                       <a:endParaRPr lang="ko-KR" altLang="en-US" dirty="0">
                         <a:solidFill>
@@ -24377,7 +23640,7 @@
                             <a:schemeClr val="tx1"/>
                           </a:solidFill>
                         </a:rPr>
-                        <a:t>7</a:t>
+                        <a:t>5</a:t>
                       </a:r>
                       <a:endParaRPr lang="ko-KR" altLang="en-US" dirty="0">
                         <a:solidFill>
@@ -24582,7 +23845,7 @@
                             <a:schemeClr val="tx1"/>
                           </a:solidFill>
                         </a:rPr>
-                        <a:t>(5, 7)</a:t>
+                        <a:t>(7, 5)</a:t>
                       </a:r>
                       <a:endParaRPr lang="ko-KR" altLang="en-US" dirty="0">
                         <a:solidFill>
@@ -24658,7 +23921,7 @@
                             <a:srgbClr val="FF0000"/>
                           </a:solidFill>
                         </a:rPr>
-                        <a:t>(7, 5)</a:t>
+                        <a:t>(2, 3)</a:t>
                       </a:r>
                       <a:endParaRPr lang="ko-KR" altLang="en-US" dirty="0">
                         <a:solidFill>
@@ -24681,7 +23944,7 @@
                             <a:srgbClr val="FF0000"/>
                           </a:solidFill>
                         </a:rPr>
-                        <a:t>5</a:t>
+                        <a:t>4</a:t>
                       </a:r>
                       <a:endParaRPr lang="ko-KR" altLang="en-US" dirty="0">
                         <a:solidFill>
@@ -24972,7 +24235,7 @@
                   <a:sysClr val="windowText" lastClr="000000"/>
                 </a:solidFill>
               </a:rPr>
-              <a:t>7</a:t>
+              <a:t>5</a:t>
             </a:r>
             <a:endParaRPr lang="ko-KR" altLang="en-US" sz="2500" dirty="0">
               <a:solidFill>
@@ -25507,7 +24770,7 @@
                   <a:sysClr val="windowText" lastClr="000000"/>
                 </a:solidFill>
               </a:rPr>
-              <a:t>10</a:t>
+              <a:t>7</a:t>
             </a:r>
             <a:endParaRPr lang="ko-KR" altLang="en-US" sz="2500" dirty="0">
               <a:solidFill>
@@ -25665,10 +24928,117 @@
           </a:fontRef>
         </p:style>
       </p:cxnSp>
+      <p:sp>
+        <p:nvSpPr>
+          <p:cNvPr id="44" name="타원 43">
+            <a:extLst>
+              <a:ext uri="{FF2B5EF4-FFF2-40B4-BE49-F238E27FC236}">
+                <a16:creationId xmlns:a16="http://schemas.microsoft.com/office/drawing/2014/main" id="{FFEC96A2-789A-4770-987C-709F1F1CAC2B}"/>
+              </a:ext>
+            </a:extLst>
+          </p:cNvPr>
+          <p:cNvSpPr/>
+          <p:nvPr/>
+        </p:nvSpPr>
+        <p:spPr>
+          <a:xfrm>
+            <a:off x="4386108" y="4851194"/>
+            <a:ext cx="783770" cy="783770"/>
+          </a:xfrm>
+          <a:prstGeom prst="ellipse">
+            <a:avLst/>
+          </a:prstGeom>
+          <a:solidFill>
+            <a:srgbClr val="FFC000"/>
+          </a:solidFill>
+          <a:ln w="28575">
+            <a:solidFill>
+              <a:schemeClr val="accent2"/>
+            </a:solidFill>
+          </a:ln>
+        </p:spPr>
+        <p:style>
+          <a:lnRef idx="2">
+            <a:schemeClr val="accent1">
+              <a:shade val="50000"/>
+            </a:schemeClr>
+          </a:lnRef>
+          <a:fillRef idx="1">
+            <a:schemeClr val="accent1"/>
+          </a:fillRef>
+          <a:effectRef idx="0">
+            <a:schemeClr val="accent1"/>
+          </a:effectRef>
+          <a:fontRef idx="minor">
+            <a:schemeClr val="lt1"/>
+          </a:fontRef>
+        </p:style>
+        <p:txBody>
+          <a:bodyPr rtlCol="0" anchor="ctr"/>
+          <a:lstStyle/>
+          <a:p>
+            <a:pPr algn="ctr"/>
+            <a:r>
+              <a:rPr lang="en-US" altLang="ko-KR" sz="2500" dirty="0">
+                <a:solidFill>
+                  <a:sysClr val="windowText" lastClr="000000"/>
+                </a:solidFill>
+              </a:rPr>
+              <a:t>10</a:t>
+            </a:r>
+            <a:endParaRPr lang="ko-KR" altLang="en-US" sz="2500" dirty="0">
+              <a:solidFill>
+                <a:sysClr val="windowText" lastClr="000000"/>
+              </a:solidFill>
+            </a:endParaRPr>
+          </a:p>
+        </p:txBody>
+      </p:sp>
+      <p:cxnSp>
+        <p:nvCxnSpPr>
+          <p:cNvPr id="45" name="직선 연결선 44">
+            <a:extLst>
+              <a:ext uri="{FF2B5EF4-FFF2-40B4-BE49-F238E27FC236}">
+                <a16:creationId xmlns:a16="http://schemas.microsoft.com/office/drawing/2014/main" id="{710A88A0-789F-4C3E-9900-AE6FF0FE12EA}"/>
+              </a:ext>
+            </a:extLst>
+          </p:cNvPr>
+          <p:cNvCxnSpPr>
+            <a:cxnSpLocks/>
+            <a:stCxn id="31" idx="3"/>
+            <a:endCxn id="44" idx="0"/>
+          </p:cNvCxnSpPr>
+          <p:nvPr/>
+        </p:nvCxnSpPr>
+        <p:spPr>
+          <a:xfrm flipH="1">
+            <a:off x="4777993" y="4304094"/>
+            <a:ext cx="122878" cy="547100"/>
+          </a:xfrm>
+          <a:prstGeom prst="line">
+            <a:avLst/>
+          </a:prstGeom>
+          <a:ln w="19050"/>
+        </p:spPr>
+        <p:style>
+          <a:lnRef idx="1">
+            <a:schemeClr val="dk1"/>
+          </a:lnRef>
+          <a:fillRef idx="0">
+            <a:schemeClr val="dk1"/>
+          </a:fillRef>
+          <a:effectRef idx="0">
+            <a:schemeClr val="dk1"/>
+          </a:effectRef>
+          <a:fontRef idx="minor">
+            <a:schemeClr val="tx1"/>
+          </a:fontRef>
+        </p:style>
+      </p:cxnSp>
     </p:spTree>
     <p:extLst>
       <p:ext uri="{BB962C8B-B14F-4D97-AF65-F5344CB8AC3E}">
-        <p14:creationId xmlns:p14="http://schemas.microsoft.com/office/powerpoint/2010/main" val="1649600218"/>
+        <p14:creationId xmlns:p14="http://schemas.microsoft.com/office/powerpoint/2010/main" val="3646569854"/>
       </p:ext>
     </p:extLst>
   </p:cSld>
@@ -25887,6 +25257,3873 @@
                   <a:sysClr val="windowText" lastClr="000000"/>
                 </a:solidFill>
               </a:rPr>
+              <a:t>5</a:t>
+            </a:r>
+            <a:endParaRPr lang="ko-KR" altLang="en-US" sz="2500" dirty="0">
+              <a:solidFill>
+                <a:sysClr val="windowText" lastClr="000000"/>
+              </a:solidFill>
+            </a:endParaRPr>
+          </a:p>
+        </p:txBody>
+      </p:sp>
+      <p:cxnSp>
+        <p:nvCxnSpPr>
+          <p:cNvPr id="38" name="직선 연결선 37">
+            <a:extLst>
+              <a:ext uri="{FF2B5EF4-FFF2-40B4-BE49-F238E27FC236}">
+                <a16:creationId xmlns:a16="http://schemas.microsoft.com/office/drawing/2014/main" id="{C9227712-B036-B11D-32D6-B7F3B9A4568C}"/>
+              </a:ext>
+            </a:extLst>
+          </p:cNvPr>
+          <p:cNvCxnSpPr>
+            <a:cxnSpLocks/>
+            <a:stCxn id="35" idx="3"/>
+            <a:endCxn id="36" idx="0"/>
+          </p:cNvCxnSpPr>
+          <p:nvPr/>
+        </p:nvCxnSpPr>
+        <p:spPr>
+          <a:xfrm flipH="1">
+            <a:off x="2559164" y="1871914"/>
+            <a:ext cx="1310030" cy="547100"/>
+          </a:xfrm>
+          <a:prstGeom prst="line">
+            <a:avLst/>
+          </a:prstGeom>
+          <a:ln w="19050"/>
+        </p:spPr>
+        <p:style>
+          <a:lnRef idx="1">
+            <a:schemeClr val="dk1"/>
+          </a:lnRef>
+          <a:fillRef idx="0">
+            <a:schemeClr val="dk1"/>
+          </a:fillRef>
+          <a:effectRef idx="0">
+            <a:schemeClr val="dk1"/>
+          </a:effectRef>
+          <a:fontRef idx="minor">
+            <a:schemeClr val="tx1"/>
+          </a:fontRef>
+        </p:style>
+      </p:cxnSp>
+      <p:graphicFrame>
+        <p:nvGraphicFramePr>
+          <p:cNvPr id="9" name="표 10">
+            <a:extLst>
+              <a:ext uri="{FF2B5EF4-FFF2-40B4-BE49-F238E27FC236}">
+                <a16:creationId xmlns:a16="http://schemas.microsoft.com/office/drawing/2014/main" id="{EC718853-5278-44C2-B03C-EE9AB5EF96EE}"/>
+              </a:ext>
+            </a:extLst>
+          </p:cNvPr>
+          <p:cNvGraphicFramePr>
+            <a:graphicFrameLocks noGrp="1"/>
+          </p:cNvGraphicFramePr>
+          <p:nvPr>
+            <p:extLst>
+              <p:ext uri="{D42A27DB-BD31-4B8C-83A1-F6EECF244321}">
+                <p14:modId xmlns:p14="http://schemas.microsoft.com/office/powerpoint/2010/main" val="2776465300"/>
+              </p:ext>
+            </p:extLst>
+          </p:nvPr>
+        </p:nvGraphicFramePr>
+        <p:xfrm>
+          <a:off x="7934428" y="244637"/>
+          <a:ext cx="3471810" cy="6368726"/>
+        </p:xfrm>
+        <a:graphic>
+          <a:graphicData uri="http://schemas.openxmlformats.org/drawingml/2006/table">
+            <a:tbl>
+              <a:tblPr firstRow="1" bandRow="1">
+                <a:tableStyleId>{5FD0F851-EC5A-4D38-B0AD-8093EC10F338}</a:tableStyleId>
+              </a:tblPr>
+              <a:tblGrid>
+                <a:gridCol w="1418937">
+                  <a:extLst>
+                    <a:ext uri="{9D8B030D-6E8A-4147-A177-3AD203B41FA5}">
+                      <a16:colId xmlns:a16="http://schemas.microsoft.com/office/drawing/2014/main" val="1883004635"/>
+                    </a:ext>
+                  </a:extLst>
+                </a:gridCol>
+                <a:gridCol w="1063690">
+                  <a:extLst>
+                    <a:ext uri="{9D8B030D-6E8A-4147-A177-3AD203B41FA5}">
+                      <a16:colId xmlns:a16="http://schemas.microsoft.com/office/drawing/2014/main" val="108779926"/>
+                    </a:ext>
+                  </a:extLst>
+                </a:gridCol>
+                <a:gridCol w="989183">
+                  <a:extLst>
+                    <a:ext uri="{9D8B030D-6E8A-4147-A177-3AD203B41FA5}">
+                      <a16:colId xmlns:a16="http://schemas.microsoft.com/office/drawing/2014/main" val="3705952191"/>
+                    </a:ext>
+                  </a:extLst>
+                </a:gridCol>
+              </a:tblGrid>
+              <a:tr h="600295">
+                <a:tc>
+                  <a:txBody>
+                    <a:bodyPr/>
+                    <a:lstStyle/>
+                    <a:p>
+                      <a:pPr algn="ctr" latinLnBrk="1"/>
+                      <a:r>
+                        <a:rPr lang="en-US" altLang="ko-KR" dirty="0"/>
+                        <a:t>Heap</a:t>
+                      </a:r>
+                      <a:r>
+                        <a:rPr lang="ko-KR" altLang="en-US" dirty="0"/>
+                        <a:t>배열</a:t>
+                      </a:r>
+                      <a:endParaRPr lang="en-US" altLang="ko-KR" dirty="0"/>
+                    </a:p>
+                    <a:p>
+                      <a:pPr algn="ctr" latinLnBrk="1"/>
+                      <a:r>
+                        <a:rPr lang="ko-KR" altLang="en-US" dirty="0"/>
+                        <a:t>인덱스</a:t>
+                      </a:r>
+                    </a:p>
+                  </a:txBody>
+                  <a:tcPr anchor="ctr"/>
+                </a:tc>
+                <a:tc>
+                  <a:txBody>
+                    <a:bodyPr/>
+                    <a:lstStyle/>
+                    <a:p>
+                      <a:pPr algn="ctr"/>
+                      <a:r>
+                        <a:rPr lang="ko-KR" altLang="en-US" dirty="0"/>
+                        <a:t>정점</a:t>
+                      </a:r>
+                    </a:p>
+                  </a:txBody>
+                  <a:tcPr anchor="ctr"/>
+                </a:tc>
+                <a:tc>
+                  <a:txBody>
+                    <a:bodyPr/>
+                    <a:lstStyle/>
+                    <a:p>
+                      <a:pPr algn="ctr" latinLnBrk="1"/>
+                      <a:r>
+                        <a:rPr lang="ko-KR" altLang="en-US" dirty="0"/>
+                        <a:t>가중치</a:t>
+                      </a:r>
+                    </a:p>
+                  </a:txBody>
+                  <a:tcPr anchor="ctr"/>
+                </a:tc>
+                <a:extLst>
+                  <a:ext uri="{0D108BD9-81ED-4DB2-BD59-A6C34878D82A}">
+                    <a16:rowId xmlns:a16="http://schemas.microsoft.com/office/drawing/2014/main" val="385464858"/>
+                  </a:ext>
+                </a:extLst>
+              </a:tr>
+              <a:tr h="409189">
+                <a:tc>
+                  <a:txBody>
+                    <a:bodyPr/>
+                    <a:lstStyle/>
+                    <a:p>
+                      <a:pPr algn="ctr" latinLnBrk="1"/>
+                      <a:r>
+                        <a:rPr lang="en-US" altLang="ko-KR" b="0" dirty="0">
+                          <a:solidFill>
+                            <a:schemeClr val="tx1"/>
+                          </a:solidFill>
+                        </a:rPr>
+                        <a:t>13</a:t>
+                      </a:r>
+                      <a:endParaRPr lang="ko-KR" altLang="en-US" b="0" dirty="0">
+                        <a:solidFill>
+                          <a:schemeClr val="tx1"/>
+                        </a:solidFill>
+                      </a:endParaRPr>
+                    </a:p>
+                  </a:txBody>
+                  <a:tcPr anchor="ctr"/>
+                </a:tc>
+                <a:tc>
+                  <a:txBody>
+                    <a:bodyPr/>
+                    <a:lstStyle/>
+                    <a:p>
+                      <a:endParaRPr lang="ko-KR" altLang="en-US">
+                        <a:solidFill>
+                          <a:schemeClr val="tx1"/>
+                        </a:solidFill>
+                      </a:endParaRPr>
+                    </a:p>
+                  </a:txBody>
+                  <a:tcPr anchor="ctr"/>
+                </a:tc>
+                <a:tc>
+                  <a:txBody>
+                    <a:bodyPr/>
+                    <a:lstStyle/>
+                    <a:p>
+                      <a:endParaRPr lang="ko-KR" altLang="en-US" dirty="0">
+                        <a:solidFill>
+                          <a:schemeClr val="tx1"/>
+                        </a:solidFill>
+                      </a:endParaRPr>
+                    </a:p>
+                  </a:txBody>
+                  <a:tcPr anchor="ctr"/>
+                </a:tc>
+                <a:extLst>
+                  <a:ext uri="{0D108BD9-81ED-4DB2-BD59-A6C34878D82A}">
+                    <a16:rowId xmlns:a16="http://schemas.microsoft.com/office/drawing/2014/main" val="1837527597"/>
+                  </a:ext>
+                </a:extLst>
+              </a:tr>
+              <a:tr h="409189">
+                <a:tc>
+                  <a:txBody>
+                    <a:bodyPr/>
+                    <a:lstStyle/>
+                    <a:p>
+                      <a:pPr algn="ctr" latinLnBrk="1"/>
+                      <a:r>
+                        <a:rPr lang="en-US" altLang="ko-KR" b="0" dirty="0">
+                          <a:solidFill>
+                            <a:schemeClr val="tx1"/>
+                          </a:solidFill>
+                        </a:rPr>
+                        <a:t>12</a:t>
+                      </a:r>
+                      <a:endParaRPr lang="ko-KR" altLang="en-US" b="0" dirty="0">
+                        <a:solidFill>
+                          <a:schemeClr val="tx1"/>
+                        </a:solidFill>
+                      </a:endParaRPr>
+                    </a:p>
+                  </a:txBody>
+                  <a:tcPr anchor="ctr"/>
+                </a:tc>
+                <a:tc>
+                  <a:txBody>
+                    <a:bodyPr/>
+                    <a:lstStyle/>
+                    <a:p>
+                      <a:endParaRPr lang="ko-KR" altLang="en-US"/>
+                    </a:p>
+                  </a:txBody>
+                  <a:tcPr anchor="ctr"/>
+                </a:tc>
+                <a:tc>
+                  <a:txBody>
+                    <a:bodyPr/>
+                    <a:lstStyle/>
+                    <a:p>
+                      <a:endParaRPr lang="ko-KR" altLang="en-US" dirty="0"/>
+                    </a:p>
+                  </a:txBody>
+                  <a:tcPr anchor="ctr"/>
+                </a:tc>
+                <a:extLst>
+                  <a:ext uri="{0D108BD9-81ED-4DB2-BD59-A6C34878D82A}">
+                    <a16:rowId xmlns:a16="http://schemas.microsoft.com/office/drawing/2014/main" val="1710811466"/>
+                  </a:ext>
+                </a:extLst>
+              </a:tr>
+              <a:tr h="409189">
+                <a:tc>
+                  <a:txBody>
+                    <a:bodyPr/>
+                    <a:lstStyle/>
+                    <a:p>
+                      <a:pPr algn="ctr" latinLnBrk="1"/>
+                      <a:r>
+                        <a:rPr lang="en-US" altLang="ko-KR" b="0" dirty="0">
+                          <a:solidFill>
+                            <a:schemeClr val="tx1"/>
+                          </a:solidFill>
+                        </a:rPr>
+                        <a:t>11</a:t>
+                      </a:r>
+                      <a:endParaRPr lang="ko-KR" altLang="en-US" b="0" dirty="0">
+                        <a:solidFill>
+                          <a:schemeClr val="tx1"/>
+                        </a:solidFill>
+                      </a:endParaRPr>
+                    </a:p>
+                  </a:txBody>
+                  <a:tcPr anchor="ctr"/>
+                </a:tc>
+                <a:tc>
+                  <a:txBody>
+                    <a:bodyPr/>
+                    <a:lstStyle/>
+                    <a:p>
+                      <a:endParaRPr lang="ko-KR" altLang="en-US"/>
+                    </a:p>
+                  </a:txBody>
+                  <a:tcPr anchor="ctr"/>
+                </a:tc>
+                <a:tc>
+                  <a:txBody>
+                    <a:bodyPr/>
+                    <a:lstStyle/>
+                    <a:p>
+                      <a:endParaRPr lang="ko-KR" altLang="en-US" dirty="0"/>
+                    </a:p>
+                  </a:txBody>
+                  <a:tcPr anchor="ctr"/>
+                </a:tc>
+                <a:extLst>
+                  <a:ext uri="{0D108BD9-81ED-4DB2-BD59-A6C34878D82A}">
+                    <a16:rowId xmlns:a16="http://schemas.microsoft.com/office/drawing/2014/main" val="58555193"/>
+                  </a:ext>
+                </a:extLst>
+              </a:tr>
+              <a:tr h="409189">
+                <a:tc>
+                  <a:txBody>
+                    <a:bodyPr/>
+                    <a:lstStyle/>
+                    <a:p>
+                      <a:pPr algn="ctr" latinLnBrk="1"/>
+                      <a:r>
+                        <a:rPr lang="en-US" altLang="ko-KR" b="0" dirty="0">
+                          <a:solidFill>
+                            <a:schemeClr val="tx1"/>
+                          </a:solidFill>
+                        </a:rPr>
+                        <a:t>10</a:t>
+                      </a:r>
+                      <a:endParaRPr lang="ko-KR" altLang="en-US" b="0" dirty="0">
+                        <a:solidFill>
+                          <a:schemeClr val="tx1"/>
+                        </a:solidFill>
+                      </a:endParaRPr>
+                    </a:p>
+                  </a:txBody>
+                  <a:tcPr anchor="ctr"/>
+                </a:tc>
+                <a:tc>
+                  <a:txBody>
+                    <a:bodyPr/>
+                    <a:lstStyle/>
+                    <a:p>
+                      <a:pPr algn="ctr"/>
+                      <a:r>
+                        <a:rPr lang="en-US" altLang="ko-KR" dirty="0">
+                          <a:solidFill>
+                            <a:schemeClr val="tx1"/>
+                          </a:solidFill>
+                        </a:rPr>
+                        <a:t>(5, 4)</a:t>
+                      </a:r>
+                      <a:endParaRPr lang="ko-KR" altLang="en-US" dirty="0">
+                        <a:solidFill>
+                          <a:schemeClr val="tx1"/>
+                        </a:solidFill>
+                      </a:endParaRPr>
+                    </a:p>
+                  </a:txBody>
+                  <a:tcPr anchor="ctr"/>
+                </a:tc>
+                <a:tc>
+                  <a:txBody>
+                    <a:bodyPr/>
+                    <a:lstStyle/>
+                    <a:p>
+                      <a:pPr algn="ctr"/>
+                      <a:r>
+                        <a:rPr lang="en-US" altLang="ko-KR" dirty="0">
+                          <a:solidFill>
+                            <a:schemeClr val="tx1"/>
+                          </a:solidFill>
+                        </a:rPr>
+                        <a:t>11</a:t>
+                      </a:r>
+                      <a:endParaRPr lang="ko-KR" altLang="en-US" dirty="0">
+                        <a:solidFill>
+                          <a:schemeClr val="tx1"/>
+                        </a:solidFill>
+                      </a:endParaRPr>
+                    </a:p>
+                  </a:txBody>
+                  <a:tcPr anchor="ctr"/>
+                </a:tc>
+                <a:extLst>
+                  <a:ext uri="{0D108BD9-81ED-4DB2-BD59-A6C34878D82A}">
+                    <a16:rowId xmlns:a16="http://schemas.microsoft.com/office/drawing/2014/main" val="1625158745"/>
+                  </a:ext>
+                </a:extLst>
+              </a:tr>
+              <a:tr h="409189">
+                <a:tc>
+                  <a:txBody>
+                    <a:bodyPr/>
+                    <a:lstStyle/>
+                    <a:p>
+                      <a:pPr algn="ctr" latinLnBrk="1"/>
+                      <a:r>
+                        <a:rPr lang="en-US" altLang="ko-KR" b="0" dirty="0">
+                          <a:solidFill>
+                            <a:schemeClr val="tx1"/>
+                          </a:solidFill>
+                        </a:rPr>
+                        <a:t>9</a:t>
+                      </a:r>
+                      <a:endParaRPr lang="ko-KR" altLang="en-US" b="0" dirty="0">
+                        <a:solidFill>
+                          <a:schemeClr val="tx1"/>
+                        </a:solidFill>
+                      </a:endParaRPr>
+                    </a:p>
+                  </a:txBody>
+                  <a:tcPr anchor="ctr"/>
+                </a:tc>
+                <a:tc>
+                  <a:txBody>
+                    <a:bodyPr/>
+                    <a:lstStyle/>
+                    <a:p>
+                      <a:pPr algn="ctr"/>
+                      <a:r>
+                        <a:rPr lang="en-US" altLang="ko-KR" dirty="0">
+                          <a:solidFill>
+                            <a:schemeClr val="tx1"/>
+                          </a:solidFill>
+                        </a:rPr>
+                        <a:t>(1, 6)</a:t>
+                      </a:r>
+                      <a:endParaRPr lang="ko-KR" altLang="en-US" dirty="0">
+                        <a:solidFill>
+                          <a:schemeClr val="tx1"/>
+                        </a:solidFill>
+                      </a:endParaRPr>
+                    </a:p>
+                  </a:txBody>
+                  <a:tcPr anchor="ctr"/>
+                </a:tc>
+                <a:tc>
+                  <a:txBody>
+                    <a:bodyPr/>
+                    <a:lstStyle/>
+                    <a:p>
+                      <a:pPr algn="ctr"/>
+                      <a:r>
+                        <a:rPr lang="en-US" altLang="ko-KR" dirty="0">
+                          <a:solidFill>
+                            <a:schemeClr val="tx1"/>
+                          </a:solidFill>
+                        </a:rPr>
+                        <a:t>10</a:t>
+                      </a:r>
+                      <a:endParaRPr lang="ko-KR" altLang="en-US" dirty="0">
+                        <a:solidFill>
+                          <a:schemeClr val="tx1"/>
+                        </a:solidFill>
+                      </a:endParaRPr>
+                    </a:p>
+                  </a:txBody>
+                  <a:tcPr anchor="ctr"/>
+                </a:tc>
+                <a:extLst>
+                  <a:ext uri="{0D108BD9-81ED-4DB2-BD59-A6C34878D82A}">
+                    <a16:rowId xmlns:a16="http://schemas.microsoft.com/office/drawing/2014/main" val="208855873"/>
+                  </a:ext>
+                </a:extLst>
+              </a:tr>
+              <a:tr h="409189">
+                <a:tc>
+                  <a:txBody>
+                    <a:bodyPr/>
+                    <a:lstStyle/>
+                    <a:p>
+                      <a:pPr algn="ctr" latinLnBrk="1"/>
+                      <a:r>
+                        <a:rPr lang="en-US" altLang="ko-KR" dirty="0">
+                          <a:solidFill>
+                            <a:schemeClr val="tx1"/>
+                          </a:solidFill>
+                        </a:rPr>
+                        <a:t>8</a:t>
+                      </a:r>
+                      <a:endParaRPr lang="ko-KR" altLang="en-US" dirty="0">
+                        <a:solidFill>
+                          <a:schemeClr val="tx1"/>
+                        </a:solidFill>
+                      </a:endParaRPr>
+                    </a:p>
+                  </a:txBody>
+                  <a:tcPr anchor="ctr"/>
+                </a:tc>
+                <a:tc>
+                  <a:txBody>
+                    <a:bodyPr/>
+                    <a:lstStyle/>
+                    <a:p>
+                      <a:pPr algn="ctr"/>
+                      <a:r>
+                        <a:rPr lang="en-US" altLang="ko-KR" dirty="0">
+                          <a:solidFill>
+                            <a:schemeClr val="tx1"/>
+                          </a:solidFill>
+                        </a:rPr>
+                        <a:t>(2, 4)</a:t>
+                      </a:r>
+                      <a:endParaRPr lang="ko-KR" altLang="en-US" dirty="0">
+                        <a:solidFill>
+                          <a:schemeClr val="tx1"/>
+                        </a:solidFill>
+                      </a:endParaRPr>
+                    </a:p>
+                  </a:txBody>
+                  <a:tcPr anchor="ctr"/>
+                </a:tc>
+                <a:tc>
+                  <a:txBody>
+                    <a:bodyPr/>
+                    <a:lstStyle/>
+                    <a:p>
+                      <a:pPr algn="ctr"/>
+                      <a:r>
+                        <a:rPr lang="en-US" altLang="ko-KR" dirty="0">
+                          <a:solidFill>
+                            <a:schemeClr val="tx1"/>
+                          </a:solidFill>
+                        </a:rPr>
+                        <a:t>10</a:t>
+                      </a:r>
+                      <a:endParaRPr lang="ko-KR" altLang="en-US" dirty="0">
+                        <a:solidFill>
+                          <a:schemeClr val="tx1"/>
+                        </a:solidFill>
+                      </a:endParaRPr>
+                    </a:p>
+                  </a:txBody>
+                  <a:tcPr anchor="ctr"/>
+                </a:tc>
+                <a:extLst>
+                  <a:ext uri="{0D108BD9-81ED-4DB2-BD59-A6C34878D82A}">
+                    <a16:rowId xmlns:a16="http://schemas.microsoft.com/office/drawing/2014/main" val="2050056468"/>
+                  </a:ext>
+                </a:extLst>
+              </a:tr>
+              <a:tr h="409189">
+                <a:tc>
+                  <a:txBody>
+                    <a:bodyPr/>
+                    <a:lstStyle/>
+                    <a:p>
+                      <a:pPr algn="ctr" latinLnBrk="1"/>
+                      <a:r>
+                        <a:rPr lang="en-US" altLang="ko-KR" dirty="0">
+                          <a:solidFill>
+                            <a:schemeClr val="tx1"/>
+                          </a:solidFill>
+                        </a:rPr>
+                        <a:t>7</a:t>
+                      </a:r>
+                      <a:endParaRPr lang="ko-KR" altLang="en-US" dirty="0">
+                        <a:solidFill>
+                          <a:schemeClr val="tx1"/>
+                        </a:solidFill>
+                      </a:endParaRPr>
+                    </a:p>
+                  </a:txBody>
+                  <a:tcPr anchor="ctr"/>
+                </a:tc>
+                <a:tc>
+                  <a:txBody>
+                    <a:bodyPr/>
+                    <a:lstStyle/>
+                    <a:p>
+                      <a:pPr algn="ctr"/>
+                      <a:r>
+                        <a:rPr lang="en-US" altLang="ko-KR" dirty="0">
+                          <a:solidFill>
+                            <a:schemeClr val="tx1"/>
+                          </a:solidFill>
+                        </a:rPr>
+                        <a:t>(4, 5)</a:t>
+                      </a:r>
+                      <a:endParaRPr lang="ko-KR" altLang="en-US" dirty="0">
+                        <a:solidFill>
+                          <a:schemeClr val="tx1"/>
+                        </a:solidFill>
+                      </a:endParaRPr>
+                    </a:p>
+                  </a:txBody>
+                  <a:tcPr anchor="ctr"/>
+                </a:tc>
+                <a:tc>
+                  <a:txBody>
+                    <a:bodyPr/>
+                    <a:lstStyle/>
+                    <a:p>
+                      <a:pPr algn="ctr"/>
+                      <a:r>
+                        <a:rPr lang="en-US" altLang="ko-KR" dirty="0">
+                          <a:solidFill>
+                            <a:schemeClr val="tx1"/>
+                          </a:solidFill>
+                        </a:rPr>
+                        <a:t>11</a:t>
+                      </a:r>
+                      <a:endParaRPr lang="ko-KR" altLang="en-US" dirty="0">
+                        <a:solidFill>
+                          <a:schemeClr val="tx1"/>
+                        </a:solidFill>
+                      </a:endParaRPr>
+                    </a:p>
+                  </a:txBody>
+                  <a:tcPr anchor="ctr"/>
+                </a:tc>
+                <a:extLst>
+                  <a:ext uri="{0D108BD9-81ED-4DB2-BD59-A6C34878D82A}">
+                    <a16:rowId xmlns:a16="http://schemas.microsoft.com/office/drawing/2014/main" val="1426106832"/>
+                  </a:ext>
+                </a:extLst>
+              </a:tr>
+              <a:tr h="409189">
+                <a:tc>
+                  <a:txBody>
+                    <a:bodyPr/>
+                    <a:lstStyle/>
+                    <a:p>
+                      <a:pPr algn="ctr" latinLnBrk="1"/>
+                      <a:r>
+                        <a:rPr lang="en-US" altLang="ko-KR" dirty="0">
+                          <a:solidFill>
+                            <a:schemeClr val="tx1"/>
+                          </a:solidFill>
+                        </a:rPr>
+                        <a:t>6</a:t>
+                      </a:r>
+                      <a:endParaRPr lang="ko-KR" altLang="en-US" dirty="0">
+                        <a:solidFill>
+                          <a:schemeClr val="tx1"/>
+                        </a:solidFill>
+                      </a:endParaRPr>
+                    </a:p>
+                  </a:txBody>
+                  <a:tcPr anchor="ctr"/>
+                </a:tc>
+                <a:tc>
+                  <a:txBody>
+                    <a:bodyPr/>
+                    <a:lstStyle/>
+                    <a:p>
+                      <a:pPr algn="ctr"/>
+                      <a:r>
+                        <a:rPr lang="en-US" altLang="ko-KR" dirty="0">
+                          <a:solidFill>
+                            <a:schemeClr val="tx1"/>
+                          </a:solidFill>
+                        </a:rPr>
+                        <a:t>(4, 6)</a:t>
+                      </a:r>
+                      <a:endParaRPr lang="ko-KR" altLang="en-US" dirty="0">
+                        <a:solidFill>
+                          <a:schemeClr val="tx1"/>
+                        </a:solidFill>
+                      </a:endParaRPr>
+                    </a:p>
+                  </a:txBody>
+                  <a:tcPr anchor="ctr"/>
+                </a:tc>
+                <a:tc>
+                  <a:txBody>
+                    <a:bodyPr/>
+                    <a:lstStyle/>
+                    <a:p>
+                      <a:pPr algn="ctr"/>
+                      <a:r>
+                        <a:rPr lang="en-US" altLang="ko-KR" dirty="0">
+                          <a:solidFill>
+                            <a:schemeClr val="tx1"/>
+                          </a:solidFill>
+                        </a:rPr>
+                        <a:t>9</a:t>
+                      </a:r>
+                      <a:endParaRPr lang="ko-KR" altLang="en-US" dirty="0">
+                        <a:solidFill>
+                          <a:schemeClr val="tx1"/>
+                        </a:solidFill>
+                      </a:endParaRPr>
+                    </a:p>
+                  </a:txBody>
+                  <a:tcPr anchor="ctr"/>
+                </a:tc>
+                <a:extLst>
+                  <a:ext uri="{0D108BD9-81ED-4DB2-BD59-A6C34878D82A}">
+                    <a16:rowId xmlns:a16="http://schemas.microsoft.com/office/drawing/2014/main" val="1281882095"/>
+                  </a:ext>
+                </a:extLst>
+              </a:tr>
+              <a:tr h="409189">
+                <a:tc>
+                  <a:txBody>
+                    <a:bodyPr/>
+                    <a:lstStyle/>
+                    <a:p>
+                      <a:pPr algn="ctr" latinLnBrk="1"/>
+                      <a:r>
+                        <a:rPr lang="en-US" altLang="ko-KR" dirty="0">
+                          <a:solidFill>
+                            <a:schemeClr val="tx1"/>
+                          </a:solidFill>
+                        </a:rPr>
+                        <a:t>5</a:t>
+                      </a:r>
+                      <a:endParaRPr lang="ko-KR" altLang="en-US" dirty="0">
+                        <a:solidFill>
+                          <a:schemeClr val="tx1"/>
+                        </a:solidFill>
+                      </a:endParaRPr>
+                    </a:p>
+                  </a:txBody>
+                  <a:tcPr anchor="ctr"/>
+                </a:tc>
+                <a:tc>
+                  <a:txBody>
+                    <a:bodyPr/>
+                    <a:lstStyle/>
+                    <a:p>
+                      <a:pPr algn="ctr"/>
+                      <a:r>
+                        <a:rPr lang="en-US" altLang="ko-KR" dirty="0">
+                          <a:solidFill>
+                            <a:schemeClr val="tx1"/>
+                          </a:solidFill>
+                        </a:rPr>
+                        <a:t>(1, 2)</a:t>
+                      </a:r>
+                      <a:endParaRPr lang="ko-KR" altLang="en-US" dirty="0">
+                        <a:solidFill>
+                          <a:schemeClr val="tx1"/>
+                        </a:solidFill>
+                      </a:endParaRPr>
+                    </a:p>
+                  </a:txBody>
+                  <a:tcPr anchor="ctr"/>
+                </a:tc>
+                <a:tc>
+                  <a:txBody>
+                    <a:bodyPr/>
+                    <a:lstStyle/>
+                    <a:p>
+                      <a:pPr algn="ctr"/>
+                      <a:r>
+                        <a:rPr lang="en-US" altLang="ko-KR" dirty="0">
+                          <a:solidFill>
+                            <a:schemeClr val="tx1"/>
+                          </a:solidFill>
+                        </a:rPr>
+                        <a:t>7</a:t>
+                      </a:r>
+                      <a:endParaRPr lang="ko-KR" altLang="en-US" dirty="0">
+                        <a:solidFill>
+                          <a:schemeClr val="tx1"/>
+                        </a:solidFill>
+                      </a:endParaRPr>
+                    </a:p>
+                  </a:txBody>
+                  <a:tcPr anchor="ctr"/>
+                </a:tc>
+                <a:extLst>
+                  <a:ext uri="{0D108BD9-81ED-4DB2-BD59-A6C34878D82A}">
+                    <a16:rowId xmlns:a16="http://schemas.microsoft.com/office/drawing/2014/main" val="3908667003"/>
+                  </a:ext>
+                </a:extLst>
+              </a:tr>
+              <a:tr h="409189">
+                <a:tc>
+                  <a:txBody>
+                    <a:bodyPr/>
+                    <a:lstStyle/>
+                    <a:p>
+                      <a:pPr algn="ctr" latinLnBrk="1"/>
+                      <a:r>
+                        <a:rPr lang="en-US" altLang="ko-KR" dirty="0">
+                          <a:solidFill>
+                            <a:schemeClr val="tx1"/>
+                          </a:solidFill>
+                        </a:rPr>
+                        <a:t>4</a:t>
+                      </a:r>
+                      <a:endParaRPr lang="ko-KR" altLang="en-US" dirty="0">
+                        <a:solidFill>
+                          <a:schemeClr val="tx1"/>
+                        </a:solidFill>
+                      </a:endParaRPr>
+                    </a:p>
+                  </a:txBody>
+                  <a:tcPr anchor="ctr"/>
+                </a:tc>
+                <a:tc>
+                  <a:txBody>
+                    <a:bodyPr/>
+                    <a:lstStyle/>
+                    <a:p>
+                      <a:pPr algn="ctr"/>
+                      <a:r>
+                        <a:rPr lang="en-US" altLang="ko-KR" dirty="0">
+                          <a:solidFill>
+                            <a:schemeClr val="tx1"/>
+                          </a:solidFill>
+                        </a:rPr>
+                        <a:t>(2, 1)</a:t>
+                      </a:r>
+                      <a:endParaRPr lang="ko-KR" altLang="en-US" dirty="0">
+                        <a:solidFill>
+                          <a:schemeClr val="tx1"/>
+                        </a:solidFill>
+                      </a:endParaRPr>
+                    </a:p>
+                  </a:txBody>
+                  <a:tcPr anchor="ctr"/>
+                </a:tc>
+                <a:tc>
+                  <a:txBody>
+                    <a:bodyPr/>
+                    <a:lstStyle/>
+                    <a:p>
+                      <a:pPr algn="ctr"/>
+                      <a:r>
+                        <a:rPr lang="en-US" altLang="ko-KR" dirty="0">
+                          <a:solidFill>
+                            <a:schemeClr val="tx1"/>
+                          </a:solidFill>
+                        </a:rPr>
+                        <a:t>7</a:t>
+                      </a:r>
+                      <a:endParaRPr lang="ko-KR" altLang="en-US" dirty="0">
+                        <a:solidFill>
+                          <a:schemeClr val="tx1"/>
+                        </a:solidFill>
+                      </a:endParaRPr>
+                    </a:p>
+                  </a:txBody>
+                  <a:tcPr anchor="ctr"/>
+                </a:tc>
+                <a:extLst>
+                  <a:ext uri="{0D108BD9-81ED-4DB2-BD59-A6C34878D82A}">
+                    <a16:rowId xmlns:a16="http://schemas.microsoft.com/office/drawing/2014/main" val="1928668170"/>
+                  </a:ext>
+                </a:extLst>
+              </a:tr>
+              <a:tr h="409189">
+                <a:tc>
+                  <a:txBody>
+                    <a:bodyPr/>
+                    <a:lstStyle/>
+                    <a:p>
+                      <a:pPr algn="ctr" latinLnBrk="1"/>
+                      <a:r>
+                        <a:rPr lang="en-US" altLang="ko-KR" dirty="0">
+                          <a:solidFill>
+                            <a:schemeClr val="tx1"/>
+                          </a:solidFill>
+                        </a:rPr>
+                        <a:t>3</a:t>
+                      </a:r>
+                      <a:endParaRPr lang="ko-KR" altLang="en-US" dirty="0">
+                        <a:solidFill>
+                          <a:schemeClr val="tx1"/>
+                        </a:solidFill>
+                      </a:endParaRPr>
+                    </a:p>
+                  </a:txBody>
+                  <a:tcPr anchor="ctr"/>
+                </a:tc>
+                <a:tc>
+                  <a:txBody>
+                    <a:bodyPr/>
+                    <a:lstStyle/>
+                    <a:p>
+                      <a:pPr algn="ctr"/>
+                      <a:r>
+                        <a:rPr lang="en-US" altLang="ko-KR" dirty="0">
+                          <a:solidFill>
+                            <a:schemeClr val="tx1"/>
+                          </a:solidFill>
+                        </a:rPr>
+                        <a:t>(4, 2)</a:t>
+                      </a:r>
+                      <a:endParaRPr lang="ko-KR" altLang="en-US" dirty="0">
+                        <a:solidFill>
+                          <a:schemeClr val="tx1"/>
+                        </a:solidFill>
+                      </a:endParaRPr>
+                    </a:p>
+                  </a:txBody>
+                  <a:tcPr anchor="ctr"/>
+                </a:tc>
+                <a:tc>
+                  <a:txBody>
+                    <a:bodyPr/>
+                    <a:lstStyle/>
+                    <a:p>
+                      <a:pPr algn="ctr"/>
+                      <a:r>
+                        <a:rPr lang="en-US" altLang="ko-KR" dirty="0">
+                          <a:solidFill>
+                            <a:schemeClr val="tx1"/>
+                          </a:solidFill>
+                        </a:rPr>
+                        <a:t>10</a:t>
+                      </a:r>
+                      <a:endParaRPr lang="ko-KR" altLang="en-US" dirty="0">
+                        <a:solidFill>
+                          <a:schemeClr val="tx1"/>
+                        </a:solidFill>
+                      </a:endParaRPr>
+                    </a:p>
+                  </a:txBody>
+                  <a:tcPr anchor="ctr"/>
+                </a:tc>
+                <a:extLst>
+                  <a:ext uri="{0D108BD9-81ED-4DB2-BD59-A6C34878D82A}">
+                    <a16:rowId xmlns:a16="http://schemas.microsoft.com/office/drawing/2014/main" val="624737567"/>
+                  </a:ext>
+                </a:extLst>
+              </a:tr>
+              <a:tr h="409189">
+                <a:tc>
+                  <a:txBody>
+                    <a:bodyPr/>
+                    <a:lstStyle/>
+                    <a:p>
+                      <a:pPr algn="ctr" latinLnBrk="1"/>
+                      <a:r>
+                        <a:rPr lang="en-US" altLang="ko-KR" dirty="0">
+                          <a:solidFill>
+                            <a:schemeClr val="tx1"/>
+                          </a:solidFill>
+                        </a:rPr>
+                        <a:t>2</a:t>
+                      </a:r>
+                      <a:endParaRPr lang="ko-KR" altLang="en-US" dirty="0">
+                        <a:solidFill>
+                          <a:schemeClr val="tx1"/>
+                        </a:solidFill>
+                      </a:endParaRPr>
+                    </a:p>
+                  </a:txBody>
+                  <a:tcPr anchor="ctr"/>
+                </a:tc>
+                <a:tc>
+                  <a:txBody>
+                    <a:bodyPr/>
+                    <a:lstStyle/>
+                    <a:p>
+                      <a:pPr algn="ctr"/>
+                      <a:r>
+                        <a:rPr lang="en-US" altLang="ko-KR" dirty="0">
+                          <a:solidFill>
+                            <a:schemeClr val="tx1"/>
+                          </a:solidFill>
+                        </a:rPr>
+                        <a:t>(2, 6)</a:t>
+                      </a:r>
+                      <a:endParaRPr lang="ko-KR" altLang="en-US" dirty="0">
+                        <a:solidFill>
+                          <a:schemeClr val="tx1"/>
+                        </a:solidFill>
+                      </a:endParaRPr>
+                    </a:p>
+                  </a:txBody>
+                  <a:tcPr anchor="ctr"/>
+                </a:tc>
+                <a:tc>
+                  <a:txBody>
+                    <a:bodyPr/>
+                    <a:lstStyle/>
+                    <a:p>
+                      <a:pPr algn="ctr"/>
+                      <a:r>
+                        <a:rPr lang="en-US" altLang="ko-KR" dirty="0">
+                          <a:solidFill>
+                            <a:schemeClr val="tx1"/>
+                          </a:solidFill>
+                        </a:rPr>
+                        <a:t>6</a:t>
+                      </a:r>
+                      <a:endParaRPr lang="ko-KR" altLang="en-US" dirty="0">
+                        <a:solidFill>
+                          <a:schemeClr val="tx1"/>
+                        </a:solidFill>
+                      </a:endParaRPr>
+                    </a:p>
+                  </a:txBody>
+                  <a:tcPr anchor="ctr"/>
+                </a:tc>
+                <a:extLst>
+                  <a:ext uri="{0D108BD9-81ED-4DB2-BD59-A6C34878D82A}">
+                    <a16:rowId xmlns:a16="http://schemas.microsoft.com/office/drawing/2014/main" val="4211862219"/>
+                  </a:ext>
+                </a:extLst>
+              </a:tr>
+              <a:tr h="409189">
+                <a:tc>
+                  <a:txBody>
+                    <a:bodyPr/>
+                    <a:lstStyle/>
+                    <a:p>
+                      <a:pPr algn="ctr" latinLnBrk="1"/>
+                      <a:r>
+                        <a:rPr lang="en-US" altLang="ko-KR" dirty="0">
+                          <a:solidFill>
+                            <a:schemeClr val="tx1"/>
+                          </a:solidFill>
+                        </a:rPr>
+                        <a:t>1</a:t>
+                      </a:r>
+                      <a:endParaRPr lang="ko-KR" altLang="en-US" dirty="0">
+                        <a:solidFill>
+                          <a:schemeClr val="tx1"/>
+                        </a:solidFill>
+                      </a:endParaRPr>
+                    </a:p>
+                  </a:txBody>
+                  <a:tcPr anchor="ctr"/>
+                </a:tc>
+                <a:tc>
+                  <a:txBody>
+                    <a:bodyPr/>
+                    <a:lstStyle/>
+                    <a:p>
+                      <a:pPr algn="ctr"/>
+                      <a:r>
+                        <a:rPr lang="en-US" altLang="ko-KR" dirty="0">
+                          <a:solidFill>
+                            <a:schemeClr val="tx1"/>
+                          </a:solidFill>
+                        </a:rPr>
+                        <a:t>(5, 7)</a:t>
+                      </a:r>
+                      <a:endParaRPr lang="ko-KR" altLang="en-US" dirty="0">
+                        <a:solidFill>
+                          <a:schemeClr val="tx1"/>
+                        </a:solidFill>
+                      </a:endParaRPr>
+                    </a:p>
+                  </a:txBody>
+                  <a:tcPr anchor="ctr"/>
+                </a:tc>
+                <a:tc>
+                  <a:txBody>
+                    <a:bodyPr/>
+                    <a:lstStyle/>
+                    <a:p>
+                      <a:pPr algn="ctr"/>
+                      <a:r>
+                        <a:rPr lang="en-US" altLang="ko-KR" dirty="0">
+                          <a:solidFill>
+                            <a:schemeClr val="tx1"/>
+                          </a:solidFill>
+                        </a:rPr>
+                        <a:t>5</a:t>
+                      </a:r>
+                      <a:endParaRPr lang="ko-KR" altLang="en-US" dirty="0">
+                        <a:solidFill>
+                          <a:schemeClr val="tx1"/>
+                        </a:solidFill>
+                      </a:endParaRPr>
+                    </a:p>
+                  </a:txBody>
+                  <a:tcPr anchor="ctr"/>
+                </a:tc>
+                <a:extLst>
+                  <a:ext uri="{0D108BD9-81ED-4DB2-BD59-A6C34878D82A}">
+                    <a16:rowId xmlns:a16="http://schemas.microsoft.com/office/drawing/2014/main" val="569742551"/>
+                  </a:ext>
+                </a:extLst>
+              </a:tr>
+              <a:tr h="409189">
+                <a:tc>
+                  <a:txBody>
+                    <a:bodyPr/>
+                    <a:lstStyle/>
+                    <a:p>
+                      <a:pPr algn="ctr" latinLnBrk="1"/>
+                      <a:r>
+                        <a:rPr lang="en-US" altLang="ko-KR" dirty="0">
+                          <a:solidFill>
+                            <a:srgbClr val="FF0000"/>
+                          </a:solidFill>
+                        </a:rPr>
+                        <a:t>0</a:t>
+                      </a:r>
+                      <a:endParaRPr lang="ko-KR" altLang="en-US" dirty="0">
+                        <a:solidFill>
+                          <a:srgbClr val="FF0000"/>
+                        </a:solidFill>
+                      </a:endParaRPr>
+                    </a:p>
+                  </a:txBody>
+                  <a:tcPr anchor="ctr"/>
+                </a:tc>
+                <a:tc>
+                  <a:txBody>
+                    <a:bodyPr/>
+                    <a:lstStyle/>
+                    <a:p>
+                      <a:pPr algn="ctr"/>
+                      <a:r>
+                        <a:rPr lang="en-US" altLang="ko-KR" dirty="0">
+                          <a:solidFill>
+                            <a:srgbClr val="FF0000"/>
+                          </a:solidFill>
+                        </a:rPr>
+                        <a:t>(7, 5)</a:t>
+                      </a:r>
+                      <a:endParaRPr lang="ko-KR" altLang="en-US" dirty="0">
+                        <a:solidFill>
+                          <a:srgbClr val="FF0000"/>
+                        </a:solidFill>
+                      </a:endParaRPr>
+                    </a:p>
+                  </a:txBody>
+                  <a:tcPr anchor="ctr"/>
+                </a:tc>
+                <a:tc>
+                  <a:txBody>
+                    <a:bodyPr/>
+                    <a:lstStyle/>
+                    <a:p>
+                      <a:pPr algn="ctr"/>
+                      <a:r>
+                        <a:rPr lang="en-US" altLang="ko-KR" dirty="0">
+                          <a:solidFill>
+                            <a:srgbClr val="FF0000"/>
+                          </a:solidFill>
+                        </a:rPr>
+                        <a:t>5</a:t>
+                      </a:r>
+                      <a:endParaRPr lang="ko-KR" altLang="en-US" dirty="0">
+                        <a:solidFill>
+                          <a:srgbClr val="FF0000"/>
+                        </a:solidFill>
+                      </a:endParaRPr>
+                    </a:p>
+                  </a:txBody>
+                  <a:tcPr anchor="ctr"/>
+                </a:tc>
+                <a:extLst>
+                  <a:ext uri="{0D108BD9-81ED-4DB2-BD59-A6C34878D82A}">
+                    <a16:rowId xmlns:a16="http://schemas.microsoft.com/office/drawing/2014/main" val="1846374400"/>
+                  </a:ext>
+                </a:extLst>
+              </a:tr>
+            </a:tbl>
+          </a:graphicData>
+        </a:graphic>
+      </p:graphicFrame>
+      <p:sp>
+        <p:nvSpPr>
+          <p:cNvPr id="8" name="타원 7">
+            <a:extLst>
+              <a:ext uri="{FF2B5EF4-FFF2-40B4-BE49-F238E27FC236}">
+                <a16:creationId xmlns:a16="http://schemas.microsoft.com/office/drawing/2014/main" id="{991A7940-7EA0-4585-BCA7-6499330C52BF}"/>
+              </a:ext>
+            </a:extLst>
+          </p:cNvPr>
+          <p:cNvSpPr/>
+          <p:nvPr/>
+        </p:nvSpPr>
+        <p:spPr>
+          <a:xfrm>
+            <a:off x="5511635" y="2419014"/>
+            <a:ext cx="783770" cy="783770"/>
+          </a:xfrm>
+          <a:prstGeom prst="ellipse">
+            <a:avLst/>
+          </a:prstGeom>
+          <a:solidFill>
+            <a:srgbClr val="FFC000"/>
+          </a:solidFill>
+          <a:ln w="28575">
+            <a:solidFill>
+              <a:schemeClr val="accent2"/>
+            </a:solidFill>
+          </a:ln>
+        </p:spPr>
+        <p:style>
+          <a:lnRef idx="2">
+            <a:schemeClr val="accent1">
+              <a:shade val="50000"/>
+            </a:schemeClr>
+          </a:lnRef>
+          <a:fillRef idx="1">
+            <a:schemeClr val="accent1"/>
+          </a:fillRef>
+          <a:effectRef idx="0">
+            <a:schemeClr val="accent1"/>
+          </a:effectRef>
+          <a:fontRef idx="minor">
+            <a:schemeClr val="lt1"/>
+          </a:fontRef>
+        </p:style>
+        <p:txBody>
+          <a:bodyPr rtlCol="0" anchor="ctr"/>
+          <a:lstStyle/>
+          <a:p>
+            <a:pPr algn="ctr"/>
+            <a:r>
+              <a:rPr lang="en-US" altLang="ko-KR" sz="2500" dirty="0">
+                <a:solidFill>
+                  <a:sysClr val="windowText" lastClr="000000"/>
+                </a:solidFill>
+              </a:rPr>
+              <a:t>6</a:t>
+            </a:r>
+            <a:endParaRPr lang="ko-KR" altLang="en-US" sz="2500" dirty="0">
+              <a:solidFill>
+                <a:sysClr val="windowText" lastClr="000000"/>
+              </a:solidFill>
+            </a:endParaRPr>
+          </a:p>
+        </p:txBody>
+      </p:sp>
+      <p:cxnSp>
+        <p:nvCxnSpPr>
+          <p:cNvPr id="10" name="직선 연결선 9">
+            <a:extLst>
+              <a:ext uri="{FF2B5EF4-FFF2-40B4-BE49-F238E27FC236}">
+                <a16:creationId xmlns:a16="http://schemas.microsoft.com/office/drawing/2014/main" id="{95895BF8-DF82-4998-81B9-4F73A3DB5B9E}"/>
+              </a:ext>
+            </a:extLst>
+          </p:cNvPr>
+          <p:cNvCxnSpPr>
+            <a:cxnSpLocks/>
+            <a:stCxn id="35" idx="5"/>
+            <a:endCxn id="8" idx="0"/>
+          </p:cNvCxnSpPr>
+          <p:nvPr/>
+        </p:nvCxnSpPr>
+        <p:spPr>
+          <a:xfrm>
+            <a:off x="4423404" y="1871914"/>
+            <a:ext cx="1480116" cy="547100"/>
+          </a:xfrm>
+          <a:prstGeom prst="line">
+            <a:avLst/>
+          </a:prstGeom>
+          <a:ln w="19050"/>
+        </p:spPr>
+        <p:style>
+          <a:lnRef idx="1">
+            <a:schemeClr val="dk1"/>
+          </a:lnRef>
+          <a:fillRef idx="0">
+            <a:schemeClr val="dk1"/>
+          </a:fillRef>
+          <a:effectRef idx="0">
+            <a:schemeClr val="dk1"/>
+          </a:effectRef>
+          <a:fontRef idx="minor">
+            <a:schemeClr val="tx1"/>
+          </a:fontRef>
+        </p:style>
+      </p:cxnSp>
+      <p:sp>
+        <p:nvSpPr>
+          <p:cNvPr id="13" name="타원 12">
+            <a:extLst>
+              <a:ext uri="{FF2B5EF4-FFF2-40B4-BE49-F238E27FC236}">
+                <a16:creationId xmlns:a16="http://schemas.microsoft.com/office/drawing/2014/main" id="{1372E3DC-CF66-46DB-B0AC-1EE7F33BB7C3}"/>
+              </a:ext>
+            </a:extLst>
+          </p:cNvPr>
+          <p:cNvSpPr/>
+          <p:nvPr/>
+        </p:nvSpPr>
+        <p:spPr>
+          <a:xfrm>
+            <a:off x="1206932" y="3635104"/>
+            <a:ext cx="783770" cy="783770"/>
+          </a:xfrm>
+          <a:prstGeom prst="ellipse">
+            <a:avLst/>
+          </a:prstGeom>
+          <a:solidFill>
+            <a:srgbClr val="FFC000"/>
+          </a:solidFill>
+          <a:ln w="28575">
+            <a:solidFill>
+              <a:schemeClr val="accent2"/>
+            </a:solidFill>
+          </a:ln>
+        </p:spPr>
+        <p:style>
+          <a:lnRef idx="2">
+            <a:schemeClr val="accent1">
+              <a:shade val="50000"/>
+            </a:schemeClr>
+          </a:lnRef>
+          <a:fillRef idx="1">
+            <a:schemeClr val="accent1"/>
+          </a:fillRef>
+          <a:effectRef idx="0">
+            <a:schemeClr val="accent1"/>
+          </a:effectRef>
+          <a:fontRef idx="minor">
+            <a:schemeClr val="lt1"/>
+          </a:fontRef>
+        </p:style>
+        <p:txBody>
+          <a:bodyPr rtlCol="0" anchor="ctr"/>
+          <a:lstStyle/>
+          <a:p>
+            <a:pPr algn="ctr"/>
+            <a:r>
+              <a:rPr lang="en-US" altLang="ko-KR" sz="2500" dirty="0">
+                <a:solidFill>
+                  <a:sysClr val="windowText" lastClr="000000"/>
+                </a:solidFill>
+              </a:rPr>
+              <a:t>10</a:t>
+            </a:r>
+            <a:endParaRPr lang="ko-KR" altLang="en-US" sz="2500" dirty="0">
+              <a:solidFill>
+                <a:sysClr val="windowText" lastClr="000000"/>
+              </a:solidFill>
+            </a:endParaRPr>
+          </a:p>
+        </p:txBody>
+      </p:sp>
+      <p:cxnSp>
+        <p:nvCxnSpPr>
+          <p:cNvPr id="14" name="직선 연결선 13">
+            <a:extLst>
+              <a:ext uri="{FF2B5EF4-FFF2-40B4-BE49-F238E27FC236}">
+                <a16:creationId xmlns:a16="http://schemas.microsoft.com/office/drawing/2014/main" id="{4022F947-2150-4248-84D5-14C652043FD9}"/>
+              </a:ext>
+            </a:extLst>
+          </p:cNvPr>
+          <p:cNvCxnSpPr>
+            <a:cxnSpLocks/>
+            <a:stCxn id="36" idx="3"/>
+            <a:endCxn id="13" idx="0"/>
+          </p:cNvCxnSpPr>
+          <p:nvPr/>
+        </p:nvCxnSpPr>
+        <p:spPr>
+          <a:xfrm flipH="1">
+            <a:off x="1598817" y="3088004"/>
+            <a:ext cx="683242" cy="547100"/>
+          </a:xfrm>
+          <a:prstGeom prst="line">
+            <a:avLst/>
+          </a:prstGeom>
+          <a:ln w="19050"/>
+        </p:spPr>
+        <p:style>
+          <a:lnRef idx="1">
+            <a:schemeClr val="dk1"/>
+          </a:lnRef>
+          <a:fillRef idx="0">
+            <a:schemeClr val="dk1"/>
+          </a:fillRef>
+          <a:effectRef idx="0">
+            <a:schemeClr val="dk1"/>
+          </a:effectRef>
+          <a:fontRef idx="minor">
+            <a:schemeClr val="tx1"/>
+          </a:fontRef>
+        </p:style>
+      </p:cxnSp>
+      <p:sp>
+        <p:nvSpPr>
+          <p:cNvPr id="19" name="타원 18">
+            <a:extLst>
+              <a:ext uri="{FF2B5EF4-FFF2-40B4-BE49-F238E27FC236}">
+                <a16:creationId xmlns:a16="http://schemas.microsoft.com/office/drawing/2014/main" id="{16B30F20-53AC-4AB7-9B58-4C0557BECA6F}"/>
+              </a:ext>
+            </a:extLst>
+          </p:cNvPr>
+          <p:cNvSpPr/>
+          <p:nvPr/>
+        </p:nvSpPr>
+        <p:spPr>
+          <a:xfrm>
+            <a:off x="3066951" y="3635104"/>
+            <a:ext cx="783770" cy="783770"/>
+          </a:xfrm>
+          <a:prstGeom prst="ellipse">
+            <a:avLst/>
+          </a:prstGeom>
+          <a:solidFill>
+            <a:srgbClr val="FFC000"/>
+          </a:solidFill>
+          <a:ln w="28575">
+            <a:solidFill>
+              <a:schemeClr val="accent2"/>
+            </a:solidFill>
+          </a:ln>
+        </p:spPr>
+        <p:style>
+          <a:lnRef idx="2">
+            <a:schemeClr val="accent1">
+              <a:shade val="50000"/>
+            </a:schemeClr>
+          </a:lnRef>
+          <a:fillRef idx="1">
+            <a:schemeClr val="accent1"/>
+          </a:fillRef>
+          <a:effectRef idx="0">
+            <a:schemeClr val="accent1"/>
+          </a:effectRef>
+          <a:fontRef idx="minor">
+            <a:schemeClr val="lt1"/>
+          </a:fontRef>
+        </p:style>
+        <p:txBody>
+          <a:bodyPr rtlCol="0" anchor="ctr"/>
+          <a:lstStyle/>
+          <a:p>
+            <a:pPr algn="ctr"/>
+            <a:r>
+              <a:rPr lang="en-US" altLang="ko-KR" sz="2500" dirty="0">
+                <a:solidFill>
+                  <a:sysClr val="windowText" lastClr="000000"/>
+                </a:solidFill>
+              </a:rPr>
+              <a:t>7</a:t>
+            </a:r>
+            <a:endParaRPr lang="ko-KR" altLang="en-US" sz="2500" dirty="0">
+              <a:solidFill>
+                <a:sysClr val="windowText" lastClr="000000"/>
+              </a:solidFill>
+            </a:endParaRPr>
+          </a:p>
+        </p:txBody>
+      </p:sp>
+      <p:cxnSp>
+        <p:nvCxnSpPr>
+          <p:cNvPr id="20" name="직선 연결선 19">
+            <a:extLst>
+              <a:ext uri="{FF2B5EF4-FFF2-40B4-BE49-F238E27FC236}">
+                <a16:creationId xmlns:a16="http://schemas.microsoft.com/office/drawing/2014/main" id="{7D953708-4747-4863-A35C-FD9F489B2795}"/>
+              </a:ext>
+            </a:extLst>
+          </p:cNvPr>
+          <p:cNvCxnSpPr>
+            <a:cxnSpLocks/>
+            <a:stCxn id="36" idx="5"/>
+            <a:endCxn id="19" idx="0"/>
+          </p:cNvCxnSpPr>
+          <p:nvPr/>
+        </p:nvCxnSpPr>
+        <p:spPr>
+          <a:xfrm>
+            <a:off x="2836269" y="3088004"/>
+            <a:ext cx="622567" cy="547100"/>
+          </a:xfrm>
+          <a:prstGeom prst="line">
+            <a:avLst/>
+          </a:prstGeom>
+          <a:ln w="19050"/>
+        </p:spPr>
+        <p:style>
+          <a:lnRef idx="1">
+            <a:schemeClr val="dk1"/>
+          </a:lnRef>
+          <a:fillRef idx="0">
+            <a:schemeClr val="dk1"/>
+          </a:fillRef>
+          <a:effectRef idx="0">
+            <a:schemeClr val="dk1"/>
+          </a:effectRef>
+          <a:fontRef idx="minor">
+            <a:schemeClr val="tx1"/>
+          </a:fontRef>
+        </p:style>
+      </p:cxnSp>
+      <p:sp>
+        <p:nvSpPr>
+          <p:cNvPr id="31" name="타원 30">
+            <a:extLst>
+              <a:ext uri="{FF2B5EF4-FFF2-40B4-BE49-F238E27FC236}">
+                <a16:creationId xmlns:a16="http://schemas.microsoft.com/office/drawing/2014/main" id="{D2A5C87B-8BDC-42C3-B699-DCFA8C9DAF06}"/>
+              </a:ext>
+            </a:extLst>
+          </p:cNvPr>
+          <p:cNvSpPr/>
+          <p:nvPr/>
+        </p:nvSpPr>
+        <p:spPr>
+          <a:xfrm>
+            <a:off x="4786091" y="3635104"/>
+            <a:ext cx="783770" cy="783770"/>
+          </a:xfrm>
+          <a:prstGeom prst="ellipse">
+            <a:avLst/>
+          </a:prstGeom>
+          <a:solidFill>
+            <a:srgbClr val="FFC000"/>
+          </a:solidFill>
+          <a:ln w="28575">
+            <a:solidFill>
+              <a:schemeClr val="accent2"/>
+            </a:solidFill>
+          </a:ln>
+        </p:spPr>
+        <p:style>
+          <a:lnRef idx="2">
+            <a:schemeClr val="accent1">
+              <a:shade val="50000"/>
+            </a:schemeClr>
+          </a:lnRef>
+          <a:fillRef idx="1">
+            <a:schemeClr val="accent1"/>
+          </a:fillRef>
+          <a:effectRef idx="0">
+            <a:schemeClr val="accent1"/>
+          </a:effectRef>
+          <a:fontRef idx="minor">
+            <a:schemeClr val="lt1"/>
+          </a:fontRef>
+        </p:style>
+        <p:txBody>
+          <a:bodyPr rtlCol="0" anchor="ctr"/>
+          <a:lstStyle/>
+          <a:p>
+            <a:pPr algn="ctr"/>
+            <a:r>
+              <a:rPr lang="en-US" altLang="ko-KR" sz="2500" dirty="0">
+                <a:solidFill>
+                  <a:sysClr val="windowText" lastClr="000000"/>
+                </a:solidFill>
+              </a:rPr>
+              <a:t>7</a:t>
+            </a:r>
+            <a:endParaRPr lang="ko-KR" altLang="en-US" sz="2500" dirty="0">
+              <a:solidFill>
+                <a:sysClr val="windowText" lastClr="000000"/>
+              </a:solidFill>
+            </a:endParaRPr>
+          </a:p>
+        </p:txBody>
+      </p:sp>
+      <p:cxnSp>
+        <p:nvCxnSpPr>
+          <p:cNvPr id="32" name="직선 연결선 31">
+            <a:extLst>
+              <a:ext uri="{FF2B5EF4-FFF2-40B4-BE49-F238E27FC236}">
+                <a16:creationId xmlns:a16="http://schemas.microsoft.com/office/drawing/2014/main" id="{FC5D8D4B-8E2A-424C-9FBF-14E7D2993F50}"/>
+              </a:ext>
+            </a:extLst>
+          </p:cNvPr>
+          <p:cNvCxnSpPr>
+            <a:cxnSpLocks/>
+            <a:stCxn id="8" idx="3"/>
+            <a:endCxn id="31" idx="0"/>
+          </p:cNvCxnSpPr>
+          <p:nvPr/>
+        </p:nvCxnSpPr>
+        <p:spPr>
+          <a:xfrm flipH="1">
+            <a:off x="5177976" y="3088004"/>
+            <a:ext cx="448439" cy="547100"/>
+          </a:xfrm>
+          <a:prstGeom prst="line">
+            <a:avLst/>
+          </a:prstGeom>
+          <a:ln w="19050"/>
+        </p:spPr>
+        <p:style>
+          <a:lnRef idx="1">
+            <a:schemeClr val="dk1"/>
+          </a:lnRef>
+          <a:fillRef idx="0">
+            <a:schemeClr val="dk1"/>
+          </a:fillRef>
+          <a:effectRef idx="0">
+            <a:schemeClr val="dk1"/>
+          </a:effectRef>
+          <a:fontRef idx="minor">
+            <a:schemeClr val="tx1"/>
+          </a:fontRef>
+        </p:style>
+      </p:cxnSp>
+      <p:sp>
+        <p:nvSpPr>
+          <p:cNvPr id="15" name="타원 14">
+            <a:extLst>
+              <a:ext uri="{FF2B5EF4-FFF2-40B4-BE49-F238E27FC236}">
+                <a16:creationId xmlns:a16="http://schemas.microsoft.com/office/drawing/2014/main" id="{73B51643-E13C-4912-8876-7C51234F3AC3}"/>
+              </a:ext>
+            </a:extLst>
+          </p:cNvPr>
+          <p:cNvSpPr/>
+          <p:nvPr/>
+        </p:nvSpPr>
+        <p:spPr>
+          <a:xfrm>
+            <a:off x="6565587" y="3635104"/>
+            <a:ext cx="783770" cy="783770"/>
+          </a:xfrm>
+          <a:prstGeom prst="ellipse">
+            <a:avLst/>
+          </a:prstGeom>
+          <a:solidFill>
+            <a:srgbClr val="FFC000"/>
+          </a:solidFill>
+          <a:ln w="28575">
+            <a:solidFill>
+              <a:schemeClr val="accent2"/>
+            </a:solidFill>
+          </a:ln>
+        </p:spPr>
+        <p:style>
+          <a:lnRef idx="2">
+            <a:schemeClr val="accent1">
+              <a:shade val="50000"/>
+            </a:schemeClr>
+          </a:lnRef>
+          <a:fillRef idx="1">
+            <a:schemeClr val="accent1"/>
+          </a:fillRef>
+          <a:effectRef idx="0">
+            <a:schemeClr val="accent1"/>
+          </a:effectRef>
+          <a:fontRef idx="minor">
+            <a:schemeClr val="lt1"/>
+          </a:fontRef>
+        </p:style>
+        <p:txBody>
+          <a:bodyPr rtlCol="0" anchor="ctr"/>
+          <a:lstStyle/>
+          <a:p>
+            <a:pPr algn="ctr"/>
+            <a:r>
+              <a:rPr lang="en-US" altLang="ko-KR" sz="2500" dirty="0">
+                <a:solidFill>
+                  <a:sysClr val="windowText" lastClr="000000"/>
+                </a:solidFill>
+              </a:rPr>
+              <a:t>9</a:t>
+            </a:r>
+            <a:endParaRPr lang="ko-KR" altLang="en-US" sz="2500" dirty="0">
+              <a:solidFill>
+                <a:sysClr val="windowText" lastClr="000000"/>
+              </a:solidFill>
+            </a:endParaRPr>
+          </a:p>
+        </p:txBody>
+      </p:sp>
+      <p:cxnSp>
+        <p:nvCxnSpPr>
+          <p:cNvPr id="16" name="직선 연결선 15">
+            <a:extLst>
+              <a:ext uri="{FF2B5EF4-FFF2-40B4-BE49-F238E27FC236}">
+                <a16:creationId xmlns:a16="http://schemas.microsoft.com/office/drawing/2014/main" id="{AC7AA8A9-372B-40A3-AFC3-7A3205B0A366}"/>
+              </a:ext>
+            </a:extLst>
+          </p:cNvPr>
+          <p:cNvCxnSpPr>
+            <a:cxnSpLocks/>
+            <a:stCxn id="8" idx="5"/>
+            <a:endCxn id="15" idx="0"/>
+          </p:cNvCxnSpPr>
+          <p:nvPr/>
+        </p:nvCxnSpPr>
+        <p:spPr>
+          <a:xfrm>
+            <a:off x="6180625" y="3088004"/>
+            <a:ext cx="776847" cy="547100"/>
+          </a:xfrm>
+          <a:prstGeom prst="line">
+            <a:avLst/>
+          </a:prstGeom>
+          <a:ln w="19050"/>
+        </p:spPr>
+        <p:style>
+          <a:lnRef idx="1">
+            <a:schemeClr val="dk1"/>
+          </a:lnRef>
+          <a:fillRef idx="0">
+            <a:schemeClr val="dk1"/>
+          </a:fillRef>
+          <a:effectRef idx="0">
+            <a:schemeClr val="dk1"/>
+          </a:effectRef>
+          <a:fontRef idx="minor">
+            <a:schemeClr val="tx1"/>
+          </a:fontRef>
+        </p:style>
+      </p:cxnSp>
+      <p:sp>
+        <p:nvSpPr>
+          <p:cNvPr id="24" name="타원 23">
+            <a:extLst>
+              <a:ext uri="{FF2B5EF4-FFF2-40B4-BE49-F238E27FC236}">
+                <a16:creationId xmlns:a16="http://schemas.microsoft.com/office/drawing/2014/main" id="{95FC83FB-E148-44ED-B11D-61732693F479}"/>
+              </a:ext>
+            </a:extLst>
+          </p:cNvPr>
+          <p:cNvSpPr/>
+          <p:nvPr/>
+        </p:nvSpPr>
+        <p:spPr>
+          <a:xfrm>
+            <a:off x="796277" y="4851194"/>
+            <a:ext cx="783770" cy="783770"/>
+          </a:xfrm>
+          <a:prstGeom prst="ellipse">
+            <a:avLst/>
+          </a:prstGeom>
+          <a:solidFill>
+            <a:srgbClr val="FFC000"/>
+          </a:solidFill>
+          <a:ln w="28575">
+            <a:solidFill>
+              <a:schemeClr val="accent2"/>
+            </a:solidFill>
+          </a:ln>
+        </p:spPr>
+        <p:style>
+          <a:lnRef idx="2">
+            <a:schemeClr val="accent1">
+              <a:shade val="50000"/>
+            </a:schemeClr>
+          </a:lnRef>
+          <a:fillRef idx="1">
+            <a:schemeClr val="accent1"/>
+          </a:fillRef>
+          <a:effectRef idx="0">
+            <a:schemeClr val="accent1"/>
+          </a:effectRef>
+          <a:fontRef idx="minor">
+            <a:schemeClr val="lt1"/>
+          </a:fontRef>
+        </p:style>
+        <p:txBody>
+          <a:bodyPr rtlCol="0" anchor="ctr"/>
+          <a:lstStyle/>
+          <a:p>
+            <a:pPr algn="ctr"/>
+            <a:r>
+              <a:rPr lang="en-US" altLang="ko-KR" sz="2500" dirty="0">
+                <a:solidFill>
+                  <a:sysClr val="windowText" lastClr="000000"/>
+                </a:solidFill>
+              </a:rPr>
+              <a:t>11</a:t>
+            </a:r>
+            <a:endParaRPr lang="ko-KR" altLang="en-US" sz="2500" dirty="0">
+              <a:solidFill>
+                <a:sysClr val="windowText" lastClr="000000"/>
+              </a:solidFill>
+            </a:endParaRPr>
+          </a:p>
+        </p:txBody>
+      </p:sp>
+      <p:cxnSp>
+        <p:nvCxnSpPr>
+          <p:cNvPr id="25" name="직선 연결선 24">
+            <a:extLst>
+              <a:ext uri="{FF2B5EF4-FFF2-40B4-BE49-F238E27FC236}">
+                <a16:creationId xmlns:a16="http://schemas.microsoft.com/office/drawing/2014/main" id="{517E4825-663B-475E-8D1D-CB28F9C3D58A}"/>
+              </a:ext>
+            </a:extLst>
+          </p:cNvPr>
+          <p:cNvCxnSpPr>
+            <a:cxnSpLocks/>
+            <a:stCxn id="13" idx="3"/>
+            <a:endCxn id="24" idx="0"/>
+          </p:cNvCxnSpPr>
+          <p:nvPr/>
+        </p:nvCxnSpPr>
+        <p:spPr>
+          <a:xfrm flipH="1">
+            <a:off x="1188162" y="4304094"/>
+            <a:ext cx="133550" cy="547100"/>
+          </a:xfrm>
+          <a:prstGeom prst="line">
+            <a:avLst/>
+          </a:prstGeom>
+          <a:ln w="19050"/>
+        </p:spPr>
+        <p:style>
+          <a:lnRef idx="1">
+            <a:schemeClr val="dk1"/>
+          </a:lnRef>
+          <a:fillRef idx="0">
+            <a:schemeClr val="dk1"/>
+          </a:fillRef>
+          <a:effectRef idx="0">
+            <a:schemeClr val="dk1"/>
+          </a:effectRef>
+          <a:fontRef idx="minor">
+            <a:schemeClr val="tx1"/>
+          </a:fontRef>
+        </p:style>
+      </p:cxnSp>
+      <p:sp>
+        <p:nvSpPr>
+          <p:cNvPr id="26" name="타원 25">
+            <a:extLst>
+              <a:ext uri="{FF2B5EF4-FFF2-40B4-BE49-F238E27FC236}">
+                <a16:creationId xmlns:a16="http://schemas.microsoft.com/office/drawing/2014/main" id="{C95EDC84-0EFE-489D-822A-467EED0BED4E}"/>
+              </a:ext>
+            </a:extLst>
+          </p:cNvPr>
+          <p:cNvSpPr/>
+          <p:nvPr/>
+        </p:nvSpPr>
+        <p:spPr>
+          <a:xfrm>
+            <a:off x="1653856" y="4851194"/>
+            <a:ext cx="783770" cy="783770"/>
+          </a:xfrm>
+          <a:prstGeom prst="ellipse">
+            <a:avLst/>
+          </a:prstGeom>
+          <a:solidFill>
+            <a:srgbClr val="FFC000"/>
+          </a:solidFill>
+          <a:ln w="28575">
+            <a:solidFill>
+              <a:schemeClr val="accent2"/>
+            </a:solidFill>
+          </a:ln>
+        </p:spPr>
+        <p:style>
+          <a:lnRef idx="2">
+            <a:schemeClr val="accent1">
+              <a:shade val="50000"/>
+            </a:schemeClr>
+          </a:lnRef>
+          <a:fillRef idx="1">
+            <a:schemeClr val="accent1"/>
+          </a:fillRef>
+          <a:effectRef idx="0">
+            <a:schemeClr val="accent1"/>
+          </a:effectRef>
+          <a:fontRef idx="minor">
+            <a:schemeClr val="lt1"/>
+          </a:fontRef>
+        </p:style>
+        <p:txBody>
+          <a:bodyPr rtlCol="0" anchor="ctr"/>
+          <a:lstStyle/>
+          <a:p>
+            <a:pPr algn="ctr"/>
+            <a:r>
+              <a:rPr lang="en-US" altLang="ko-KR" sz="2500" dirty="0">
+                <a:solidFill>
+                  <a:sysClr val="windowText" lastClr="000000"/>
+                </a:solidFill>
+              </a:rPr>
+              <a:t>10</a:t>
+            </a:r>
+            <a:endParaRPr lang="ko-KR" altLang="en-US" sz="2500" dirty="0">
+              <a:solidFill>
+                <a:sysClr val="windowText" lastClr="000000"/>
+              </a:solidFill>
+            </a:endParaRPr>
+          </a:p>
+        </p:txBody>
+      </p:sp>
+      <p:cxnSp>
+        <p:nvCxnSpPr>
+          <p:cNvPr id="28" name="직선 연결선 27">
+            <a:extLst>
+              <a:ext uri="{FF2B5EF4-FFF2-40B4-BE49-F238E27FC236}">
+                <a16:creationId xmlns:a16="http://schemas.microsoft.com/office/drawing/2014/main" id="{B964E362-199C-44CD-A4A7-E60F84359DA2}"/>
+              </a:ext>
+            </a:extLst>
+          </p:cNvPr>
+          <p:cNvCxnSpPr>
+            <a:cxnSpLocks/>
+            <a:stCxn id="13" idx="5"/>
+            <a:endCxn id="26" idx="0"/>
+          </p:cNvCxnSpPr>
+          <p:nvPr/>
+        </p:nvCxnSpPr>
+        <p:spPr>
+          <a:xfrm>
+            <a:off x="1875922" y="4304094"/>
+            <a:ext cx="169819" cy="547100"/>
+          </a:xfrm>
+          <a:prstGeom prst="line">
+            <a:avLst/>
+          </a:prstGeom>
+          <a:ln w="19050"/>
+        </p:spPr>
+        <p:style>
+          <a:lnRef idx="1">
+            <a:schemeClr val="dk1"/>
+          </a:lnRef>
+          <a:fillRef idx="0">
+            <a:schemeClr val="dk1"/>
+          </a:fillRef>
+          <a:effectRef idx="0">
+            <a:schemeClr val="dk1"/>
+          </a:effectRef>
+          <a:fontRef idx="minor">
+            <a:schemeClr val="tx1"/>
+          </a:fontRef>
+        </p:style>
+      </p:cxnSp>
+      <p:sp>
+        <p:nvSpPr>
+          <p:cNvPr id="33" name="타원 32">
+            <a:extLst>
+              <a:ext uri="{FF2B5EF4-FFF2-40B4-BE49-F238E27FC236}">
+                <a16:creationId xmlns:a16="http://schemas.microsoft.com/office/drawing/2014/main" id="{EAACEC42-DB09-4BC3-AB28-2E92902694F5}"/>
+              </a:ext>
+            </a:extLst>
+          </p:cNvPr>
+          <p:cNvSpPr/>
+          <p:nvPr/>
+        </p:nvSpPr>
+        <p:spPr>
+          <a:xfrm>
+            <a:off x="2668213" y="4851194"/>
+            <a:ext cx="783770" cy="783770"/>
+          </a:xfrm>
+          <a:prstGeom prst="ellipse">
+            <a:avLst/>
+          </a:prstGeom>
+          <a:solidFill>
+            <a:srgbClr val="FFC000"/>
+          </a:solidFill>
+          <a:ln w="28575">
+            <a:solidFill>
+              <a:schemeClr val="accent2"/>
+            </a:solidFill>
+          </a:ln>
+        </p:spPr>
+        <p:style>
+          <a:lnRef idx="2">
+            <a:schemeClr val="accent1">
+              <a:shade val="50000"/>
+            </a:schemeClr>
+          </a:lnRef>
+          <a:fillRef idx="1">
+            <a:schemeClr val="accent1"/>
+          </a:fillRef>
+          <a:effectRef idx="0">
+            <a:schemeClr val="accent1"/>
+          </a:effectRef>
+          <a:fontRef idx="minor">
+            <a:schemeClr val="lt1"/>
+          </a:fontRef>
+        </p:style>
+        <p:txBody>
+          <a:bodyPr rtlCol="0" anchor="ctr"/>
+          <a:lstStyle/>
+          <a:p>
+            <a:pPr algn="ctr"/>
+            <a:r>
+              <a:rPr lang="en-US" altLang="ko-KR" sz="2500" dirty="0">
+                <a:solidFill>
+                  <a:sysClr val="windowText" lastClr="000000"/>
+                </a:solidFill>
+              </a:rPr>
+              <a:t>10</a:t>
+            </a:r>
+            <a:endParaRPr lang="ko-KR" altLang="en-US" sz="2500" dirty="0">
+              <a:solidFill>
+                <a:sysClr val="windowText" lastClr="000000"/>
+              </a:solidFill>
+            </a:endParaRPr>
+          </a:p>
+        </p:txBody>
+      </p:sp>
+      <p:cxnSp>
+        <p:nvCxnSpPr>
+          <p:cNvPr id="34" name="직선 연결선 33">
+            <a:extLst>
+              <a:ext uri="{FF2B5EF4-FFF2-40B4-BE49-F238E27FC236}">
+                <a16:creationId xmlns:a16="http://schemas.microsoft.com/office/drawing/2014/main" id="{146B6E34-C3C0-40A5-B9A9-8316708D101D}"/>
+              </a:ext>
+            </a:extLst>
+          </p:cNvPr>
+          <p:cNvCxnSpPr>
+            <a:cxnSpLocks/>
+            <a:stCxn id="19" idx="3"/>
+            <a:endCxn id="33" idx="0"/>
+          </p:cNvCxnSpPr>
+          <p:nvPr/>
+        </p:nvCxnSpPr>
+        <p:spPr>
+          <a:xfrm flipH="1">
+            <a:off x="3060098" y="4304094"/>
+            <a:ext cx="121633" cy="547100"/>
+          </a:xfrm>
+          <a:prstGeom prst="line">
+            <a:avLst/>
+          </a:prstGeom>
+          <a:ln w="19050"/>
+        </p:spPr>
+        <p:style>
+          <a:lnRef idx="1">
+            <a:schemeClr val="dk1"/>
+          </a:lnRef>
+          <a:fillRef idx="0">
+            <a:schemeClr val="dk1"/>
+          </a:fillRef>
+          <a:effectRef idx="0">
+            <a:schemeClr val="dk1"/>
+          </a:effectRef>
+          <a:fontRef idx="minor">
+            <a:schemeClr val="tx1"/>
+          </a:fontRef>
+        </p:style>
+      </p:cxnSp>
+      <p:sp>
+        <p:nvSpPr>
+          <p:cNvPr id="37" name="타원 36">
+            <a:extLst>
+              <a:ext uri="{FF2B5EF4-FFF2-40B4-BE49-F238E27FC236}">
+                <a16:creationId xmlns:a16="http://schemas.microsoft.com/office/drawing/2014/main" id="{93CDB53B-985F-4209-AD25-87B4CD81FDA9}"/>
+              </a:ext>
+            </a:extLst>
+          </p:cNvPr>
+          <p:cNvSpPr/>
+          <p:nvPr/>
+        </p:nvSpPr>
+        <p:spPr>
+          <a:xfrm>
+            <a:off x="3536483" y="4851194"/>
+            <a:ext cx="783770" cy="783770"/>
+          </a:xfrm>
+          <a:prstGeom prst="ellipse">
+            <a:avLst/>
+          </a:prstGeom>
+          <a:solidFill>
+            <a:srgbClr val="FFC000"/>
+          </a:solidFill>
+          <a:ln w="28575">
+            <a:solidFill>
+              <a:schemeClr val="accent2"/>
+            </a:solidFill>
+          </a:ln>
+        </p:spPr>
+        <p:style>
+          <a:lnRef idx="2">
+            <a:schemeClr val="accent1">
+              <a:shade val="50000"/>
+            </a:schemeClr>
+          </a:lnRef>
+          <a:fillRef idx="1">
+            <a:schemeClr val="accent1"/>
+          </a:fillRef>
+          <a:effectRef idx="0">
+            <a:schemeClr val="accent1"/>
+          </a:effectRef>
+          <a:fontRef idx="minor">
+            <a:schemeClr val="lt1"/>
+          </a:fontRef>
+        </p:style>
+        <p:txBody>
+          <a:bodyPr rtlCol="0" anchor="ctr"/>
+          <a:lstStyle/>
+          <a:p>
+            <a:pPr algn="ctr"/>
+            <a:r>
+              <a:rPr lang="en-US" altLang="ko-KR" sz="2500" dirty="0">
+                <a:solidFill>
+                  <a:sysClr val="windowText" lastClr="000000"/>
+                </a:solidFill>
+              </a:rPr>
+              <a:t>11</a:t>
+            </a:r>
+            <a:endParaRPr lang="ko-KR" altLang="en-US" sz="2500" dirty="0">
+              <a:solidFill>
+                <a:sysClr val="windowText" lastClr="000000"/>
+              </a:solidFill>
+            </a:endParaRPr>
+          </a:p>
+        </p:txBody>
+      </p:sp>
+      <p:cxnSp>
+        <p:nvCxnSpPr>
+          <p:cNvPr id="39" name="직선 연결선 38">
+            <a:extLst>
+              <a:ext uri="{FF2B5EF4-FFF2-40B4-BE49-F238E27FC236}">
+                <a16:creationId xmlns:a16="http://schemas.microsoft.com/office/drawing/2014/main" id="{76968F23-8769-468E-8760-B90EBDFAB6C2}"/>
+              </a:ext>
+            </a:extLst>
+          </p:cNvPr>
+          <p:cNvCxnSpPr>
+            <a:cxnSpLocks/>
+            <a:stCxn id="19" idx="5"/>
+            <a:endCxn id="37" idx="0"/>
+          </p:cNvCxnSpPr>
+          <p:nvPr/>
+        </p:nvCxnSpPr>
+        <p:spPr>
+          <a:xfrm>
+            <a:off x="3735941" y="4304094"/>
+            <a:ext cx="192427" cy="547100"/>
+          </a:xfrm>
+          <a:prstGeom prst="line">
+            <a:avLst/>
+          </a:prstGeom>
+          <a:ln w="19050"/>
+        </p:spPr>
+        <p:style>
+          <a:lnRef idx="1">
+            <a:schemeClr val="dk1"/>
+          </a:lnRef>
+          <a:fillRef idx="0">
+            <a:schemeClr val="dk1"/>
+          </a:fillRef>
+          <a:effectRef idx="0">
+            <a:schemeClr val="dk1"/>
+          </a:effectRef>
+          <a:fontRef idx="minor">
+            <a:schemeClr val="tx1"/>
+          </a:fontRef>
+        </p:style>
+      </p:cxnSp>
+    </p:spTree>
+    <p:extLst>
+      <p:ext uri="{BB962C8B-B14F-4D97-AF65-F5344CB8AC3E}">
+        <p14:creationId xmlns:p14="http://schemas.microsoft.com/office/powerpoint/2010/main" val="1649600218"/>
+      </p:ext>
+    </p:extLst>
+  </p:cSld>
+  <p:clrMapOvr>
+    <a:masterClrMapping/>
+  </p:clrMapOvr>
+</p:sld>
+</file>
+
+<file path=ppt/slides/slide2.xml><?xml version="1.0" encoding="utf-8"?>
+<p:sld xmlns:a="http://schemas.openxmlformats.org/drawingml/2006/main" xmlns:r="http://schemas.openxmlformats.org/officeDocument/2006/relationships" xmlns:p="http://schemas.openxmlformats.org/presentationml/2006/main">
+  <p:cSld>
+    <p:spTree>
+      <p:nvGrpSpPr>
+        <p:cNvPr id="1" name=""/>
+        <p:cNvGrpSpPr/>
+        <p:nvPr/>
+      </p:nvGrpSpPr>
+      <p:grpSpPr>
+        <a:xfrm>
+          <a:off x="0" y="0"/>
+          <a:ext cx="0" cy="0"/>
+          <a:chOff x="0" y="0"/>
+          <a:chExt cx="0" cy="0"/>
+        </a:xfrm>
+      </p:grpSpPr>
+      <p:sp>
+        <p:nvSpPr>
+          <p:cNvPr id="170" name="타원 169">
+            <a:extLst>
+              <a:ext uri="{FF2B5EF4-FFF2-40B4-BE49-F238E27FC236}">
+                <a16:creationId xmlns:a16="http://schemas.microsoft.com/office/drawing/2014/main" id="{BB7C0906-1141-4D6B-BAB4-F7F7692B1A9E}"/>
+              </a:ext>
+            </a:extLst>
+          </p:cNvPr>
+          <p:cNvSpPr/>
+          <p:nvPr/>
+        </p:nvSpPr>
+        <p:spPr>
+          <a:xfrm>
+            <a:off x="3085050" y="4938540"/>
+            <a:ext cx="1215472" cy="1215472"/>
+          </a:xfrm>
+          <a:prstGeom prst="ellipse">
+            <a:avLst/>
+          </a:prstGeom>
+          <a:solidFill>
+            <a:schemeClr val="accent1">
+              <a:lumMod val="20000"/>
+              <a:lumOff val="80000"/>
+              <a:alpha val="63000"/>
+            </a:schemeClr>
+          </a:solidFill>
+          <a:ln>
+            <a:noFill/>
+          </a:ln>
+        </p:spPr>
+        <p:style>
+          <a:lnRef idx="2">
+            <a:schemeClr val="accent1">
+              <a:shade val="50000"/>
+            </a:schemeClr>
+          </a:lnRef>
+          <a:fillRef idx="1">
+            <a:schemeClr val="accent1"/>
+          </a:fillRef>
+          <a:effectRef idx="0">
+            <a:schemeClr val="accent1"/>
+          </a:effectRef>
+          <a:fontRef idx="minor">
+            <a:schemeClr val="lt1"/>
+          </a:fontRef>
+        </p:style>
+        <p:txBody>
+          <a:bodyPr rtlCol="0" anchor="ctr"/>
+          <a:lstStyle/>
+          <a:p>
+            <a:pPr algn="ctr"/>
+            <a:endParaRPr lang="ko-KR" altLang="en-US" dirty="0"/>
+          </a:p>
+        </p:txBody>
+      </p:sp>
+      <p:sp>
+        <p:nvSpPr>
+          <p:cNvPr id="3" name="타원 2">
+            <a:extLst>
+              <a:ext uri="{FF2B5EF4-FFF2-40B4-BE49-F238E27FC236}">
+                <a16:creationId xmlns:a16="http://schemas.microsoft.com/office/drawing/2014/main" id="{EE5853F9-3B8D-45CE-AA97-BA80B8401DBE}"/>
+              </a:ext>
+            </a:extLst>
+          </p:cNvPr>
+          <p:cNvSpPr/>
+          <p:nvPr/>
+        </p:nvSpPr>
+        <p:spPr>
+          <a:xfrm>
+            <a:off x="5535530" y="447411"/>
+            <a:ext cx="738232" cy="738232"/>
+          </a:xfrm>
+          <a:prstGeom prst="ellipse">
+            <a:avLst/>
+          </a:prstGeom>
+          <a:solidFill>
+            <a:schemeClr val="bg1"/>
+          </a:solidFill>
+          <a:ln w="25400">
+            <a:solidFill>
+              <a:srgbClr val="F1A116"/>
+            </a:solidFill>
+          </a:ln>
+        </p:spPr>
+        <p:style>
+          <a:lnRef idx="2">
+            <a:schemeClr val="accent1">
+              <a:shade val="50000"/>
+            </a:schemeClr>
+          </a:lnRef>
+          <a:fillRef idx="1">
+            <a:schemeClr val="accent1"/>
+          </a:fillRef>
+          <a:effectRef idx="0">
+            <a:schemeClr val="accent1"/>
+          </a:effectRef>
+          <a:fontRef idx="minor">
+            <a:schemeClr val="lt1"/>
+          </a:fontRef>
+        </p:style>
+        <p:txBody>
+          <a:bodyPr rtlCol="0" anchor="ctr"/>
+          <a:lstStyle/>
+          <a:p>
+            <a:pPr algn="ctr"/>
+            <a:r>
+              <a:rPr lang="en-US" altLang="ko-KR" b="1" dirty="0">
+                <a:solidFill>
+                  <a:schemeClr val="tx1"/>
+                </a:solidFill>
+              </a:rPr>
+              <a:t>1</a:t>
+            </a:r>
+            <a:endParaRPr lang="ko-KR" altLang="en-US" b="1" dirty="0">
+              <a:solidFill>
+                <a:schemeClr val="tx1"/>
+              </a:solidFill>
+            </a:endParaRPr>
+          </a:p>
+        </p:txBody>
+      </p:sp>
+      <p:sp>
+        <p:nvSpPr>
+          <p:cNvPr id="4" name="타원 3">
+            <a:extLst>
+              <a:ext uri="{FF2B5EF4-FFF2-40B4-BE49-F238E27FC236}">
+                <a16:creationId xmlns:a16="http://schemas.microsoft.com/office/drawing/2014/main" id="{1F4449B6-F1B5-42C2-B0D5-F7F109B783E8}"/>
+              </a:ext>
+            </a:extLst>
+          </p:cNvPr>
+          <p:cNvSpPr/>
+          <p:nvPr/>
+        </p:nvSpPr>
+        <p:spPr>
+          <a:xfrm>
+            <a:off x="8608955" y="2708493"/>
+            <a:ext cx="738232" cy="738232"/>
+          </a:xfrm>
+          <a:prstGeom prst="ellipse">
+            <a:avLst/>
+          </a:prstGeom>
+          <a:solidFill>
+            <a:schemeClr val="bg1"/>
+          </a:solidFill>
+          <a:ln w="25400">
+            <a:solidFill>
+              <a:srgbClr val="F1A116"/>
+            </a:solidFill>
+          </a:ln>
+        </p:spPr>
+        <p:style>
+          <a:lnRef idx="2">
+            <a:schemeClr val="accent1">
+              <a:shade val="50000"/>
+            </a:schemeClr>
+          </a:lnRef>
+          <a:fillRef idx="1">
+            <a:schemeClr val="accent1"/>
+          </a:fillRef>
+          <a:effectRef idx="0">
+            <a:schemeClr val="accent1"/>
+          </a:effectRef>
+          <a:fontRef idx="minor">
+            <a:schemeClr val="lt1"/>
+          </a:fontRef>
+        </p:style>
+        <p:txBody>
+          <a:bodyPr rtlCol="0" anchor="ctr"/>
+          <a:lstStyle/>
+          <a:p>
+            <a:pPr algn="ctr"/>
+            <a:r>
+              <a:rPr lang="en-US" altLang="ko-KR" b="1" dirty="0">
+                <a:solidFill>
+                  <a:schemeClr val="tx1"/>
+                </a:solidFill>
+              </a:rPr>
+              <a:t>6</a:t>
+            </a:r>
+            <a:endParaRPr lang="ko-KR" altLang="en-US" b="1" dirty="0">
+              <a:solidFill>
+                <a:schemeClr val="tx1"/>
+              </a:solidFill>
+            </a:endParaRPr>
+          </a:p>
+        </p:txBody>
+      </p:sp>
+      <p:sp>
+        <p:nvSpPr>
+          <p:cNvPr id="5" name="타원 4">
+            <a:extLst>
+              <a:ext uri="{FF2B5EF4-FFF2-40B4-BE49-F238E27FC236}">
+                <a16:creationId xmlns:a16="http://schemas.microsoft.com/office/drawing/2014/main" id="{99EE64D2-175D-4474-8C27-28041F40A3F1}"/>
+              </a:ext>
+            </a:extLst>
+          </p:cNvPr>
+          <p:cNvSpPr/>
+          <p:nvPr/>
+        </p:nvSpPr>
+        <p:spPr>
+          <a:xfrm>
+            <a:off x="3003258" y="2411837"/>
+            <a:ext cx="738232" cy="738232"/>
+          </a:xfrm>
+          <a:prstGeom prst="ellipse">
+            <a:avLst/>
+          </a:prstGeom>
+          <a:solidFill>
+            <a:schemeClr val="bg1"/>
+          </a:solidFill>
+          <a:ln w="25400">
+            <a:solidFill>
+              <a:srgbClr val="F1A116"/>
+            </a:solidFill>
+          </a:ln>
+        </p:spPr>
+        <p:style>
+          <a:lnRef idx="2">
+            <a:schemeClr val="accent1">
+              <a:shade val="50000"/>
+            </a:schemeClr>
+          </a:lnRef>
+          <a:fillRef idx="1">
+            <a:schemeClr val="accent1"/>
+          </a:fillRef>
+          <a:effectRef idx="0">
+            <a:schemeClr val="accent1"/>
+          </a:effectRef>
+          <a:fontRef idx="minor">
+            <a:schemeClr val="lt1"/>
+          </a:fontRef>
+        </p:style>
+        <p:txBody>
+          <a:bodyPr rtlCol="0" anchor="ctr"/>
+          <a:lstStyle/>
+          <a:p>
+            <a:pPr algn="ctr"/>
+            <a:r>
+              <a:rPr lang="en-US" altLang="ko-KR" b="1" dirty="0">
+                <a:solidFill>
+                  <a:schemeClr val="tx1"/>
+                </a:solidFill>
+              </a:rPr>
+              <a:t>5</a:t>
+            </a:r>
+            <a:endParaRPr lang="ko-KR" altLang="en-US" b="1" dirty="0">
+              <a:solidFill>
+                <a:schemeClr val="tx1"/>
+              </a:solidFill>
+            </a:endParaRPr>
+          </a:p>
+        </p:txBody>
+      </p:sp>
+      <p:sp>
+        <p:nvSpPr>
+          <p:cNvPr id="6" name="타원 5">
+            <a:extLst>
+              <a:ext uri="{FF2B5EF4-FFF2-40B4-BE49-F238E27FC236}">
+                <a16:creationId xmlns:a16="http://schemas.microsoft.com/office/drawing/2014/main" id="{6AC6DB37-4A1E-4828-B8B3-9FCF68E25C0E}"/>
+              </a:ext>
+            </a:extLst>
+          </p:cNvPr>
+          <p:cNvSpPr/>
+          <p:nvPr/>
+        </p:nvSpPr>
+        <p:spPr>
+          <a:xfrm>
+            <a:off x="6111574" y="5476595"/>
+            <a:ext cx="738232" cy="738232"/>
+          </a:xfrm>
+          <a:prstGeom prst="ellipse">
+            <a:avLst/>
+          </a:prstGeom>
+          <a:solidFill>
+            <a:schemeClr val="bg1"/>
+          </a:solidFill>
+          <a:ln w="25400">
+            <a:solidFill>
+              <a:srgbClr val="F1A116"/>
+            </a:solidFill>
+          </a:ln>
+        </p:spPr>
+        <p:style>
+          <a:lnRef idx="2">
+            <a:schemeClr val="accent1">
+              <a:shade val="50000"/>
+            </a:schemeClr>
+          </a:lnRef>
+          <a:fillRef idx="1">
+            <a:schemeClr val="accent1"/>
+          </a:fillRef>
+          <a:effectRef idx="0">
+            <a:schemeClr val="accent1"/>
+          </a:effectRef>
+          <a:fontRef idx="minor">
+            <a:schemeClr val="lt1"/>
+          </a:fontRef>
+        </p:style>
+        <p:txBody>
+          <a:bodyPr rtlCol="0" anchor="ctr"/>
+          <a:lstStyle/>
+          <a:p>
+            <a:pPr algn="ctr"/>
+            <a:r>
+              <a:rPr lang="en-US" altLang="ko-KR" b="1" dirty="0">
+                <a:solidFill>
+                  <a:schemeClr val="tx1"/>
+                </a:solidFill>
+              </a:rPr>
+              <a:t>4</a:t>
+            </a:r>
+            <a:endParaRPr lang="ko-KR" altLang="en-US" b="1" dirty="0">
+              <a:solidFill>
+                <a:schemeClr val="tx1"/>
+              </a:solidFill>
+            </a:endParaRPr>
+          </a:p>
+        </p:txBody>
+      </p:sp>
+      <p:sp>
+        <p:nvSpPr>
+          <p:cNvPr id="8" name="타원 7">
+            <a:extLst>
+              <a:ext uri="{FF2B5EF4-FFF2-40B4-BE49-F238E27FC236}">
+                <a16:creationId xmlns:a16="http://schemas.microsoft.com/office/drawing/2014/main" id="{3B131C1D-824A-4CAA-81C7-A44FFA26EF9D}"/>
+              </a:ext>
+            </a:extLst>
+          </p:cNvPr>
+          <p:cNvSpPr/>
+          <p:nvPr/>
+        </p:nvSpPr>
+        <p:spPr>
+          <a:xfrm>
+            <a:off x="3311955" y="5177160"/>
+            <a:ext cx="738232" cy="738232"/>
+          </a:xfrm>
+          <a:prstGeom prst="ellipse">
+            <a:avLst/>
+          </a:prstGeom>
+          <a:solidFill>
+            <a:srgbClr val="FFC000"/>
+          </a:solidFill>
+          <a:ln w="25400">
+            <a:solidFill>
+              <a:srgbClr val="F1A116"/>
+            </a:solidFill>
+          </a:ln>
+        </p:spPr>
+        <p:style>
+          <a:lnRef idx="2">
+            <a:schemeClr val="accent1">
+              <a:shade val="50000"/>
+            </a:schemeClr>
+          </a:lnRef>
+          <a:fillRef idx="1">
+            <a:schemeClr val="accent1"/>
+          </a:fillRef>
+          <a:effectRef idx="0">
+            <a:schemeClr val="accent1"/>
+          </a:effectRef>
+          <a:fontRef idx="minor">
+            <a:schemeClr val="lt1"/>
+          </a:fontRef>
+        </p:style>
+        <p:txBody>
+          <a:bodyPr rtlCol="0" anchor="ctr"/>
+          <a:lstStyle/>
+          <a:p>
+            <a:pPr algn="ctr"/>
+            <a:r>
+              <a:rPr lang="en-US" altLang="ko-KR" b="1" dirty="0">
+                <a:solidFill>
+                  <a:schemeClr val="tx1"/>
+                </a:solidFill>
+              </a:rPr>
+              <a:t>7</a:t>
+            </a:r>
+            <a:endParaRPr lang="ko-KR" altLang="en-US" b="1" dirty="0">
+              <a:solidFill>
+                <a:schemeClr val="tx1"/>
+              </a:solidFill>
+            </a:endParaRPr>
+          </a:p>
+        </p:txBody>
+      </p:sp>
+      <p:sp>
+        <p:nvSpPr>
+          <p:cNvPr id="9" name="타원 8">
+            <a:extLst>
+              <a:ext uri="{FF2B5EF4-FFF2-40B4-BE49-F238E27FC236}">
+                <a16:creationId xmlns:a16="http://schemas.microsoft.com/office/drawing/2014/main" id="{444A506F-8D1C-4A08-A49E-E177776B4CE1}"/>
+              </a:ext>
+            </a:extLst>
+          </p:cNvPr>
+          <p:cNvSpPr/>
+          <p:nvPr/>
+        </p:nvSpPr>
+        <p:spPr>
+          <a:xfrm>
+            <a:off x="6692542" y="3485422"/>
+            <a:ext cx="738232" cy="738232"/>
+          </a:xfrm>
+          <a:prstGeom prst="ellipse">
+            <a:avLst/>
+          </a:prstGeom>
+          <a:solidFill>
+            <a:schemeClr val="bg1"/>
+          </a:solidFill>
+          <a:ln w="25400">
+            <a:solidFill>
+              <a:srgbClr val="F1A116"/>
+            </a:solidFill>
+          </a:ln>
+        </p:spPr>
+        <p:style>
+          <a:lnRef idx="2">
+            <a:schemeClr val="accent1">
+              <a:shade val="50000"/>
+            </a:schemeClr>
+          </a:lnRef>
+          <a:fillRef idx="1">
+            <a:schemeClr val="accent1"/>
+          </a:fillRef>
+          <a:effectRef idx="0">
+            <a:schemeClr val="accent1"/>
+          </a:effectRef>
+          <a:fontRef idx="minor">
+            <a:schemeClr val="lt1"/>
+          </a:fontRef>
+        </p:style>
+        <p:txBody>
+          <a:bodyPr rtlCol="0" anchor="ctr"/>
+          <a:lstStyle/>
+          <a:p>
+            <a:pPr algn="ctr"/>
+            <a:r>
+              <a:rPr lang="en-US" altLang="ko-KR" b="1" dirty="0">
+                <a:solidFill>
+                  <a:schemeClr val="tx1"/>
+                </a:solidFill>
+              </a:rPr>
+              <a:t>3</a:t>
+            </a:r>
+            <a:endParaRPr lang="ko-KR" altLang="en-US" b="1" dirty="0">
+              <a:solidFill>
+                <a:schemeClr val="tx1"/>
+              </a:solidFill>
+            </a:endParaRPr>
+          </a:p>
+        </p:txBody>
+      </p:sp>
+      <p:sp>
+        <p:nvSpPr>
+          <p:cNvPr id="10" name="타원 9">
+            <a:extLst>
+              <a:ext uri="{FF2B5EF4-FFF2-40B4-BE49-F238E27FC236}">
+                <a16:creationId xmlns:a16="http://schemas.microsoft.com/office/drawing/2014/main" id="{75B8A6DD-B4F2-49AC-8C84-ED0A481F7168}"/>
+              </a:ext>
+            </a:extLst>
+          </p:cNvPr>
+          <p:cNvSpPr/>
+          <p:nvPr/>
+        </p:nvSpPr>
+        <p:spPr>
+          <a:xfrm>
+            <a:off x="5451935" y="2388304"/>
+            <a:ext cx="738232" cy="738232"/>
+          </a:xfrm>
+          <a:prstGeom prst="ellipse">
+            <a:avLst/>
+          </a:prstGeom>
+          <a:solidFill>
+            <a:schemeClr val="bg1"/>
+          </a:solidFill>
+          <a:ln w="25400">
+            <a:solidFill>
+              <a:srgbClr val="F1A116"/>
+            </a:solidFill>
+          </a:ln>
+        </p:spPr>
+        <p:style>
+          <a:lnRef idx="2">
+            <a:schemeClr val="accent1">
+              <a:shade val="50000"/>
+            </a:schemeClr>
+          </a:lnRef>
+          <a:fillRef idx="1">
+            <a:schemeClr val="accent1"/>
+          </a:fillRef>
+          <a:effectRef idx="0">
+            <a:schemeClr val="accent1"/>
+          </a:effectRef>
+          <a:fontRef idx="minor">
+            <a:schemeClr val="lt1"/>
+          </a:fontRef>
+        </p:style>
+        <p:txBody>
+          <a:bodyPr rtlCol="0" anchor="ctr"/>
+          <a:lstStyle/>
+          <a:p>
+            <a:pPr algn="ctr"/>
+            <a:r>
+              <a:rPr lang="en-US" altLang="ko-KR" b="1" dirty="0">
+                <a:solidFill>
+                  <a:schemeClr val="tx1"/>
+                </a:solidFill>
+              </a:rPr>
+              <a:t>2</a:t>
+            </a:r>
+            <a:endParaRPr lang="ko-KR" altLang="en-US" b="1" dirty="0">
+              <a:solidFill>
+                <a:schemeClr val="tx1"/>
+              </a:solidFill>
+            </a:endParaRPr>
+          </a:p>
+        </p:txBody>
+      </p:sp>
+      <p:cxnSp>
+        <p:nvCxnSpPr>
+          <p:cNvPr id="12" name="직선 연결선 11">
+            <a:extLst>
+              <a:ext uri="{FF2B5EF4-FFF2-40B4-BE49-F238E27FC236}">
+                <a16:creationId xmlns:a16="http://schemas.microsoft.com/office/drawing/2014/main" id="{E1E8B3DF-FEE2-43AD-836A-66392EB720A8}"/>
+              </a:ext>
+            </a:extLst>
+          </p:cNvPr>
+          <p:cNvCxnSpPr>
+            <a:cxnSpLocks/>
+            <a:stCxn id="3" idx="5"/>
+            <a:endCxn id="4" idx="1"/>
+          </p:cNvCxnSpPr>
+          <p:nvPr/>
+        </p:nvCxnSpPr>
+        <p:spPr>
+          <a:xfrm>
+            <a:off x="6165650" y="1077531"/>
+            <a:ext cx="2551417" cy="1739074"/>
+          </a:xfrm>
+          <a:prstGeom prst="line">
+            <a:avLst/>
+          </a:prstGeom>
+          <a:ln w="19050">
+            <a:solidFill>
+              <a:schemeClr val="tx1"/>
+            </a:solidFill>
+          </a:ln>
+        </p:spPr>
+        <p:style>
+          <a:lnRef idx="1">
+            <a:schemeClr val="dk1"/>
+          </a:lnRef>
+          <a:fillRef idx="0">
+            <a:schemeClr val="dk1"/>
+          </a:fillRef>
+          <a:effectRef idx="0">
+            <a:schemeClr val="dk1"/>
+          </a:effectRef>
+          <a:fontRef idx="minor">
+            <a:schemeClr val="tx1"/>
+          </a:fontRef>
+        </p:style>
+      </p:cxnSp>
+      <p:cxnSp>
+        <p:nvCxnSpPr>
+          <p:cNvPr id="19" name="직선 연결선 18">
+            <a:extLst>
+              <a:ext uri="{FF2B5EF4-FFF2-40B4-BE49-F238E27FC236}">
+                <a16:creationId xmlns:a16="http://schemas.microsoft.com/office/drawing/2014/main" id="{2759779D-91EF-41F3-A390-292C37E2AEA3}"/>
+              </a:ext>
+            </a:extLst>
+          </p:cNvPr>
+          <p:cNvCxnSpPr>
+            <a:cxnSpLocks/>
+            <a:endCxn id="3" idx="3"/>
+          </p:cNvCxnSpPr>
+          <p:nvPr/>
+        </p:nvCxnSpPr>
+        <p:spPr>
+          <a:xfrm flipV="1">
+            <a:off x="3370225" y="1077531"/>
+            <a:ext cx="2273417" cy="1334308"/>
+          </a:xfrm>
+          <a:prstGeom prst="line">
+            <a:avLst/>
+          </a:prstGeom>
+          <a:ln w="19050">
+            <a:solidFill>
+              <a:schemeClr val="tx1"/>
+            </a:solidFill>
+          </a:ln>
+        </p:spPr>
+        <p:style>
+          <a:lnRef idx="1">
+            <a:schemeClr val="dk1"/>
+          </a:lnRef>
+          <a:fillRef idx="0">
+            <a:schemeClr val="dk1"/>
+          </a:fillRef>
+          <a:effectRef idx="0">
+            <a:schemeClr val="dk1"/>
+          </a:effectRef>
+          <a:fontRef idx="minor">
+            <a:schemeClr val="tx1"/>
+          </a:fontRef>
+        </p:style>
+      </p:cxnSp>
+      <p:cxnSp>
+        <p:nvCxnSpPr>
+          <p:cNvPr id="29" name="직선 연결선 28">
+            <a:extLst>
+              <a:ext uri="{FF2B5EF4-FFF2-40B4-BE49-F238E27FC236}">
+                <a16:creationId xmlns:a16="http://schemas.microsoft.com/office/drawing/2014/main" id="{6BC723B2-BAA8-45D2-AAA6-87C5354C7308}"/>
+              </a:ext>
+            </a:extLst>
+          </p:cNvPr>
+          <p:cNvCxnSpPr>
+            <a:cxnSpLocks/>
+            <a:stCxn id="10" idx="6"/>
+            <a:endCxn id="4" idx="2"/>
+          </p:cNvCxnSpPr>
+          <p:nvPr/>
+        </p:nvCxnSpPr>
+        <p:spPr>
+          <a:xfrm>
+            <a:off x="6190167" y="2757420"/>
+            <a:ext cx="2418788" cy="320189"/>
+          </a:xfrm>
+          <a:prstGeom prst="line">
+            <a:avLst/>
+          </a:prstGeom>
+          <a:ln w="19050">
+            <a:solidFill>
+              <a:schemeClr val="tx1"/>
+            </a:solidFill>
+          </a:ln>
+        </p:spPr>
+        <p:style>
+          <a:lnRef idx="1">
+            <a:schemeClr val="dk1"/>
+          </a:lnRef>
+          <a:fillRef idx="0">
+            <a:schemeClr val="dk1"/>
+          </a:fillRef>
+          <a:effectRef idx="0">
+            <a:schemeClr val="dk1"/>
+          </a:effectRef>
+          <a:fontRef idx="minor">
+            <a:schemeClr val="tx1"/>
+          </a:fontRef>
+        </p:style>
+      </p:cxnSp>
+      <p:cxnSp>
+        <p:nvCxnSpPr>
+          <p:cNvPr id="36" name="직선 연결선 35">
+            <a:extLst>
+              <a:ext uri="{FF2B5EF4-FFF2-40B4-BE49-F238E27FC236}">
+                <a16:creationId xmlns:a16="http://schemas.microsoft.com/office/drawing/2014/main" id="{A14C9224-F499-4CF4-B727-4DCC49C98D20}"/>
+              </a:ext>
+            </a:extLst>
+          </p:cNvPr>
+          <p:cNvCxnSpPr>
+            <a:cxnSpLocks/>
+            <a:stCxn id="9" idx="4"/>
+            <a:endCxn id="6" idx="7"/>
+          </p:cNvCxnSpPr>
+          <p:nvPr/>
+        </p:nvCxnSpPr>
+        <p:spPr>
+          <a:xfrm flipH="1">
+            <a:off x="6741694" y="4223654"/>
+            <a:ext cx="319964" cy="1361053"/>
+          </a:xfrm>
+          <a:prstGeom prst="line">
+            <a:avLst/>
+          </a:prstGeom>
+          <a:ln w="19050">
+            <a:solidFill>
+              <a:schemeClr val="tx1"/>
+            </a:solidFill>
+          </a:ln>
+        </p:spPr>
+        <p:style>
+          <a:lnRef idx="1">
+            <a:schemeClr val="dk1"/>
+          </a:lnRef>
+          <a:fillRef idx="0">
+            <a:schemeClr val="dk1"/>
+          </a:fillRef>
+          <a:effectRef idx="0">
+            <a:schemeClr val="dk1"/>
+          </a:effectRef>
+          <a:fontRef idx="minor">
+            <a:schemeClr val="tx1"/>
+          </a:fontRef>
+        </p:style>
+      </p:cxnSp>
+      <p:cxnSp>
+        <p:nvCxnSpPr>
+          <p:cNvPr id="42" name="직선 연결선 41">
+            <a:extLst>
+              <a:ext uri="{FF2B5EF4-FFF2-40B4-BE49-F238E27FC236}">
+                <a16:creationId xmlns:a16="http://schemas.microsoft.com/office/drawing/2014/main" id="{3F6D01D9-3B0B-4477-9167-D0C5C1A7F057}"/>
+              </a:ext>
+            </a:extLst>
+          </p:cNvPr>
+          <p:cNvCxnSpPr>
+            <a:cxnSpLocks/>
+            <a:stCxn id="6" idx="6"/>
+            <a:endCxn id="4" idx="4"/>
+          </p:cNvCxnSpPr>
+          <p:nvPr/>
+        </p:nvCxnSpPr>
+        <p:spPr>
+          <a:xfrm flipV="1">
+            <a:off x="6849806" y="3446725"/>
+            <a:ext cx="2128265" cy="2398986"/>
+          </a:xfrm>
+          <a:prstGeom prst="line">
+            <a:avLst/>
+          </a:prstGeom>
+          <a:ln w="19050">
+            <a:solidFill>
+              <a:schemeClr val="tx1"/>
+            </a:solidFill>
+          </a:ln>
+        </p:spPr>
+        <p:style>
+          <a:lnRef idx="1">
+            <a:schemeClr val="dk1"/>
+          </a:lnRef>
+          <a:fillRef idx="0">
+            <a:schemeClr val="dk1"/>
+          </a:fillRef>
+          <a:effectRef idx="0">
+            <a:schemeClr val="dk1"/>
+          </a:effectRef>
+          <a:fontRef idx="minor">
+            <a:schemeClr val="tx1"/>
+          </a:fontRef>
+        </p:style>
+      </p:cxnSp>
+      <p:cxnSp>
+        <p:nvCxnSpPr>
+          <p:cNvPr id="90" name="직선 연결선 89">
+            <a:extLst>
+              <a:ext uri="{FF2B5EF4-FFF2-40B4-BE49-F238E27FC236}">
+                <a16:creationId xmlns:a16="http://schemas.microsoft.com/office/drawing/2014/main" id="{D77E76D0-3520-46D6-A5C9-DA99AFC5EA4B}"/>
+              </a:ext>
+            </a:extLst>
+          </p:cNvPr>
+          <p:cNvCxnSpPr>
+            <a:cxnSpLocks/>
+            <a:stCxn id="10" idx="5"/>
+            <a:endCxn id="9" idx="1"/>
+          </p:cNvCxnSpPr>
+          <p:nvPr/>
+        </p:nvCxnSpPr>
+        <p:spPr>
+          <a:xfrm>
+            <a:off x="6082055" y="3018424"/>
+            <a:ext cx="718599" cy="575110"/>
+          </a:xfrm>
+          <a:prstGeom prst="line">
+            <a:avLst/>
+          </a:prstGeom>
+          <a:ln w="19050">
+            <a:solidFill>
+              <a:schemeClr val="tx1"/>
+            </a:solidFill>
+          </a:ln>
+        </p:spPr>
+        <p:style>
+          <a:lnRef idx="1">
+            <a:schemeClr val="dk1"/>
+          </a:lnRef>
+          <a:fillRef idx="0">
+            <a:schemeClr val="dk1"/>
+          </a:fillRef>
+          <a:effectRef idx="0">
+            <a:schemeClr val="dk1"/>
+          </a:effectRef>
+          <a:fontRef idx="minor">
+            <a:schemeClr val="tx1"/>
+          </a:fontRef>
+        </p:style>
+      </p:cxnSp>
+      <p:cxnSp>
+        <p:nvCxnSpPr>
+          <p:cNvPr id="87" name="직선 연결선 86">
+            <a:extLst>
+              <a:ext uri="{FF2B5EF4-FFF2-40B4-BE49-F238E27FC236}">
+                <a16:creationId xmlns:a16="http://schemas.microsoft.com/office/drawing/2014/main" id="{6B39B0E7-71B3-4EBE-8C06-C98677CA2F62}"/>
+              </a:ext>
+            </a:extLst>
+          </p:cNvPr>
+          <p:cNvCxnSpPr>
+            <a:cxnSpLocks/>
+            <a:stCxn id="5" idx="4"/>
+            <a:endCxn id="8" idx="0"/>
+          </p:cNvCxnSpPr>
+          <p:nvPr/>
+        </p:nvCxnSpPr>
+        <p:spPr>
+          <a:xfrm>
+            <a:off x="3372374" y="3150069"/>
+            <a:ext cx="308697" cy="2027091"/>
+          </a:xfrm>
+          <a:prstGeom prst="line">
+            <a:avLst/>
+          </a:prstGeom>
+          <a:ln w="19050">
+            <a:solidFill>
+              <a:srgbClr val="FF0000"/>
+            </a:solidFill>
+          </a:ln>
+        </p:spPr>
+        <p:style>
+          <a:lnRef idx="1">
+            <a:schemeClr val="dk1"/>
+          </a:lnRef>
+          <a:fillRef idx="0">
+            <a:schemeClr val="dk1"/>
+          </a:fillRef>
+          <a:effectRef idx="0">
+            <a:schemeClr val="dk1"/>
+          </a:effectRef>
+          <a:fontRef idx="minor">
+            <a:schemeClr val="tx1"/>
+          </a:fontRef>
+        </p:style>
+      </p:cxnSp>
+      <p:cxnSp>
+        <p:nvCxnSpPr>
+          <p:cNvPr id="93" name="직선 연결선 92">
+            <a:extLst>
+              <a:ext uri="{FF2B5EF4-FFF2-40B4-BE49-F238E27FC236}">
+                <a16:creationId xmlns:a16="http://schemas.microsoft.com/office/drawing/2014/main" id="{6DEED9D3-8D18-4AC5-A372-533EF5103AAE}"/>
+              </a:ext>
+            </a:extLst>
+          </p:cNvPr>
+          <p:cNvCxnSpPr>
+            <a:cxnSpLocks/>
+            <a:stCxn id="3" idx="4"/>
+            <a:endCxn id="10" idx="0"/>
+          </p:cNvCxnSpPr>
+          <p:nvPr/>
+        </p:nvCxnSpPr>
+        <p:spPr>
+          <a:xfrm flipH="1">
+            <a:off x="5821051" y="1185643"/>
+            <a:ext cx="83595" cy="1202661"/>
+          </a:xfrm>
+          <a:prstGeom prst="line">
+            <a:avLst/>
+          </a:prstGeom>
+          <a:ln w="19050">
+            <a:solidFill>
+              <a:schemeClr val="tx1"/>
+            </a:solidFill>
+          </a:ln>
+        </p:spPr>
+        <p:style>
+          <a:lnRef idx="1">
+            <a:schemeClr val="dk1"/>
+          </a:lnRef>
+          <a:fillRef idx="0">
+            <a:schemeClr val="dk1"/>
+          </a:fillRef>
+          <a:effectRef idx="0">
+            <a:schemeClr val="dk1"/>
+          </a:effectRef>
+          <a:fontRef idx="minor">
+            <a:schemeClr val="tx1"/>
+          </a:fontRef>
+        </p:style>
+      </p:cxnSp>
+      <p:cxnSp>
+        <p:nvCxnSpPr>
+          <p:cNvPr id="98" name="직선 연결선 97">
+            <a:extLst>
+              <a:ext uri="{FF2B5EF4-FFF2-40B4-BE49-F238E27FC236}">
+                <a16:creationId xmlns:a16="http://schemas.microsoft.com/office/drawing/2014/main" id="{F2B6E04D-6C8A-49DC-9299-708C260FC872}"/>
+              </a:ext>
+            </a:extLst>
+          </p:cNvPr>
+          <p:cNvCxnSpPr>
+            <a:cxnSpLocks/>
+            <a:stCxn id="5" idx="6"/>
+            <a:endCxn id="10" idx="2"/>
+          </p:cNvCxnSpPr>
+          <p:nvPr/>
+        </p:nvCxnSpPr>
+        <p:spPr>
+          <a:xfrm flipV="1">
+            <a:off x="3741490" y="2757420"/>
+            <a:ext cx="1710445" cy="23533"/>
+          </a:xfrm>
+          <a:prstGeom prst="line">
+            <a:avLst/>
+          </a:prstGeom>
+          <a:ln w="19050">
+            <a:solidFill>
+              <a:schemeClr val="tx1"/>
+            </a:solidFill>
+          </a:ln>
+        </p:spPr>
+        <p:style>
+          <a:lnRef idx="1">
+            <a:schemeClr val="dk1"/>
+          </a:lnRef>
+          <a:fillRef idx="0">
+            <a:schemeClr val="dk1"/>
+          </a:fillRef>
+          <a:effectRef idx="0">
+            <a:schemeClr val="dk1"/>
+          </a:effectRef>
+          <a:fontRef idx="minor">
+            <a:schemeClr val="tx1"/>
+          </a:fontRef>
+        </p:style>
+      </p:cxnSp>
+      <p:cxnSp>
+        <p:nvCxnSpPr>
+          <p:cNvPr id="109" name="직선 연결선 108">
+            <a:extLst>
+              <a:ext uri="{FF2B5EF4-FFF2-40B4-BE49-F238E27FC236}">
+                <a16:creationId xmlns:a16="http://schemas.microsoft.com/office/drawing/2014/main" id="{16184A2F-BD37-4E63-B526-B017F092A10D}"/>
+              </a:ext>
+            </a:extLst>
+          </p:cNvPr>
+          <p:cNvCxnSpPr>
+            <a:cxnSpLocks/>
+            <a:stCxn id="10" idx="4"/>
+            <a:endCxn id="6" idx="0"/>
+          </p:cNvCxnSpPr>
+          <p:nvPr/>
+        </p:nvCxnSpPr>
+        <p:spPr>
+          <a:xfrm>
+            <a:off x="5821051" y="3126536"/>
+            <a:ext cx="659639" cy="2350059"/>
+          </a:xfrm>
+          <a:prstGeom prst="line">
+            <a:avLst/>
+          </a:prstGeom>
+          <a:ln w="19050">
+            <a:solidFill>
+              <a:schemeClr val="tx1"/>
+            </a:solidFill>
+          </a:ln>
+        </p:spPr>
+        <p:style>
+          <a:lnRef idx="1">
+            <a:schemeClr val="dk1"/>
+          </a:lnRef>
+          <a:fillRef idx="0">
+            <a:schemeClr val="dk1"/>
+          </a:fillRef>
+          <a:effectRef idx="0">
+            <a:schemeClr val="dk1"/>
+          </a:effectRef>
+          <a:fontRef idx="minor">
+            <a:schemeClr val="tx1"/>
+          </a:fontRef>
+        </p:style>
+      </p:cxnSp>
+      <p:cxnSp>
+        <p:nvCxnSpPr>
+          <p:cNvPr id="130" name="직선 연결선 129">
+            <a:extLst>
+              <a:ext uri="{FF2B5EF4-FFF2-40B4-BE49-F238E27FC236}">
+                <a16:creationId xmlns:a16="http://schemas.microsoft.com/office/drawing/2014/main" id="{94EB4465-52E9-479C-9CA5-4A0D8E09B93E}"/>
+              </a:ext>
+            </a:extLst>
+          </p:cNvPr>
+          <p:cNvCxnSpPr>
+            <a:cxnSpLocks/>
+            <a:stCxn id="8" idx="6"/>
+            <a:endCxn id="6" idx="2"/>
+          </p:cNvCxnSpPr>
+          <p:nvPr/>
+        </p:nvCxnSpPr>
+        <p:spPr>
+          <a:xfrm>
+            <a:off x="4050187" y="5546276"/>
+            <a:ext cx="2061387" cy="299435"/>
+          </a:xfrm>
+          <a:prstGeom prst="line">
+            <a:avLst/>
+          </a:prstGeom>
+          <a:ln w="19050">
+            <a:solidFill>
+              <a:srgbClr val="FF0000"/>
+            </a:solidFill>
+          </a:ln>
+        </p:spPr>
+        <p:style>
+          <a:lnRef idx="1">
+            <a:schemeClr val="dk1"/>
+          </a:lnRef>
+          <a:fillRef idx="0">
+            <a:schemeClr val="dk1"/>
+          </a:fillRef>
+          <a:effectRef idx="0">
+            <a:schemeClr val="dk1"/>
+          </a:effectRef>
+          <a:fontRef idx="minor">
+            <a:schemeClr val="tx1"/>
+          </a:fontRef>
+        </p:style>
+      </p:cxnSp>
+      <p:cxnSp>
+        <p:nvCxnSpPr>
+          <p:cNvPr id="135" name="직선 연결선 134">
+            <a:extLst>
+              <a:ext uri="{FF2B5EF4-FFF2-40B4-BE49-F238E27FC236}">
+                <a16:creationId xmlns:a16="http://schemas.microsoft.com/office/drawing/2014/main" id="{FC797BBD-1811-454C-9E80-961D949E3699}"/>
+              </a:ext>
+            </a:extLst>
+          </p:cNvPr>
+          <p:cNvCxnSpPr>
+            <a:cxnSpLocks/>
+            <a:stCxn id="5" idx="5"/>
+            <a:endCxn id="6" idx="1"/>
+          </p:cNvCxnSpPr>
+          <p:nvPr/>
+        </p:nvCxnSpPr>
+        <p:spPr>
+          <a:xfrm>
+            <a:off x="3633378" y="3041957"/>
+            <a:ext cx="2586308" cy="2542750"/>
+          </a:xfrm>
+          <a:prstGeom prst="line">
+            <a:avLst/>
+          </a:prstGeom>
+          <a:ln w="19050">
+            <a:solidFill>
+              <a:schemeClr val="tx1"/>
+            </a:solidFill>
+          </a:ln>
+        </p:spPr>
+        <p:style>
+          <a:lnRef idx="1">
+            <a:schemeClr val="dk1"/>
+          </a:lnRef>
+          <a:fillRef idx="0">
+            <a:schemeClr val="dk1"/>
+          </a:fillRef>
+          <a:effectRef idx="0">
+            <a:schemeClr val="dk1"/>
+          </a:effectRef>
+          <a:fontRef idx="minor">
+            <a:schemeClr val="tx1"/>
+          </a:fontRef>
+        </p:style>
+      </p:cxnSp>
+      <p:sp>
+        <p:nvSpPr>
+          <p:cNvPr id="24" name="TextBox 23">
+            <a:extLst>
+              <a:ext uri="{FF2B5EF4-FFF2-40B4-BE49-F238E27FC236}">
+                <a16:creationId xmlns:a16="http://schemas.microsoft.com/office/drawing/2014/main" id="{6ABF03F2-856C-4D6A-AA25-BEA95931A66E}"/>
+              </a:ext>
+            </a:extLst>
+          </p:cNvPr>
+          <p:cNvSpPr txBox="1"/>
+          <p:nvPr/>
+        </p:nvSpPr>
+        <p:spPr>
+          <a:xfrm>
+            <a:off x="7368723" y="1399217"/>
+            <a:ext cx="450764" cy="369332"/>
+          </a:xfrm>
+          <a:prstGeom prst="rect">
+            <a:avLst/>
+          </a:prstGeom>
+          <a:noFill/>
+        </p:spPr>
+        <p:txBody>
+          <a:bodyPr wrap="none" rtlCol="0">
+            <a:spAutoFit/>
+          </a:bodyPr>
+          <a:lstStyle/>
+          <a:p>
+            <a:r>
+              <a:rPr lang="en-US" altLang="ko-KR" b="1" dirty="0"/>
+              <a:t>10</a:t>
+            </a:r>
+            <a:endParaRPr lang="ko-KR" altLang="en-US" b="1" dirty="0"/>
+          </a:p>
+        </p:txBody>
+      </p:sp>
+      <p:sp>
+        <p:nvSpPr>
+          <p:cNvPr id="25" name="TextBox 24">
+            <a:extLst>
+              <a:ext uri="{FF2B5EF4-FFF2-40B4-BE49-F238E27FC236}">
+                <a16:creationId xmlns:a16="http://schemas.microsoft.com/office/drawing/2014/main" id="{41C427C3-E82C-451C-AD80-01D8A6417996}"/>
+              </a:ext>
+            </a:extLst>
+          </p:cNvPr>
+          <p:cNvSpPr txBox="1"/>
+          <p:nvPr/>
+        </p:nvSpPr>
+        <p:spPr>
+          <a:xfrm>
+            <a:off x="4108298" y="1332507"/>
+            <a:ext cx="317716" cy="369332"/>
+          </a:xfrm>
+          <a:prstGeom prst="rect">
+            <a:avLst/>
+          </a:prstGeom>
+          <a:noFill/>
+        </p:spPr>
+        <p:txBody>
+          <a:bodyPr wrap="none" rtlCol="0">
+            <a:spAutoFit/>
+          </a:bodyPr>
+          <a:lstStyle/>
+          <a:p>
+            <a:r>
+              <a:rPr lang="en-US" altLang="ko-KR" b="1" dirty="0"/>
+              <a:t>3</a:t>
+            </a:r>
+            <a:endParaRPr lang="ko-KR" altLang="en-US" b="1" dirty="0"/>
+          </a:p>
+        </p:txBody>
+      </p:sp>
+      <p:sp>
+        <p:nvSpPr>
+          <p:cNvPr id="26" name="TextBox 25">
+            <a:extLst>
+              <a:ext uri="{FF2B5EF4-FFF2-40B4-BE49-F238E27FC236}">
+                <a16:creationId xmlns:a16="http://schemas.microsoft.com/office/drawing/2014/main" id="{E2779903-55EC-4FD3-B5EE-48454D9C9771}"/>
+              </a:ext>
+            </a:extLst>
+          </p:cNvPr>
+          <p:cNvSpPr txBox="1"/>
+          <p:nvPr/>
+        </p:nvSpPr>
+        <p:spPr>
+          <a:xfrm>
+            <a:off x="5888549" y="1721777"/>
+            <a:ext cx="317716" cy="369332"/>
+          </a:xfrm>
+          <a:prstGeom prst="rect">
+            <a:avLst/>
+          </a:prstGeom>
+          <a:noFill/>
+        </p:spPr>
+        <p:txBody>
+          <a:bodyPr wrap="none" rtlCol="0">
+            <a:spAutoFit/>
+          </a:bodyPr>
+          <a:lstStyle/>
+          <a:p>
+            <a:r>
+              <a:rPr lang="en-US" altLang="ko-KR" b="1" dirty="0"/>
+              <a:t>7</a:t>
+            </a:r>
+            <a:endParaRPr lang="ko-KR" altLang="en-US" b="1" dirty="0"/>
+          </a:p>
+        </p:txBody>
+      </p:sp>
+      <p:sp>
+        <p:nvSpPr>
+          <p:cNvPr id="27" name="TextBox 26">
+            <a:extLst>
+              <a:ext uri="{FF2B5EF4-FFF2-40B4-BE49-F238E27FC236}">
+                <a16:creationId xmlns:a16="http://schemas.microsoft.com/office/drawing/2014/main" id="{5FB96FCC-8236-41E9-AA0A-A1C43B57EDA6}"/>
+              </a:ext>
+            </a:extLst>
+          </p:cNvPr>
+          <p:cNvSpPr txBox="1"/>
+          <p:nvPr/>
+        </p:nvSpPr>
+        <p:spPr>
+          <a:xfrm>
+            <a:off x="7342737" y="2534520"/>
+            <a:ext cx="317716" cy="369332"/>
+          </a:xfrm>
+          <a:prstGeom prst="rect">
+            <a:avLst/>
+          </a:prstGeom>
+          <a:noFill/>
+        </p:spPr>
+        <p:txBody>
+          <a:bodyPr wrap="none" rtlCol="0">
+            <a:spAutoFit/>
+          </a:bodyPr>
+          <a:lstStyle/>
+          <a:p>
+            <a:r>
+              <a:rPr lang="en-US" altLang="ko-KR" b="1" dirty="0"/>
+              <a:t>6</a:t>
+            </a:r>
+            <a:endParaRPr lang="ko-KR" altLang="en-US" b="1" dirty="0"/>
+          </a:p>
+        </p:txBody>
+      </p:sp>
+      <p:sp>
+        <p:nvSpPr>
+          <p:cNvPr id="28" name="TextBox 27">
+            <a:extLst>
+              <a:ext uri="{FF2B5EF4-FFF2-40B4-BE49-F238E27FC236}">
+                <a16:creationId xmlns:a16="http://schemas.microsoft.com/office/drawing/2014/main" id="{0E536EE1-7ED6-4B7E-BE5D-862BBFE97BF8}"/>
+              </a:ext>
+            </a:extLst>
+          </p:cNvPr>
+          <p:cNvSpPr txBox="1"/>
+          <p:nvPr/>
+        </p:nvSpPr>
+        <p:spPr>
+          <a:xfrm>
+            <a:off x="4656878" y="2415818"/>
+            <a:ext cx="317716" cy="369332"/>
+          </a:xfrm>
+          <a:prstGeom prst="rect">
+            <a:avLst/>
+          </a:prstGeom>
+          <a:noFill/>
+        </p:spPr>
+        <p:txBody>
+          <a:bodyPr wrap="none" rtlCol="0">
+            <a:spAutoFit/>
+          </a:bodyPr>
+          <a:lstStyle/>
+          <a:p>
+            <a:r>
+              <a:rPr lang="en-US" altLang="ko-KR" b="1" dirty="0"/>
+              <a:t>2</a:t>
+            </a:r>
+            <a:endParaRPr lang="ko-KR" altLang="en-US" b="1" dirty="0"/>
+          </a:p>
+        </p:txBody>
+      </p:sp>
+      <p:sp>
+        <p:nvSpPr>
+          <p:cNvPr id="30" name="TextBox 29">
+            <a:extLst>
+              <a:ext uri="{FF2B5EF4-FFF2-40B4-BE49-F238E27FC236}">
+                <a16:creationId xmlns:a16="http://schemas.microsoft.com/office/drawing/2014/main" id="{AEB760D9-25DA-426A-8BE6-4AA82493098F}"/>
+              </a:ext>
+            </a:extLst>
+          </p:cNvPr>
+          <p:cNvSpPr txBox="1"/>
+          <p:nvPr/>
+        </p:nvSpPr>
+        <p:spPr>
+          <a:xfrm>
+            <a:off x="6040972" y="3886775"/>
+            <a:ext cx="450764" cy="369332"/>
+          </a:xfrm>
+          <a:prstGeom prst="rect">
+            <a:avLst/>
+          </a:prstGeom>
+          <a:noFill/>
+        </p:spPr>
+        <p:txBody>
+          <a:bodyPr wrap="none" rtlCol="0">
+            <a:spAutoFit/>
+          </a:bodyPr>
+          <a:lstStyle/>
+          <a:p>
+            <a:r>
+              <a:rPr lang="en-US" altLang="ko-KR" b="1" dirty="0"/>
+              <a:t>10</a:t>
+            </a:r>
+            <a:endParaRPr lang="ko-KR" altLang="en-US" b="1" dirty="0"/>
+          </a:p>
+        </p:txBody>
+      </p:sp>
+      <p:sp>
+        <p:nvSpPr>
+          <p:cNvPr id="31" name="TextBox 30">
+            <a:extLst>
+              <a:ext uri="{FF2B5EF4-FFF2-40B4-BE49-F238E27FC236}">
+                <a16:creationId xmlns:a16="http://schemas.microsoft.com/office/drawing/2014/main" id="{D5C7DDF0-3C09-48D5-A89F-7AA51B812B7D}"/>
+              </a:ext>
+            </a:extLst>
+          </p:cNvPr>
+          <p:cNvSpPr txBox="1"/>
+          <p:nvPr/>
+        </p:nvSpPr>
+        <p:spPr>
+          <a:xfrm>
+            <a:off x="6399042" y="3007515"/>
+            <a:ext cx="317716" cy="369332"/>
+          </a:xfrm>
+          <a:prstGeom prst="rect">
+            <a:avLst/>
+          </a:prstGeom>
+          <a:noFill/>
+        </p:spPr>
+        <p:txBody>
+          <a:bodyPr wrap="none" rtlCol="0">
+            <a:spAutoFit/>
+          </a:bodyPr>
+          <a:lstStyle/>
+          <a:p>
+            <a:r>
+              <a:rPr lang="en-US" altLang="ko-KR" b="1" dirty="0"/>
+              <a:t>4</a:t>
+            </a:r>
+            <a:endParaRPr lang="ko-KR" altLang="en-US" b="1" dirty="0"/>
+          </a:p>
+        </p:txBody>
+      </p:sp>
+      <p:sp>
+        <p:nvSpPr>
+          <p:cNvPr id="32" name="TextBox 31">
+            <a:extLst>
+              <a:ext uri="{FF2B5EF4-FFF2-40B4-BE49-F238E27FC236}">
+                <a16:creationId xmlns:a16="http://schemas.microsoft.com/office/drawing/2014/main" id="{6DE267D0-1095-4430-B3BE-3F7D110FA191}"/>
+              </a:ext>
+            </a:extLst>
+          </p:cNvPr>
+          <p:cNvSpPr txBox="1"/>
+          <p:nvPr/>
+        </p:nvSpPr>
+        <p:spPr>
+          <a:xfrm>
+            <a:off x="6655695" y="4646218"/>
+            <a:ext cx="317716" cy="369332"/>
+          </a:xfrm>
+          <a:prstGeom prst="rect">
+            <a:avLst/>
+          </a:prstGeom>
+          <a:noFill/>
+        </p:spPr>
+        <p:txBody>
+          <a:bodyPr wrap="none" rtlCol="0">
+            <a:spAutoFit/>
+          </a:bodyPr>
+          <a:lstStyle/>
+          <a:p>
+            <a:r>
+              <a:rPr lang="en-US" altLang="ko-KR" b="1" dirty="0"/>
+              <a:t>2</a:t>
+            </a:r>
+            <a:endParaRPr lang="ko-KR" altLang="en-US" b="1" dirty="0"/>
+          </a:p>
+        </p:txBody>
+      </p:sp>
+      <p:sp>
+        <p:nvSpPr>
+          <p:cNvPr id="33" name="TextBox 32">
+            <a:extLst>
+              <a:ext uri="{FF2B5EF4-FFF2-40B4-BE49-F238E27FC236}">
+                <a16:creationId xmlns:a16="http://schemas.microsoft.com/office/drawing/2014/main" id="{7BC21392-A32B-4EC0-A05D-DF9A8E52CF87}"/>
+              </a:ext>
+            </a:extLst>
+          </p:cNvPr>
+          <p:cNvSpPr txBox="1"/>
+          <p:nvPr/>
+        </p:nvSpPr>
+        <p:spPr>
+          <a:xfrm>
+            <a:off x="4776761" y="5654388"/>
+            <a:ext cx="317716" cy="369332"/>
+          </a:xfrm>
+          <a:prstGeom prst="rect">
+            <a:avLst/>
+          </a:prstGeom>
+          <a:noFill/>
+        </p:spPr>
+        <p:txBody>
+          <a:bodyPr wrap="none" rtlCol="0">
+            <a:spAutoFit/>
+          </a:bodyPr>
+          <a:lstStyle/>
+          <a:p>
+            <a:r>
+              <a:rPr lang="en-US" altLang="ko-KR" b="1" dirty="0"/>
+              <a:t>4</a:t>
+            </a:r>
+            <a:endParaRPr lang="ko-KR" altLang="en-US" b="1" dirty="0"/>
+          </a:p>
+        </p:txBody>
+      </p:sp>
+      <p:sp>
+        <p:nvSpPr>
+          <p:cNvPr id="34" name="TextBox 33">
+            <a:extLst>
+              <a:ext uri="{FF2B5EF4-FFF2-40B4-BE49-F238E27FC236}">
+                <a16:creationId xmlns:a16="http://schemas.microsoft.com/office/drawing/2014/main" id="{72F7FCF3-2287-4F04-8716-0E0DB4AD37A3}"/>
+              </a:ext>
+            </a:extLst>
+          </p:cNvPr>
+          <p:cNvSpPr txBox="1"/>
+          <p:nvPr/>
+        </p:nvSpPr>
+        <p:spPr>
+          <a:xfrm>
+            <a:off x="7691778" y="4327484"/>
+            <a:ext cx="317716" cy="369332"/>
+          </a:xfrm>
+          <a:prstGeom prst="rect">
+            <a:avLst/>
+          </a:prstGeom>
+          <a:noFill/>
+        </p:spPr>
+        <p:txBody>
+          <a:bodyPr wrap="none" rtlCol="0">
+            <a:spAutoFit/>
+          </a:bodyPr>
+          <a:lstStyle/>
+          <a:p>
+            <a:r>
+              <a:rPr lang="en-US" altLang="ko-KR" b="1" dirty="0"/>
+              <a:t>9</a:t>
+            </a:r>
+            <a:endParaRPr lang="ko-KR" altLang="en-US" b="1" dirty="0"/>
+          </a:p>
+        </p:txBody>
+      </p:sp>
+      <p:sp>
+        <p:nvSpPr>
+          <p:cNvPr id="35" name="TextBox 34">
+            <a:extLst>
+              <a:ext uri="{FF2B5EF4-FFF2-40B4-BE49-F238E27FC236}">
+                <a16:creationId xmlns:a16="http://schemas.microsoft.com/office/drawing/2014/main" id="{F92358FB-05CA-47B4-B7AB-7AEE6CCC0C8A}"/>
+              </a:ext>
+            </a:extLst>
+          </p:cNvPr>
+          <p:cNvSpPr txBox="1"/>
+          <p:nvPr/>
+        </p:nvSpPr>
+        <p:spPr>
+          <a:xfrm>
+            <a:off x="4759329" y="3809933"/>
+            <a:ext cx="450764" cy="369332"/>
+          </a:xfrm>
+          <a:prstGeom prst="rect">
+            <a:avLst/>
+          </a:prstGeom>
+          <a:noFill/>
+        </p:spPr>
+        <p:txBody>
+          <a:bodyPr wrap="none" rtlCol="0">
+            <a:spAutoFit/>
+          </a:bodyPr>
+          <a:lstStyle/>
+          <a:p>
+            <a:r>
+              <a:rPr lang="en-US" altLang="ko-KR" b="1" dirty="0"/>
+              <a:t>11</a:t>
+            </a:r>
+            <a:endParaRPr lang="ko-KR" altLang="en-US" b="1" dirty="0"/>
+          </a:p>
+        </p:txBody>
+      </p:sp>
+      <p:sp>
+        <p:nvSpPr>
+          <p:cNvPr id="37" name="TextBox 36">
+            <a:extLst>
+              <a:ext uri="{FF2B5EF4-FFF2-40B4-BE49-F238E27FC236}">
+                <a16:creationId xmlns:a16="http://schemas.microsoft.com/office/drawing/2014/main" id="{4F06344C-0E0F-452A-94A0-0831E4A5F98C}"/>
+              </a:ext>
+            </a:extLst>
+          </p:cNvPr>
+          <p:cNvSpPr txBox="1"/>
+          <p:nvPr/>
+        </p:nvSpPr>
+        <p:spPr>
+          <a:xfrm>
+            <a:off x="3209006" y="4069596"/>
+            <a:ext cx="317716" cy="369332"/>
+          </a:xfrm>
+          <a:prstGeom prst="rect">
+            <a:avLst/>
+          </a:prstGeom>
+          <a:noFill/>
+        </p:spPr>
+        <p:txBody>
+          <a:bodyPr wrap="none" rtlCol="0">
+            <a:spAutoFit/>
+          </a:bodyPr>
+          <a:lstStyle/>
+          <a:p>
+            <a:r>
+              <a:rPr lang="en-US" altLang="ko-KR" b="1" dirty="0"/>
+              <a:t>5</a:t>
+            </a:r>
+            <a:endParaRPr lang="ko-KR" altLang="en-US" b="1" dirty="0"/>
+          </a:p>
+        </p:txBody>
+      </p:sp>
+    </p:spTree>
+    <p:extLst>
+      <p:ext uri="{BB962C8B-B14F-4D97-AF65-F5344CB8AC3E}">
+        <p14:creationId xmlns:p14="http://schemas.microsoft.com/office/powerpoint/2010/main" val="69118590"/>
+      </p:ext>
+    </p:extLst>
+  </p:cSld>
+  <p:clrMapOvr>
+    <a:masterClrMapping/>
+  </p:clrMapOvr>
+</p:sld>
+</file>
+
+<file path=ppt/slides/slide20.xml><?xml version="1.0" encoding="utf-8"?>
+<p:sld xmlns:a="http://schemas.openxmlformats.org/drawingml/2006/main" xmlns:r="http://schemas.openxmlformats.org/officeDocument/2006/relationships" xmlns:p="http://schemas.openxmlformats.org/presentationml/2006/main">
+  <p:cSld>
+    <p:spTree>
+      <p:nvGrpSpPr>
+        <p:cNvPr id="1" name=""/>
+        <p:cNvGrpSpPr/>
+        <p:nvPr/>
+      </p:nvGrpSpPr>
+      <p:grpSpPr>
+        <a:xfrm>
+          <a:off x="0" y="0"/>
+          <a:ext cx="0" cy="0"/>
+          <a:chOff x="0" y="0"/>
+          <a:chExt cx="0" cy="0"/>
+        </a:xfrm>
+      </p:grpSpPr>
+      <p:sp>
+        <p:nvSpPr>
+          <p:cNvPr id="27" name="TextBox 26">
+            <a:extLst>
+              <a:ext uri="{FF2B5EF4-FFF2-40B4-BE49-F238E27FC236}">
+                <a16:creationId xmlns:a16="http://schemas.microsoft.com/office/drawing/2014/main" id="{9E4E73ED-6CBF-8AAC-D56A-F938217980FE}"/>
+              </a:ext>
+            </a:extLst>
+          </p:cNvPr>
+          <p:cNvSpPr txBox="1"/>
+          <p:nvPr/>
+        </p:nvSpPr>
+        <p:spPr>
+          <a:xfrm>
+            <a:off x="1692957" y="452320"/>
+            <a:ext cx="4352474" cy="477054"/>
+          </a:xfrm>
+          <a:prstGeom prst="rect">
+            <a:avLst/>
+          </a:prstGeom>
+          <a:noFill/>
+        </p:spPr>
+        <p:txBody>
+          <a:bodyPr wrap="none" rtlCol="0">
+            <a:spAutoFit/>
+          </a:bodyPr>
+          <a:lstStyle/>
+          <a:p>
+            <a:r>
+              <a:rPr lang="en-US" altLang="ko-KR" sz="2500" dirty="0">
+                <a:latin typeface="210 하얀분필 R" panose="02020603020101020101" pitchFamily="18" charset="-127"/>
+                <a:ea typeface="210 하얀분필 R" panose="02020603020101020101" pitchFamily="18" charset="-127"/>
+              </a:rPr>
+              <a:t>“</a:t>
+            </a:r>
+            <a:r>
+              <a:rPr lang="ko-KR" altLang="en-US" sz="2500" dirty="0">
+                <a:latin typeface="210 하얀분필 R" panose="02020603020101020101" pitchFamily="18" charset="-127"/>
+                <a:ea typeface="210 하얀분필 R" panose="02020603020101020101" pitchFamily="18" charset="-127"/>
+              </a:rPr>
+              <a:t>가중치 기준으로 구성된 </a:t>
+            </a:r>
+            <a:r>
+              <a:rPr lang="ko-KR" altLang="en-US" sz="2500" dirty="0" err="1">
+                <a:latin typeface="210 하얀분필 R" panose="02020603020101020101" pitchFamily="18" charset="-127"/>
+                <a:ea typeface="210 하얀분필 R" panose="02020603020101020101" pitchFamily="18" charset="-127"/>
+              </a:rPr>
+              <a:t>최소힙</a:t>
+            </a:r>
+            <a:r>
+              <a:rPr lang="ko-KR" altLang="en-US" sz="2500" dirty="0">
+                <a:latin typeface="210 하얀분필 R" panose="02020603020101020101" pitchFamily="18" charset="-127"/>
+                <a:ea typeface="210 하얀분필 R" panose="02020603020101020101" pitchFamily="18" charset="-127"/>
+              </a:rPr>
+              <a:t> 트리</a:t>
+            </a:r>
+            <a:r>
+              <a:rPr lang="en-US" altLang="ko-KR" sz="2500" dirty="0">
+                <a:latin typeface="210 하얀분필 R" panose="02020603020101020101" pitchFamily="18" charset="-127"/>
+                <a:ea typeface="210 하얀분필 R" panose="02020603020101020101" pitchFamily="18" charset="-127"/>
+              </a:rPr>
+              <a:t>”</a:t>
+            </a:r>
+            <a:endParaRPr lang="ko-KR" altLang="en-US" sz="2500" dirty="0">
+              <a:latin typeface="210 하얀분필 R" panose="02020603020101020101" pitchFamily="18" charset="-127"/>
+              <a:ea typeface="210 하얀분필 R" panose="02020603020101020101" pitchFamily="18" charset="-127"/>
+            </a:endParaRPr>
+          </a:p>
+        </p:txBody>
+      </p:sp>
+      <p:sp>
+        <p:nvSpPr>
+          <p:cNvPr id="35" name="타원 34">
+            <a:extLst>
+              <a:ext uri="{FF2B5EF4-FFF2-40B4-BE49-F238E27FC236}">
+                <a16:creationId xmlns:a16="http://schemas.microsoft.com/office/drawing/2014/main" id="{B422FCFD-51A9-7A28-B020-590BA52B91E2}"/>
+              </a:ext>
+            </a:extLst>
+          </p:cNvPr>
+          <p:cNvSpPr/>
+          <p:nvPr/>
+        </p:nvSpPr>
+        <p:spPr>
+          <a:xfrm>
+            <a:off x="3754414" y="1202924"/>
+            <a:ext cx="783770" cy="783770"/>
+          </a:xfrm>
+          <a:prstGeom prst="ellipse">
+            <a:avLst/>
+          </a:prstGeom>
+          <a:solidFill>
+            <a:srgbClr val="FFC000"/>
+          </a:solidFill>
+          <a:ln w="28575">
+            <a:solidFill>
+              <a:schemeClr val="accent2"/>
+            </a:solidFill>
+          </a:ln>
+        </p:spPr>
+        <p:style>
+          <a:lnRef idx="2">
+            <a:schemeClr val="accent1">
+              <a:shade val="50000"/>
+            </a:schemeClr>
+          </a:lnRef>
+          <a:fillRef idx="1">
+            <a:schemeClr val="accent1"/>
+          </a:fillRef>
+          <a:effectRef idx="0">
+            <a:schemeClr val="accent1"/>
+          </a:effectRef>
+          <a:fontRef idx="minor">
+            <a:schemeClr val="lt1"/>
+          </a:fontRef>
+        </p:style>
+        <p:txBody>
+          <a:bodyPr rtlCol="0" anchor="ctr"/>
+          <a:lstStyle/>
+          <a:p>
+            <a:pPr algn="ctr"/>
+            <a:r>
+              <a:rPr lang="en-US" altLang="ko-KR" sz="2500" dirty="0">
+                <a:solidFill>
+                  <a:sysClr val="windowText" lastClr="000000"/>
+                </a:solidFill>
+              </a:rPr>
+              <a:t>5</a:t>
+            </a:r>
+            <a:endParaRPr lang="ko-KR" altLang="en-US" sz="2500" dirty="0">
+              <a:solidFill>
+                <a:sysClr val="windowText" lastClr="000000"/>
+              </a:solidFill>
+            </a:endParaRPr>
+          </a:p>
+        </p:txBody>
+      </p:sp>
+      <p:sp>
+        <p:nvSpPr>
+          <p:cNvPr id="36" name="타원 35">
+            <a:extLst>
+              <a:ext uri="{FF2B5EF4-FFF2-40B4-BE49-F238E27FC236}">
+                <a16:creationId xmlns:a16="http://schemas.microsoft.com/office/drawing/2014/main" id="{D4EACBCD-65F9-A4F8-99A6-9EEB4C955D47}"/>
+              </a:ext>
+            </a:extLst>
+          </p:cNvPr>
+          <p:cNvSpPr/>
+          <p:nvPr/>
+        </p:nvSpPr>
+        <p:spPr>
+          <a:xfrm>
+            <a:off x="2167279" y="2419014"/>
+            <a:ext cx="783770" cy="783770"/>
+          </a:xfrm>
+          <a:prstGeom prst="ellipse">
+            <a:avLst/>
+          </a:prstGeom>
+          <a:solidFill>
+            <a:srgbClr val="FFC000"/>
+          </a:solidFill>
+          <a:ln w="28575">
+            <a:solidFill>
+              <a:schemeClr val="accent2"/>
+            </a:solidFill>
+          </a:ln>
+        </p:spPr>
+        <p:style>
+          <a:lnRef idx="2">
+            <a:schemeClr val="accent1">
+              <a:shade val="50000"/>
+            </a:schemeClr>
+          </a:lnRef>
+          <a:fillRef idx="1">
+            <a:schemeClr val="accent1"/>
+          </a:fillRef>
+          <a:effectRef idx="0">
+            <a:schemeClr val="accent1"/>
+          </a:effectRef>
+          <a:fontRef idx="minor">
+            <a:schemeClr val="lt1"/>
+          </a:fontRef>
+        </p:style>
+        <p:txBody>
+          <a:bodyPr rtlCol="0" anchor="ctr"/>
+          <a:lstStyle/>
+          <a:p>
+            <a:pPr algn="ctr"/>
+            <a:r>
+              <a:rPr lang="en-US" altLang="ko-KR" sz="2500" dirty="0">
+                <a:solidFill>
+                  <a:sysClr val="windowText" lastClr="000000"/>
+                </a:solidFill>
+              </a:rPr>
               <a:t>7</a:t>
             </a:r>
             <a:endParaRPr lang="ko-KR" altLang="en-US" sz="2500" dirty="0">
@@ -27893,1526 +31130,7 @@
 </p:sld>
 </file>
 
-<file path=ppt/slides/slide2.xml><?xml version="1.0" encoding="utf-8"?>
-<p:sld xmlns:a="http://schemas.openxmlformats.org/drawingml/2006/main" xmlns:r="http://schemas.openxmlformats.org/officeDocument/2006/relationships" xmlns:p="http://schemas.openxmlformats.org/presentationml/2006/main">
-  <p:cSld>
-    <p:spTree>
-      <p:nvGrpSpPr>
-        <p:cNvPr id="1" name=""/>
-        <p:cNvGrpSpPr/>
-        <p:nvPr/>
-      </p:nvGrpSpPr>
-      <p:grpSpPr>
-        <a:xfrm>
-          <a:off x="0" y="0"/>
-          <a:ext cx="0" cy="0"/>
-          <a:chOff x="0" y="0"/>
-          <a:chExt cx="0" cy="0"/>
-        </a:xfrm>
-      </p:grpSpPr>
-      <p:sp>
-        <p:nvSpPr>
-          <p:cNvPr id="170" name="타원 169">
-            <a:extLst>
-              <a:ext uri="{FF2B5EF4-FFF2-40B4-BE49-F238E27FC236}">
-                <a16:creationId xmlns:a16="http://schemas.microsoft.com/office/drawing/2014/main" id="{BB7C0906-1141-4D6B-BAB4-F7F7692B1A9E}"/>
-              </a:ext>
-            </a:extLst>
-          </p:cNvPr>
-          <p:cNvSpPr/>
-          <p:nvPr/>
-        </p:nvSpPr>
-        <p:spPr>
-          <a:xfrm>
-            <a:off x="3085050" y="4938540"/>
-            <a:ext cx="1215472" cy="1215472"/>
-          </a:xfrm>
-          <a:prstGeom prst="ellipse">
-            <a:avLst/>
-          </a:prstGeom>
-          <a:solidFill>
-            <a:schemeClr val="accent1">
-              <a:lumMod val="20000"/>
-              <a:lumOff val="80000"/>
-              <a:alpha val="63000"/>
-            </a:schemeClr>
-          </a:solidFill>
-          <a:ln>
-            <a:noFill/>
-          </a:ln>
-        </p:spPr>
-        <p:style>
-          <a:lnRef idx="2">
-            <a:schemeClr val="accent1">
-              <a:shade val="50000"/>
-            </a:schemeClr>
-          </a:lnRef>
-          <a:fillRef idx="1">
-            <a:schemeClr val="accent1"/>
-          </a:fillRef>
-          <a:effectRef idx="0">
-            <a:schemeClr val="accent1"/>
-          </a:effectRef>
-          <a:fontRef idx="minor">
-            <a:schemeClr val="lt1"/>
-          </a:fontRef>
-        </p:style>
-        <p:txBody>
-          <a:bodyPr rtlCol="0" anchor="ctr"/>
-          <a:lstStyle/>
-          <a:p>
-            <a:pPr algn="ctr"/>
-            <a:endParaRPr lang="ko-KR" altLang="en-US" dirty="0"/>
-          </a:p>
-        </p:txBody>
-      </p:sp>
-      <p:sp>
-        <p:nvSpPr>
-          <p:cNvPr id="3" name="타원 2">
-            <a:extLst>
-              <a:ext uri="{FF2B5EF4-FFF2-40B4-BE49-F238E27FC236}">
-                <a16:creationId xmlns:a16="http://schemas.microsoft.com/office/drawing/2014/main" id="{EE5853F9-3B8D-45CE-AA97-BA80B8401DBE}"/>
-              </a:ext>
-            </a:extLst>
-          </p:cNvPr>
-          <p:cNvSpPr/>
-          <p:nvPr/>
-        </p:nvSpPr>
-        <p:spPr>
-          <a:xfrm>
-            <a:off x="5535530" y="447411"/>
-            <a:ext cx="738232" cy="738232"/>
-          </a:xfrm>
-          <a:prstGeom prst="ellipse">
-            <a:avLst/>
-          </a:prstGeom>
-          <a:solidFill>
-            <a:schemeClr val="bg1"/>
-          </a:solidFill>
-          <a:ln w="25400">
-            <a:solidFill>
-              <a:srgbClr val="F1A116"/>
-            </a:solidFill>
-          </a:ln>
-        </p:spPr>
-        <p:style>
-          <a:lnRef idx="2">
-            <a:schemeClr val="accent1">
-              <a:shade val="50000"/>
-            </a:schemeClr>
-          </a:lnRef>
-          <a:fillRef idx="1">
-            <a:schemeClr val="accent1"/>
-          </a:fillRef>
-          <a:effectRef idx="0">
-            <a:schemeClr val="accent1"/>
-          </a:effectRef>
-          <a:fontRef idx="minor">
-            <a:schemeClr val="lt1"/>
-          </a:fontRef>
-        </p:style>
-        <p:txBody>
-          <a:bodyPr rtlCol="0" anchor="ctr"/>
-          <a:lstStyle/>
-          <a:p>
-            <a:pPr algn="ctr"/>
-            <a:r>
-              <a:rPr lang="en-US" altLang="ko-KR" b="1" dirty="0">
-                <a:solidFill>
-                  <a:schemeClr val="tx1"/>
-                </a:solidFill>
-              </a:rPr>
-              <a:t>1</a:t>
-            </a:r>
-            <a:endParaRPr lang="ko-KR" altLang="en-US" b="1" dirty="0">
-              <a:solidFill>
-                <a:schemeClr val="tx1"/>
-              </a:solidFill>
-            </a:endParaRPr>
-          </a:p>
-        </p:txBody>
-      </p:sp>
-      <p:sp>
-        <p:nvSpPr>
-          <p:cNvPr id="4" name="타원 3">
-            <a:extLst>
-              <a:ext uri="{FF2B5EF4-FFF2-40B4-BE49-F238E27FC236}">
-                <a16:creationId xmlns:a16="http://schemas.microsoft.com/office/drawing/2014/main" id="{1F4449B6-F1B5-42C2-B0D5-F7F109B783E8}"/>
-              </a:ext>
-            </a:extLst>
-          </p:cNvPr>
-          <p:cNvSpPr/>
-          <p:nvPr/>
-        </p:nvSpPr>
-        <p:spPr>
-          <a:xfrm>
-            <a:off x="8608955" y="2708493"/>
-            <a:ext cx="738232" cy="738232"/>
-          </a:xfrm>
-          <a:prstGeom prst="ellipse">
-            <a:avLst/>
-          </a:prstGeom>
-          <a:solidFill>
-            <a:schemeClr val="bg1"/>
-          </a:solidFill>
-          <a:ln w="25400">
-            <a:solidFill>
-              <a:srgbClr val="F1A116"/>
-            </a:solidFill>
-          </a:ln>
-        </p:spPr>
-        <p:style>
-          <a:lnRef idx="2">
-            <a:schemeClr val="accent1">
-              <a:shade val="50000"/>
-            </a:schemeClr>
-          </a:lnRef>
-          <a:fillRef idx="1">
-            <a:schemeClr val="accent1"/>
-          </a:fillRef>
-          <a:effectRef idx="0">
-            <a:schemeClr val="accent1"/>
-          </a:effectRef>
-          <a:fontRef idx="minor">
-            <a:schemeClr val="lt1"/>
-          </a:fontRef>
-        </p:style>
-        <p:txBody>
-          <a:bodyPr rtlCol="0" anchor="ctr"/>
-          <a:lstStyle/>
-          <a:p>
-            <a:pPr algn="ctr"/>
-            <a:r>
-              <a:rPr lang="en-US" altLang="ko-KR" b="1" dirty="0">
-                <a:solidFill>
-                  <a:schemeClr val="tx1"/>
-                </a:solidFill>
-              </a:rPr>
-              <a:t>6</a:t>
-            </a:r>
-            <a:endParaRPr lang="ko-KR" altLang="en-US" b="1" dirty="0">
-              <a:solidFill>
-                <a:schemeClr val="tx1"/>
-              </a:solidFill>
-            </a:endParaRPr>
-          </a:p>
-        </p:txBody>
-      </p:sp>
-      <p:sp>
-        <p:nvSpPr>
-          <p:cNvPr id="5" name="타원 4">
-            <a:extLst>
-              <a:ext uri="{FF2B5EF4-FFF2-40B4-BE49-F238E27FC236}">
-                <a16:creationId xmlns:a16="http://schemas.microsoft.com/office/drawing/2014/main" id="{99EE64D2-175D-4474-8C27-28041F40A3F1}"/>
-              </a:ext>
-            </a:extLst>
-          </p:cNvPr>
-          <p:cNvSpPr/>
-          <p:nvPr/>
-        </p:nvSpPr>
-        <p:spPr>
-          <a:xfrm>
-            <a:off x="3003258" y="2411837"/>
-            <a:ext cx="738232" cy="738232"/>
-          </a:xfrm>
-          <a:prstGeom prst="ellipse">
-            <a:avLst/>
-          </a:prstGeom>
-          <a:solidFill>
-            <a:schemeClr val="bg1"/>
-          </a:solidFill>
-          <a:ln w="25400">
-            <a:solidFill>
-              <a:srgbClr val="F1A116"/>
-            </a:solidFill>
-          </a:ln>
-        </p:spPr>
-        <p:style>
-          <a:lnRef idx="2">
-            <a:schemeClr val="accent1">
-              <a:shade val="50000"/>
-            </a:schemeClr>
-          </a:lnRef>
-          <a:fillRef idx="1">
-            <a:schemeClr val="accent1"/>
-          </a:fillRef>
-          <a:effectRef idx="0">
-            <a:schemeClr val="accent1"/>
-          </a:effectRef>
-          <a:fontRef idx="minor">
-            <a:schemeClr val="lt1"/>
-          </a:fontRef>
-        </p:style>
-        <p:txBody>
-          <a:bodyPr rtlCol="0" anchor="ctr"/>
-          <a:lstStyle/>
-          <a:p>
-            <a:pPr algn="ctr"/>
-            <a:r>
-              <a:rPr lang="en-US" altLang="ko-KR" b="1" dirty="0">
-                <a:solidFill>
-                  <a:schemeClr val="tx1"/>
-                </a:solidFill>
-              </a:rPr>
-              <a:t>5</a:t>
-            </a:r>
-            <a:endParaRPr lang="ko-KR" altLang="en-US" b="1" dirty="0">
-              <a:solidFill>
-                <a:schemeClr val="tx1"/>
-              </a:solidFill>
-            </a:endParaRPr>
-          </a:p>
-        </p:txBody>
-      </p:sp>
-      <p:sp>
-        <p:nvSpPr>
-          <p:cNvPr id="6" name="타원 5">
-            <a:extLst>
-              <a:ext uri="{FF2B5EF4-FFF2-40B4-BE49-F238E27FC236}">
-                <a16:creationId xmlns:a16="http://schemas.microsoft.com/office/drawing/2014/main" id="{6AC6DB37-4A1E-4828-B8B3-9FCF68E25C0E}"/>
-              </a:ext>
-            </a:extLst>
-          </p:cNvPr>
-          <p:cNvSpPr/>
-          <p:nvPr/>
-        </p:nvSpPr>
-        <p:spPr>
-          <a:xfrm>
-            <a:off x="6111574" y="5476595"/>
-            <a:ext cx="738232" cy="738232"/>
-          </a:xfrm>
-          <a:prstGeom prst="ellipse">
-            <a:avLst/>
-          </a:prstGeom>
-          <a:solidFill>
-            <a:schemeClr val="bg1"/>
-          </a:solidFill>
-          <a:ln w="25400">
-            <a:solidFill>
-              <a:srgbClr val="F1A116"/>
-            </a:solidFill>
-          </a:ln>
-        </p:spPr>
-        <p:style>
-          <a:lnRef idx="2">
-            <a:schemeClr val="accent1">
-              <a:shade val="50000"/>
-            </a:schemeClr>
-          </a:lnRef>
-          <a:fillRef idx="1">
-            <a:schemeClr val="accent1"/>
-          </a:fillRef>
-          <a:effectRef idx="0">
-            <a:schemeClr val="accent1"/>
-          </a:effectRef>
-          <a:fontRef idx="minor">
-            <a:schemeClr val="lt1"/>
-          </a:fontRef>
-        </p:style>
-        <p:txBody>
-          <a:bodyPr rtlCol="0" anchor="ctr"/>
-          <a:lstStyle/>
-          <a:p>
-            <a:pPr algn="ctr"/>
-            <a:r>
-              <a:rPr lang="en-US" altLang="ko-KR" b="1" dirty="0">
-                <a:solidFill>
-                  <a:schemeClr val="tx1"/>
-                </a:solidFill>
-              </a:rPr>
-              <a:t>4</a:t>
-            </a:r>
-            <a:endParaRPr lang="ko-KR" altLang="en-US" b="1" dirty="0">
-              <a:solidFill>
-                <a:schemeClr val="tx1"/>
-              </a:solidFill>
-            </a:endParaRPr>
-          </a:p>
-        </p:txBody>
-      </p:sp>
-      <p:sp>
-        <p:nvSpPr>
-          <p:cNvPr id="8" name="타원 7">
-            <a:extLst>
-              <a:ext uri="{FF2B5EF4-FFF2-40B4-BE49-F238E27FC236}">
-                <a16:creationId xmlns:a16="http://schemas.microsoft.com/office/drawing/2014/main" id="{3B131C1D-824A-4CAA-81C7-A44FFA26EF9D}"/>
-              </a:ext>
-            </a:extLst>
-          </p:cNvPr>
-          <p:cNvSpPr/>
-          <p:nvPr/>
-        </p:nvSpPr>
-        <p:spPr>
-          <a:xfrm>
-            <a:off x="3311955" y="5177160"/>
-            <a:ext cx="738232" cy="738232"/>
-          </a:xfrm>
-          <a:prstGeom prst="ellipse">
-            <a:avLst/>
-          </a:prstGeom>
-          <a:solidFill>
-            <a:srgbClr val="FFC000"/>
-          </a:solidFill>
-          <a:ln w="25400">
-            <a:solidFill>
-              <a:srgbClr val="F1A116"/>
-            </a:solidFill>
-          </a:ln>
-        </p:spPr>
-        <p:style>
-          <a:lnRef idx="2">
-            <a:schemeClr val="accent1">
-              <a:shade val="50000"/>
-            </a:schemeClr>
-          </a:lnRef>
-          <a:fillRef idx="1">
-            <a:schemeClr val="accent1"/>
-          </a:fillRef>
-          <a:effectRef idx="0">
-            <a:schemeClr val="accent1"/>
-          </a:effectRef>
-          <a:fontRef idx="minor">
-            <a:schemeClr val="lt1"/>
-          </a:fontRef>
-        </p:style>
-        <p:txBody>
-          <a:bodyPr rtlCol="0" anchor="ctr"/>
-          <a:lstStyle/>
-          <a:p>
-            <a:pPr algn="ctr"/>
-            <a:r>
-              <a:rPr lang="en-US" altLang="ko-KR" b="1" dirty="0">
-                <a:solidFill>
-                  <a:schemeClr val="tx1"/>
-                </a:solidFill>
-              </a:rPr>
-              <a:t>7</a:t>
-            </a:r>
-            <a:endParaRPr lang="ko-KR" altLang="en-US" b="1" dirty="0">
-              <a:solidFill>
-                <a:schemeClr val="tx1"/>
-              </a:solidFill>
-            </a:endParaRPr>
-          </a:p>
-        </p:txBody>
-      </p:sp>
-      <p:sp>
-        <p:nvSpPr>
-          <p:cNvPr id="9" name="타원 8">
-            <a:extLst>
-              <a:ext uri="{FF2B5EF4-FFF2-40B4-BE49-F238E27FC236}">
-                <a16:creationId xmlns:a16="http://schemas.microsoft.com/office/drawing/2014/main" id="{444A506F-8D1C-4A08-A49E-E177776B4CE1}"/>
-              </a:ext>
-            </a:extLst>
-          </p:cNvPr>
-          <p:cNvSpPr/>
-          <p:nvPr/>
-        </p:nvSpPr>
-        <p:spPr>
-          <a:xfrm>
-            <a:off x="6692542" y="3485422"/>
-            <a:ext cx="738232" cy="738232"/>
-          </a:xfrm>
-          <a:prstGeom prst="ellipse">
-            <a:avLst/>
-          </a:prstGeom>
-          <a:solidFill>
-            <a:schemeClr val="bg1"/>
-          </a:solidFill>
-          <a:ln w="25400">
-            <a:solidFill>
-              <a:srgbClr val="F1A116"/>
-            </a:solidFill>
-          </a:ln>
-        </p:spPr>
-        <p:style>
-          <a:lnRef idx="2">
-            <a:schemeClr val="accent1">
-              <a:shade val="50000"/>
-            </a:schemeClr>
-          </a:lnRef>
-          <a:fillRef idx="1">
-            <a:schemeClr val="accent1"/>
-          </a:fillRef>
-          <a:effectRef idx="0">
-            <a:schemeClr val="accent1"/>
-          </a:effectRef>
-          <a:fontRef idx="minor">
-            <a:schemeClr val="lt1"/>
-          </a:fontRef>
-        </p:style>
-        <p:txBody>
-          <a:bodyPr rtlCol="0" anchor="ctr"/>
-          <a:lstStyle/>
-          <a:p>
-            <a:pPr algn="ctr"/>
-            <a:r>
-              <a:rPr lang="en-US" altLang="ko-KR" b="1" dirty="0">
-                <a:solidFill>
-                  <a:schemeClr val="tx1"/>
-                </a:solidFill>
-              </a:rPr>
-              <a:t>3</a:t>
-            </a:r>
-            <a:endParaRPr lang="ko-KR" altLang="en-US" b="1" dirty="0">
-              <a:solidFill>
-                <a:schemeClr val="tx1"/>
-              </a:solidFill>
-            </a:endParaRPr>
-          </a:p>
-        </p:txBody>
-      </p:sp>
-      <p:sp>
-        <p:nvSpPr>
-          <p:cNvPr id="10" name="타원 9">
-            <a:extLst>
-              <a:ext uri="{FF2B5EF4-FFF2-40B4-BE49-F238E27FC236}">
-                <a16:creationId xmlns:a16="http://schemas.microsoft.com/office/drawing/2014/main" id="{75B8A6DD-B4F2-49AC-8C84-ED0A481F7168}"/>
-              </a:ext>
-            </a:extLst>
-          </p:cNvPr>
-          <p:cNvSpPr/>
-          <p:nvPr/>
-        </p:nvSpPr>
-        <p:spPr>
-          <a:xfrm>
-            <a:off x="5451935" y="2388304"/>
-            <a:ext cx="738232" cy="738232"/>
-          </a:xfrm>
-          <a:prstGeom prst="ellipse">
-            <a:avLst/>
-          </a:prstGeom>
-          <a:solidFill>
-            <a:schemeClr val="bg1"/>
-          </a:solidFill>
-          <a:ln w="25400">
-            <a:solidFill>
-              <a:srgbClr val="F1A116"/>
-            </a:solidFill>
-          </a:ln>
-        </p:spPr>
-        <p:style>
-          <a:lnRef idx="2">
-            <a:schemeClr val="accent1">
-              <a:shade val="50000"/>
-            </a:schemeClr>
-          </a:lnRef>
-          <a:fillRef idx="1">
-            <a:schemeClr val="accent1"/>
-          </a:fillRef>
-          <a:effectRef idx="0">
-            <a:schemeClr val="accent1"/>
-          </a:effectRef>
-          <a:fontRef idx="minor">
-            <a:schemeClr val="lt1"/>
-          </a:fontRef>
-        </p:style>
-        <p:txBody>
-          <a:bodyPr rtlCol="0" anchor="ctr"/>
-          <a:lstStyle/>
-          <a:p>
-            <a:pPr algn="ctr"/>
-            <a:r>
-              <a:rPr lang="en-US" altLang="ko-KR" b="1" dirty="0">
-                <a:solidFill>
-                  <a:schemeClr val="tx1"/>
-                </a:solidFill>
-              </a:rPr>
-              <a:t>2</a:t>
-            </a:r>
-            <a:endParaRPr lang="ko-KR" altLang="en-US" b="1" dirty="0">
-              <a:solidFill>
-                <a:schemeClr val="tx1"/>
-              </a:solidFill>
-            </a:endParaRPr>
-          </a:p>
-        </p:txBody>
-      </p:sp>
-      <p:cxnSp>
-        <p:nvCxnSpPr>
-          <p:cNvPr id="12" name="직선 연결선 11">
-            <a:extLst>
-              <a:ext uri="{FF2B5EF4-FFF2-40B4-BE49-F238E27FC236}">
-                <a16:creationId xmlns:a16="http://schemas.microsoft.com/office/drawing/2014/main" id="{E1E8B3DF-FEE2-43AD-836A-66392EB720A8}"/>
-              </a:ext>
-            </a:extLst>
-          </p:cNvPr>
-          <p:cNvCxnSpPr>
-            <a:cxnSpLocks/>
-            <a:stCxn id="3" idx="5"/>
-            <a:endCxn id="4" idx="1"/>
-          </p:cNvCxnSpPr>
-          <p:nvPr/>
-        </p:nvCxnSpPr>
-        <p:spPr>
-          <a:xfrm>
-            <a:off x="6165650" y="1077531"/>
-            <a:ext cx="2551417" cy="1739074"/>
-          </a:xfrm>
-          <a:prstGeom prst="line">
-            <a:avLst/>
-          </a:prstGeom>
-          <a:ln w="19050">
-            <a:solidFill>
-              <a:schemeClr val="tx1"/>
-            </a:solidFill>
-          </a:ln>
-        </p:spPr>
-        <p:style>
-          <a:lnRef idx="1">
-            <a:schemeClr val="dk1"/>
-          </a:lnRef>
-          <a:fillRef idx="0">
-            <a:schemeClr val="dk1"/>
-          </a:fillRef>
-          <a:effectRef idx="0">
-            <a:schemeClr val="dk1"/>
-          </a:effectRef>
-          <a:fontRef idx="minor">
-            <a:schemeClr val="tx1"/>
-          </a:fontRef>
-        </p:style>
-      </p:cxnSp>
-      <p:cxnSp>
-        <p:nvCxnSpPr>
-          <p:cNvPr id="19" name="직선 연결선 18">
-            <a:extLst>
-              <a:ext uri="{FF2B5EF4-FFF2-40B4-BE49-F238E27FC236}">
-                <a16:creationId xmlns:a16="http://schemas.microsoft.com/office/drawing/2014/main" id="{2759779D-91EF-41F3-A390-292C37E2AEA3}"/>
-              </a:ext>
-            </a:extLst>
-          </p:cNvPr>
-          <p:cNvCxnSpPr>
-            <a:cxnSpLocks/>
-            <a:endCxn id="3" idx="3"/>
-          </p:cNvCxnSpPr>
-          <p:nvPr/>
-        </p:nvCxnSpPr>
-        <p:spPr>
-          <a:xfrm flipV="1">
-            <a:off x="3370225" y="1077531"/>
-            <a:ext cx="2273417" cy="1334308"/>
-          </a:xfrm>
-          <a:prstGeom prst="line">
-            <a:avLst/>
-          </a:prstGeom>
-          <a:ln w="19050">
-            <a:solidFill>
-              <a:schemeClr val="tx1"/>
-            </a:solidFill>
-          </a:ln>
-        </p:spPr>
-        <p:style>
-          <a:lnRef idx="1">
-            <a:schemeClr val="dk1"/>
-          </a:lnRef>
-          <a:fillRef idx="0">
-            <a:schemeClr val="dk1"/>
-          </a:fillRef>
-          <a:effectRef idx="0">
-            <a:schemeClr val="dk1"/>
-          </a:effectRef>
-          <a:fontRef idx="minor">
-            <a:schemeClr val="tx1"/>
-          </a:fontRef>
-        </p:style>
-      </p:cxnSp>
-      <p:cxnSp>
-        <p:nvCxnSpPr>
-          <p:cNvPr id="29" name="직선 연결선 28">
-            <a:extLst>
-              <a:ext uri="{FF2B5EF4-FFF2-40B4-BE49-F238E27FC236}">
-                <a16:creationId xmlns:a16="http://schemas.microsoft.com/office/drawing/2014/main" id="{6BC723B2-BAA8-45D2-AAA6-87C5354C7308}"/>
-              </a:ext>
-            </a:extLst>
-          </p:cNvPr>
-          <p:cNvCxnSpPr>
-            <a:cxnSpLocks/>
-            <a:stCxn id="10" idx="6"/>
-            <a:endCxn id="4" idx="2"/>
-          </p:cNvCxnSpPr>
-          <p:nvPr/>
-        </p:nvCxnSpPr>
-        <p:spPr>
-          <a:xfrm>
-            <a:off x="6190167" y="2757420"/>
-            <a:ext cx="2418788" cy="320189"/>
-          </a:xfrm>
-          <a:prstGeom prst="line">
-            <a:avLst/>
-          </a:prstGeom>
-          <a:ln w="19050">
-            <a:solidFill>
-              <a:schemeClr val="tx1"/>
-            </a:solidFill>
-          </a:ln>
-        </p:spPr>
-        <p:style>
-          <a:lnRef idx="1">
-            <a:schemeClr val="dk1"/>
-          </a:lnRef>
-          <a:fillRef idx="0">
-            <a:schemeClr val="dk1"/>
-          </a:fillRef>
-          <a:effectRef idx="0">
-            <a:schemeClr val="dk1"/>
-          </a:effectRef>
-          <a:fontRef idx="minor">
-            <a:schemeClr val="tx1"/>
-          </a:fontRef>
-        </p:style>
-      </p:cxnSp>
-      <p:cxnSp>
-        <p:nvCxnSpPr>
-          <p:cNvPr id="36" name="직선 연결선 35">
-            <a:extLst>
-              <a:ext uri="{FF2B5EF4-FFF2-40B4-BE49-F238E27FC236}">
-                <a16:creationId xmlns:a16="http://schemas.microsoft.com/office/drawing/2014/main" id="{A14C9224-F499-4CF4-B727-4DCC49C98D20}"/>
-              </a:ext>
-            </a:extLst>
-          </p:cNvPr>
-          <p:cNvCxnSpPr>
-            <a:cxnSpLocks/>
-            <a:stCxn id="9" idx="4"/>
-            <a:endCxn id="6" idx="7"/>
-          </p:cNvCxnSpPr>
-          <p:nvPr/>
-        </p:nvCxnSpPr>
-        <p:spPr>
-          <a:xfrm flipH="1">
-            <a:off x="6741694" y="4223654"/>
-            <a:ext cx="319964" cy="1361053"/>
-          </a:xfrm>
-          <a:prstGeom prst="line">
-            <a:avLst/>
-          </a:prstGeom>
-          <a:ln w="19050">
-            <a:solidFill>
-              <a:schemeClr val="tx1"/>
-            </a:solidFill>
-          </a:ln>
-        </p:spPr>
-        <p:style>
-          <a:lnRef idx="1">
-            <a:schemeClr val="dk1"/>
-          </a:lnRef>
-          <a:fillRef idx="0">
-            <a:schemeClr val="dk1"/>
-          </a:fillRef>
-          <a:effectRef idx="0">
-            <a:schemeClr val="dk1"/>
-          </a:effectRef>
-          <a:fontRef idx="minor">
-            <a:schemeClr val="tx1"/>
-          </a:fontRef>
-        </p:style>
-      </p:cxnSp>
-      <p:cxnSp>
-        <p:nvCxnSpPr>
-          <p:cNvPr id="42" name="직선 연결선 41">
-            <a:extLst>
-              <a:ext uri="{FF2B5EF4-FFF2-40B4-BE49-F238E27FC236}">
-                <a16:creationId xmlns:a16="http://schemas.microsoft.com/office/drawing/2014/main" id="{3F6D01D9-3B0B-4477-9167-D0C5C1A7F057}"/>
-              </a:ext>
-            </a:extLst>
-          </p:cNvPr>
-          <p:cNvCxnSpPr>
-            <a:cxnSpLocks/>
-            <a:stCxn id="6" idx="6"/>
-            <a:endCxn id="4" idx="4"/>
-          </p:cNvCxnSpPr>
-          <p:nvPr/>
-        </p:nvCxnSpPr>
-        <p:spPr>
-          <a:xfrm flipV="1">
-            <a:off x="6849806" y="3446725"/>
-            <a:ext cx="2128265" cy="2398986"/>
-          </a:xfrm>
-          <a:prstGeom prst="line">
-            <a:avLst/>
-          </a:prstGeom>
-          <a:ln w="19050">
-            <a:solidFill>
-              <a:schemeClr val="tx1"/>
-            </a:solidFill>
-          </a:ln>
-        </p:spPr>
-        <p:style>
-          <a:lnRef idx="1">
-            <a:schemeClr val="dk1"/>
-          </a:lnRef>
-          <a:fillRef idx="0">
-            <a:schemeClr val="dk1"/>
-          </a:fillRef>
-          <a:effectRef idx="0">
-            <a:schemeClr val="dk1"/>
-          </a:effectRef>
-          <a:fontRef idx="minor">
-            <a:schemeClr val="tx1"/>
-          </a:fontRef>
-        </p:style>
-      </p:cxnSp>
-      <p:cxnSp>
-        <p:nvCxnSpPr>
-          <p:cNvPr id="90" name="직선 연결선 89">
-            <a:extLst>
-              <a:ext uri="{FF2B5EF4-FFF2-40B4-BE49-F238E27FC236}">
-                <a16:creationId xmlns:a16="http://schemas.microsoft.com/office/drawing/2014/main" id="{D77E76D0-3520-46D6-A5C9-DA99AFC5EA4B}"/>
-              </a:ext>
-            </a:extLst>
-          </p:cNvPr>
-          <p:cNvCxnSpPr>
-            <a:cxnSpLocks/>
-            <a:stCxn id="10" idx="5"/>
-            <a:endCxn id="9" idx="1"/>
-          </p:cNvCxnSpPr>
-          <p:nvPr/>
-        </p:nvCxnSpPr>
-        <p:spPr>
-          <a:xfrm>
-            <a:off x="6082055" y="3018424"/>
-            <a:ext cx="718599" cy="575110"/>
-          </a:xfrm>
-          <a:prstGeom prst="line">
-            <a:avLst/>
-          </a:prstGeom>
-          <a:ln w="19050">
-            <a:solidFill>
-              <a:schemeClr val="tx1"/>
-            </a:solidFill>
-          </a:ln>
-        </p:spPr>
-        <p:style>
-          <a:lnRef idx="1">
-            <a:schemeClr val="dk1"/>
-          </a:lnRef>
-          <a:fillRef idx="0">
-            <a:schemeClr val="dk1"/>
-          </a:fillRef>
-          <a:effectRef idx="0">
-            <a:schemeClr val="dk1"/>
-          </a:effectRef>
-          <a:fontRef idx="minor">
-            <a:schemeClr val="tx1"/>
-          </a:fontRef>
-        </p:style>
-      </p:cxnSp>
-      <p:cxnSp>
-        <p:nvCxnSpPr>
-          <p:cNvPr id="87" name="직선 연결선 86">
-            <a:extLst>
-              <a:ext uri="{FF2B5EF4-FFF2-40B4-BE49-F238E27FC236}">
-                <a16:creationId xmlns:a16="http://schemas.microsoft.com/office/drawing/2014/main" id="{6B39B0E7-71B3-4EBE-8C06-C98677CA2F62}"/>
-              </a:ext>
-            </a:extLst>
-          </p:cNvPr>
-          <p:cNvCxnSpPr>
-            <a:cxnSpLocks/>
-            <a:stCxn id="5" idx="4"/>
-            <a:endCxn id="8" idx="0"/>
-          </p:cNvCxnSpPr>
-          <p:nvPr/>
-        </p:nvCxnSpPr>
-        <p:spPr>
-          <a:xfrm>
-            <a:off x="3372374" y="3150069"/>
-            <a:ext cx="308697" cy="2027091"/>
-          </a:xfrm>
-          <a:prstGeom prst="line">
-            <a:avLst/>
-          </a:prstGeom>
-          <a:ln w="19050">
-            <a:solidFill>
-              <a:srgbClr val="FF0000"/>
-            </a:solidFill>
-          </a:ln>
-        </p:spPr>
-        <p:style>
-          <a:lnRef idx="1">
-            <a:schemeClr val="dk1"/>
-          </a:lnRef>
-          <a:fillRef idx="0">
-            <a:schemeClr val="dk1"/>
-          </a:fillRef>
-          <a:effectRef idx="0">
-            <a:schemeClr val="dk1"/>
-          </a:effectRef>
-          <a:fontRef idx="minor">
-            <a:schemeClr val="tx1"/>
-          </a:fontRef>
-        </p:style>
-      </p:cxnSp>
-      <p:cxnSp>
-        <p:nvCxnSpPr>
-          <p:cNvPr id="93" name="직선 연결선 92">
-            <a:extLst>
-              <a:ext uri="{FF2B5EF4-FFF2-40B4-BE49-F238E27FC236}">
-                <a16:creationId xmlns:a16="http://schemas.microsoft.com/office/drawing/2014/main" id="{6DEED9D3-8D18-4AC5-A372-533EF5103AAE}"/>
-              </a:ext>
-            </a:extLst>
-          </p:cNvPr>
-          <p:cNvCxnSpPr>
-            <a:cxnSpLocks/>
-            <a:stCxn id="3" idx="4"/>
-            <a:endCxn id="10" idx="0"/>
-          </p:cNvCxnSpPr>
-          <p:nvPr/>
-        </p:nvCxnSpPr>
-        <p:spPr>
-          <a:xfrm flipH="1">
-            <a:off x="5821051" y="1185643"/>
-            <a:ext cx="83595" cy="1202661"/>
-          </a:xfrm>
-          <a:prstGeom prst="line">
-            <a:avLst/>
-          </a:prstGeom>
-          <a:ln w="19050">
-            <a:solidFill>
-              <a:schemeClr val="tx1"/>
-            </a:solidFill>
-          </a:ln>
-        </p:spPr>
-        <p:style>
-          <a:lnRef idx="1">
-            <a:schemeClr val="dk1"/>
-          </a:lnRef>
-          <a:fillRef idx="0">
-            <a:schemeClr val="dk1"/>
-          </a:fillRef>
-          <a:effectRef idx="0">
-            <a:schemeClr val="dk1"/>
-          </a:effectRef>
-          <a:fontRef idx="minor">
-            <a:schemeClr val="tx1"/>
-          </a:fontRef>
-        </p:style>
-      </p:cxnSp>
-      <p:cxnSp>
-        <p:nvCxnSpPr>
-          <p:cNvPr id="98" name="직선 연결선 97">
-            <a:extLst>
-              <a:ext uri="{FF2B5EF4-FFF2-40B4-BE49-F238E27FC236}">
-                <a16:creationId xmlns:a16="http://schemas.microsoft.com/office/drawing/2014/main" id="{F2B6E04D-6C8A-49DC-9299-708C260FC872}"/>
-              </a:ext>
-            </a:extLst>
-          </p:cNvPr>
-          <p:cNvCxnSpPr>
-            <a:cxnSpLocks/>
-            <a:stCxn id="5" idx="6"/>
-            <a:endCxn id="10" idx="2"/>
-          </p:cNvCxnSpPr>
-          <p:nvPr/>
-        </p:nvCxnSpPr>
-        <p:spPr>
-          <a:xfrm flipV="1">
-            <a:off x="3741490" y="2757420"/>
-            <a:ext cx="1710445" cy="23533"/>
-          </a:xfrm>
-          <a:prstGeom prst="line">
-            <a:avLst/>
-          </a:prstGeom>
-          <a:ln w="19050">
-            <a:solidFill>
-              <a:schemeClr val="tx1"/>
-            </a:solidFill>
-          </a:ln>
-        </p:spPr>
-        <p:style>
-          <a:lnRef idx="1">
-            <a:schemeClr val="dk1"/>
-          </a:lnRef>
-          <a:fillRef idx="0">
-            <a:schemeClr val="dk1"/>
-          </a:fillRef>
-          <a:effectRef idx="0">
-            <a:schemeClr val="dk1"/>
-          </a:effectRef>
-          <a:fontRef idx="minor">
-            <a:schemeClr val="tx1"/>
-          </a:fontRef>
-        </p:style>
-      </p:cxnSp>
-      <p:cxnSp>
-        <p:nvCxnSpPr>
-          <p:cNvPr id="109" name="직선 연결선 108">
-            <a:extLst>
-              <a:ext uri="{FF2B5EF4-FFF2-40B4-BE49-F238E27FC236}">
-                <a16:creationId xmlns:a16="http://schemas.microsoft.com/office/drawing/2014/main" id="{16184A2F-BD37-4E63-B526-B017F092A10D}"/>
-              </a:ext>
-            </a:extLst>
-          </p:cNvPr>
-          <p:cNvCxnSpPr>
-            <a:cxnSpLocks/>
-            <a:stCxn id="10" idx="4"/>
-            <a:endCxn id="6" idx="0"/>
-          </p:cNvCxnSpPr>
-          <p:nvPr/>
-        </p:nvCxnSpPr>
-        <p:spPr>
-          <a:xfrm>
-            <a:off x="5821051" y="3126536"/>
-            <a:ext cx="659639" cy="2350059"/>
-          </a:xfrm>
-          <a:prstGeom prst="line">
-            <a:avLst/>
-          </a:prstGeom>
-          <a:ln w="19050">
-            <a:solidFill>
-              <a:schemeClr val="tx1"/>
-            </a:solidFill>
-          </a:ln>
-        </p:spPr>
-        <p:style>
-          <a:lnRef idx="1">
-            <a:schemeClr val="dk1"/>
-          </a:lnRef>
-          <a:fillRef idx="0">
-            <a:schemeClr val="dk1"/>
-          </a:fillRef>
-          <a:effectRef idx="0">
-            <a:schemeClr val="dk1"/>
-          </a:effectRef>
-          <a:fontRef idx="minor">
-            <a:schemeClr val="tx1"/>
-          </a:fontRef>
-        </p:style>
-      </p:cxnSp>
-      <p:cxnSp>
-        <p:nvCxnSpPr>
-          <p:cNvPr id="130" name="직선 연결선 129">
-            <a:extLst>
-              <a:ext uri="{FF2B5EF4-FFF2-40B4-BE49-F238E27FC236}">
-                <a16:creationId xmlns:a16="http://schemas.microsoft.com/office/drawing/2014/main" id="{94EB4465-52E9-479C-9CA5-4A0D8E09B93E}"/>
-              </a:ext>
-            </a:extLst>
-          </p:cNvPr>
-          <p:cNvCxnSpPr>
-            <a:cxnSpLocks/>
-            <a:stCxn id="8" idx="6"/>
-            <a:endCxn id="6" idx="2"/>
-          </p:cNvCxnSpPr>
-          <p:nvPr/>
-        </p:nvCxnSpPr>
-        <p:spPr>
-          <a:xfrm>
-            <a:off x="4050187" y="5546276"/>
-            <a:ext cx="2061387" cy="299435"/>
-          </a:xfrm>
-          <a:prstGeom prst="line">
-            <a:avLst/>
-          </a:prstGeom>
-          <a:ln w="19050">
-            <a:solidFill>
-              <a:srgbClr val="FF0000"/>
-            </a:solidFill>
-          </a:ln>
-        </p:spPr>
-        <p:style>
-          <a:lnRef idx="1">
-            <a:schemeClr val="dk1"/>
-          </a:lnRef>
-          <a:fillRef idx="0">
-            <a:schemeClr val="dk1"/>
-          </a:fillRef>
-          <a:effectRef idx="0">
-            <a:schemeClr val="dk1"/>
-          </a:effectRef>
-          <a:fontRef idx="minor">
-            <a:schemeClr val="tx1"/>
-          </a:fontRef>
-        </p:style>
-      </p:cxnSp>
-      <p:cxnSp>
-        <p:nvCxnSpPr>
-          <p:cNvPr id="135" name="직선 연결선 134">
-            <a:extLst>
-              <a:ext uri="{FF2B5EF4-FFF2-40B4-BE49-F238E27FC236}">
-                <a16:creationId xmlns:a16="http://schemas.microsoft.com/office/drawing/2014/main" id="{FC797BBD-1811-454C-9E80-961D949E3699}"/>
-              </a:ext>
-            </a:extLst>
-          </p:cNvPr>
-          <p:cNvCxnSpPr>
-            <a:cxnSpLocks/>
-            <a:stCxn id="5" idx="5"/>
-            <a:endCxn id="6" idx="1"/>
-          </p:cNvCxnSpPr>
-          <p:nvPr/>
-        </p:nvCxnSpPr>
-        <p:spPr>
-          <a:xfrm>
-            <a:off x="3633378" y="3041957"/>
-            <a:ext cx="2586308" cy="2542750"/>
-          </a:xfrm>
-          <a:prstGeom prst="line">
-            <a:avLst/>
-          </a:prstGeom>
-          <a:ln w="19050">
-            <a:solidFill>
-              <a:schemeClr val="tx1"/>
-            </a:solidFill>
-          </a:ln>
-        </p:spPr>
-        <p:style>
-          <a:lnRef idx="1">
-            <a:schemeClr val="dk1"/>
-          </a:lnRef>
-          <a:fillRef idx="0">
-            <a:schemeClr val="dk1"/>
-          </a:fillRef>
-          <a:effectRef idx="0">
-            <a:schemeClr val="dk1"/>
-          </a:effectRef>
-          <a:fontRef idx="minor">
-            <a:schemeClr val="tx1"/>
-          </a:fontRef>
-        </p:style>
-      </p:cxnSp>
-      <p:sp>
-        <p:nvSpPr>
-          <p:cNvPr id="24" name="TextBox 23">
-            <a:extLst>
-              <a:ext uri="{FF2B5EF4-FFF2-40B4-BE49-F238E27FC236}">
-                <a16:creationId xmlns:a16="http://schemas.microsoft.com/office/drawing/2014/main" id="{6ABF03F2-856C-4D6A-AA25-BEA95931A66E}"/>
-              </a:ext>
-            </a:extLst>
-          </p:cNvPr>
-          <p:cNvSpPr txBox="1"/>
-          <p:nvPr/>
-        </p:nvSpPr>
-        <p:spPr>
-          <a:xfrm>
-            <a:off x="7368723" y="1399217"/>
-            <a:ext cx="450764" cy="369332"/>
-          </a:xfrm>
-          <a:prstGeom prst="rect">
-            <a:avLst/>
-          </a:prstGeom>
-          <a:noFill/>
-        </p:spPr>
-        <p:txBody>
-          <a:bodyPr wrap="none" rtlCol="0">
-            <a:spAutoFit/>
-          </a:bodyPr>
-          <a:lstStyle/>
-          <a:p>
-            <a:r>
-              <a:rPr lang="en-US" altLang="ko-KR" b="1" dirty="0"/>
-              <a:t>10</a:t>
-            </a:r>
-            <a:endParaRPr lang="ko-KR" altLang="en-US" b="1" dirty="0"/>
-          </a:p>
-        </p:txBody>
-      </p:sp>
-      <p:sp>
-        <p:nvSpPr>
-          <p:cNvPr id="25" name="TextBox 24">
-            <a:extLst>
-              <a:ext uri="{FF2B5EF4-FFF2-40B4-BE49-F238E27FC236}">
-                <a16:creationId xmlns:a16="http://schemas.microsoft.com/office/drawing/2014/main" id="{41C427C3-E82C-451C-AD80-01D8A6417996}"/>
-              </a:ext>
-            </a:extLst>
-          </p:cNvPr>
-          <p:cNvSpPr txBox="1"/>
-          <p:nvPr/>
-        </p:nvSpPr>
-        <p:spPr>
-          <a:xfrm>
-            <a:off x="4108298" y="1332507"/>
-            <a:ext cx="317716" cy="369332"/>
-          </a:xfrm>
-          <a:prstGeom prst="rect">
-            <a:avLst/>
-          </a:prstGeom>
-          <a:noFill/>
-        </p:spPr>
-        <p:txBody>
-          <a:bodyPr wrap="none" rtlCol="0">
-            <a:spAutoFit/>
-          </a:bodyPr>
-          <a:lstStyle/>
-          <a:p>
-            <a:r>
-              <a:rPr lang="en-US" altLang="ko-KR" b="1" dirty="0"/>
-              <a:t>3</a:t>
-            </a:r>
-            <a:endParaRPr lang="ko-KR" altLang="en-US" b="1" dirty="0"/>
-          </a:p>
-        </p:txBody>
-      </p:sp>
-      <p:sp>
-        <p:nvSpPr>
-          <p:cNvPr id="26" name="TextBox 25">
-            <a:extLst>
-              <a:ext uri="{FF2B5EF4-FFF2-40B4-BE49-F238E27FC236}">
-                <a16:creationId xmlns:a16="http://schemas.microsoft.com/office/drawing/2014/main" id="{E2779903-55EC-4FD3-B5EE-48454D9C9771}"/>
-              </a:ext>
-            </a:extLst>
-          </p:cNvPr>
-          <p:cNvSpPr txBox="1"/>
-          <p:nvPr/>
-        </p:nvSpPr>
-        <p:spPr>
-          <a:xfrm>
-            <a:off x="5888549" y="1721777"/>
-            <a:ext cx="317716" cy="369332"/>
-          </a:xfrm>
-          <a:prstGeom prst="rect">
-            <a:avLst/>
-          </a:prstGeom>
-          <a:noFill/>
-        </p:spPr>
-        <p:txBody>
-          <a:bodyPr wrap="none" rtlCol="0">
-            <a:spAutoFit/>
-          </a:bodyPr>
-          <a:lstStyle/>
-          <a:p>
-            <a:r>
-              <a:rPr lang="en-US" altLang="ko-KR" b="1" dirty="0"/>
-              <a:t>7</a:t>
-            </a:r>
-            <a:endParaRPr lang="ko-KR" altLang="en-US" b="1" dirty="0"/>
-          </a:p>
-        </p:txBody>
-      </p:sp>
-      <p:sp>
-        <p:nvSpPr>
-          <p:cNvPr id="27" name="TextBox 26">
-            <a:extLst>
-              <a:ext uri="{FF2B5EF4-FFF2-40B4-BE49-F238E27FC236}">
-                <a16:creationId xmlns:a16="http://schemas.microsoft.com/office/drawing/2014/main" id="{5FB96FCC-8236-41E9-AA0A-A1C43B57EDA6}"/>
-              </a:ext>
-            </a:extLst>
-          </p:cNvPr>
-          <p:cNvSpPr txBox="1"/>
-          <p:nvPr/>
-        </p:nvSpPr>
-        <p:spPr>
-          <a:xfrm>
-            <a:off x="7342737" y="2534520"/>
-            <a:ext cx="317716" cy="369332"/>
-          </a:xfrm>
-          <a:prstGeom prst="rect">
-            <a:avLst/>
-          </a:prstGeom>
-          <a:noFill/>
-        </p:spPr>
-        <p:txBody>
-          <a:bodyPr wrap="none" rtlCol="0">
-            <a:spAutoFit/>
-          </a:bodyPr>
-          <a:lstStyle/>
-          <a:p>
-            <a:r>
-              <a:rPr lang="en-US" altLang="ko-KR" b="1" dirty="0"/>
-              <a:t>6</a:t>
-            </a:r>
-            <a:endParaRPr lang="ko-KR" altLang="en-US" b="1" dirty="0"/>
-          </a:p>
-        </p:txBody>
-      </p:sp>
-      <p:sp>
-        <p:nvSpPr>
-          <p:cNvPr id="28" name="TextBox 27">
-            <a:extLst>
-              <a:ext uri="{FF2B5EF4-FFF2-40B4-BE49-F238E27FC236}">
-                <a16:creationId xmlns:a16="http://schemas.microsoft.com/office/drawing/2014/main" id="{0E536EE1-7ED6-4B7E-BE5D-862BBFE97BF8}"/>
-              </a:ext>
-            </a:extLst>
-          </p:cNvPr>
-          <p:cNvSpPr txBox="1"/>
-          <p:nvPr/>
-        </p:nvSpPr>
-        <p:spPr>
-          <a:xfrm>
-            <a:off x="4656878" y="2415818"/>
-            <a:ext cx="317716" cy="369332"/>
-          </a:xfrm>
-          <a:prstGeom prst="rect">
-            <a:avLst/>
-          </a:prstGeom>
-          <a:noFill/>
-        </p:spPr>
-        <p:txBody>
-          <a:bodyPr wrap="none" rtlCol="0">
-            <a:spAutoFit/>
-          </a:bodyPr>
-          <a:lstStyle/>
-          <a:p>
-            <a:r>
-              <a:rPr lang="en-US" altLang="ko-KR" b="1" dirty="0"/>
-              <a:t>2</a:t>
-            </a:r>
-            <a:endParaRPr lang="ko-KR" altLang="en-US" b="1" dirty="0"/>
-          </a:p>
-        </p:txBody>
-      </p:sp>
-      <p:sp>
-        <p:nvSpPr>
-          <p:cNvPr id="30" name="TextBox 29">
-            <a:extLst>
-              <a:ext uri="{FF2B5EF4-FFF2-40B4-BE49-F238E27FC236}">
-                <a16:creationId xmlns:a16="http://schemas.microsoft.com/office/drawing/2014/main" id="{AEB760D9-25DA-426A-8BE6-4AA82493098F}"/>
-              </a:ext>
-            </a:extLst>
-          </p:cNvPr>
-          <p:cNvSpPr txBox="1"/>
-          <p:nvPr/>
-        </p:nvSpPr>
-        <p:spPr>
-          <a:xfrm>
-            <a:off x="6040972" y="3886775"/>
-            <a:ext cx="450764" cy="369332"/>
-          </a:xfrm>
-          <a:prstGeom prst="rect">
-            <a:avLst/>
-          </a:prstGeom>
-          <a:noFill/>
-        </p:spPr>
-        <p:txBody>
-          <a:bodyPr wrap="none" rtlCol="0">
-            <a:spAutoFit/>
-          </a:bodyPr>
-          <a:lstStyle/>
-          <a:p>
-            <a:r>
-              <a:rPr lang="en-US" altLang="ko-KR" b="1" dirty="0"/>
-              <a:t>10</a:t>
-            </a:r>
-            <a:endParaRPr lang="ko-KR" altLang="en-US" b="1" dirty="0"/>
-          </a:p>
-        </p:txBody>
-      </p:sp>
-      <p:sp>
-        <p:nvSpPr>
-          <p:cNvPr id="31" name="TextBox 30">
-            <a:extLst>
-              <a:ext uri="{FF2B5EF4-FFF2-40B4-BE49-F238E27FC236}">
-                <a16:creationId xmlns:a16="http://schemas.microsoft.com/office/drawing/2014/main" id="{D5C7DDF0-3C09-48D5-A89F-7AA51B812B7D}"/>
-              </a:ext>
-            </a:extLst>
-          </p:cNvPr>
-          <p:cNvSpPr txBox="1"/>
-          <p:nvPr/>
-        </p:nvSpPr>
-        <p:spPr>
-          <a:xfrm>
-            <a:off x="6399042" y="3007515"/>
-            <a:ext cx="317716" cy="369332"/>
-          </a:xfrm>
-          <a:prstGeom prst="rect">
-            <a:avLst/>
-          </a:prstGeom>
-          <a:noFill/>
-        </p:spPr>
-        <p:txBody>
-          <a:bodyPr wrap="none" rtlCol="0">
-            <a:spAutoFit/>
-          </a:bodyPr>
-          <a:lstStyle/>
-          <a:p>
-            <a:r>
-              <a:rPr lang="en-US" altLang="ko-KR" b="1" dirty="0"/>
-              <a:t>4</a:t>
-            </a:r>
-            <a:endParaRPr lang="ko-KR" altLang="en-US" b="1" dirty="0"/>
-          </a:p>
-        </p:txBody>
-      </p:sp>
-      <p:sp>
-        <p:nvSpPr>
-          <p:cNvPr id="32" name="TextBox 31">
-            <a:extLst>
-              <a:ext uri="{FF2B5EF4-FFF2-40B4-BE49-F238E27FC236}">
-                <a16:creationId xmlns:a16="http://schemas.microsoft.com/office/drawing/2014/main" id="{6DE267D0-1095-4430-B3BE-3F7D110FA191}"/>
-              </a:ext>
-            </a:extLst>
-          </p:cNvPr>
-          <p:cNvSpPr txBox="1"/>
-          <p:nvPr/>
-        </p:nvSpPr>
-        <p:spPr>
-          <a:xfrm>
-            <a:off x="6655695" y="4646218"/>
-            <a:ext cx="317716" cy="369332"/>
-          </a:xfrm>
-          <a:prstGeom prst="rect">
-            <a:avLst/>
-          </a:prstGeom>
-          <a:noFill/>
-        </p:spPr>
-        <p:txBody>
-          <a:bodyPr wrap="none" rtlCol="0">
-            <a:spAutoFit/>
-          </a:bodyPr>
-          <a:lstStyle/>
-          <a:p>
-            <a:r>
-              <a:rPr lang="en-US" altLang="ko-KR" b="1" dirty="0"/>
-              <a:t>2</a:t>
-            </a:r>
-            <a:endParaRPr lang="ko-KR" altLang="en-US" b="1" dirty="0"/>
-          </a:p>
-        </p:txBody>
-      </p:sp>
-      <p:sp>
-        <p:nvSpPr>
-          <p:cNvPr id="33" name="TextBox 32">
-            <a:extLst>
-              <a:ext uri="{FF2B5EF4-FFF2-40B4-BE49-F238E27FC236}">
-                <a16:creationId xmlns:a16="http://schemas.microsoft.com/office/drawing/2014/main" id="{7BC21392-A32B-4EC0-A05D-DF9A8E52CF87}"/>
-              </a:ext>
-            </a:extLst>
-          </p:cNvPr>
-          <p:cNvSpPr txBox="1"/>
-          <p:nvPr/>
-        </p:nvSpPr>
-        <p:spPr>
-          <a:xfrm>
-            <a:off x="4776761" y="5654388"/>
-            <a:ext cx="317716" cy="369332"/>
-          </a:xfrm>
-          <a:prstGeom prst="rect">
-            <a:avLst/>
-          </a:prstGeom>
-          <a:noFill/>
-        </p:spPr>
-        <p:txBody>
-          <a:bodyPr wrap="none" rtlCol="0">
-            <a:spAutoFit/>
-          </a:bodyPr>
-          <a:lstStyle/>
-          <a:p>
-            <a:r>
-              <a:rPr lang="en-US" altLang="ko-KR" b="1" dirty="0"/>
-              <a:t>4</a:t>
-            </a:r>
-            <a:endParaRPr lang="ko-KR" altLang="en-US" b="1" dirty="0"/>
-          </a:p>
-        </p:txBody>
-      </p:sp>
-      <p:sp>
-        <p:nvSpPr>
-          <p:cNvPr id="34" name="TextBox 33">
-            <a:extLst>
-              <a:ext uri="{FF2B5EF4-FFF2-40B4-BE49-F238E27FC236}">
-                <a16:creationId xmlns:a16="http://schemas.microsoft.com/office/drawing/2014/main" id="{72F7FCF3-2287-4F04-8716-0E0DB4AD37A3}"/>
-              </a:ext>
-            </a:extLst>
-          </p:cNvPr>
-          <p:cNvSpPr txBox="1"/>
-          <p:nvPr/>
-        </p:nvSpPr>
-        <p:spPr>
-          <a:xfrm>
-            <a:off x="7691778" y="4327484"/>
-            <a:ext cx="317716" cy="369332"/>
-          </a:xfrm>
-          <a:prstGeom prst="rect">
-            <a:avLst/>
-          </a:prstGeom>
-          <a:noFill/>
-        </p:spPr>
-        <p:txBody>
-          <a:bodyPr wrap="none" rtlCol="0">
-            <a:spAutoFit/>
-          </a:bodyPr>
-          <a:lstStyle/>
-          <a:p>
-            <a:r>
-              <a:rPr lang="en-US" altLang="ko-KR" b="1" dirty="0"/>
-              <a:t>9</a:t>
-            </a:r>
-            <a:endParaRPr lang="ko-KR" altLang="en-US" b="1" dirty="0"/>
-          </a:p>
-        </p:txBody>
-      </p:sp>
-      <p:sp>
-        <p:nvSpPr>
-          <p:cNvPr id="35" name="TextBox 34">
-            <a:extLst>
-              <a:ext uri="{FF2B5EF4-FFF2-40B4-BE49-F238E27FC236}">
-                <a16:creationId xmlns:a16="http://schemas.microsoft.com/office/drawing/2014/main" id="{F92358FB-05CA-47B4-B7AB-7AEE6CCC0C8A}"/>
-              </a:ext>
-            </a:extLst>
-          </p:cNvPr>
-          <p:cNvSpPr txBox="1"/>
-          <p:nvPr/>
-        </p:nvSpPr>
-        <p:spPr>
-          <a:xfrm>
-            <a:off x="4759329" y="3809933"/>
-            <a:ext cx="450764" cy="369332"/>
-          </a:xfrm>
-          <a:prstGeom prst="rect">
-            <a:avLst/>
-          </a:prstGeom>
-          <a:noFill/>
-        </p:spPr>
-        <p:txBody>
-          <a:bodyPr wrap="none" rtlCol="0">
-            <a:spAutoFit/>
-          </a:bodyPr>
-          <a:lstStyle/>
-          <a:p>
-            <a:r>
-              <a:rPr lang="en-US" altLang="ko-KR" b="1" dirty="0"/>
-              <a:t>11</a:t>
-            </a:r>
-            <a:endParaRPr lang="ko-KR" altLang="en-US" b="1" dirty="0"/>
-          </a:p>
-        </p:txBody>
-      </p:sp>
-      <p:sp>
-        <p:nvSpPr>
-          <p:cNvPr id="37" name="TextBox 36">
-            <a:extLst>
-              <a:ext uri="{FF2B5EF4-FFF2-40B4-BE49-F238E27FC236}">
-                <a16:creationId xmlns:a16="http://schemas.microsoft.com/office/drawing/2014/main" id="{4F06344C-0E0F-452A-94A0-0831E4A5F98C}"/>
-              </a:ext>
-            </a:extLst>
-          </p:cNvPr>
-          <p:cNvSpPr txBox="1"/>
-          <p:nvPr/>
-        </p:nvSpPr>
-        <p:spPr>
-          <a:xfrm>
-            <a:off x="3209006" y="4069596"/>
-            <a:ext cx="317716" cy="369332"/>
-          </a:xfrm>
-          <a:prstGeom prst="rect">
-            <a:avLst/>
-          </a:prstGeom>
-          <a:noFill/>
-        </p:spPr>
-        <p:txBody>
-          <a:bodyPr wrap="none" rtlCol="0">
-            <a:spAutoFit/>
-          </a:bodyPr>
-          <a:lstStyle/>
-          <a:p>
-            <a:r>
-              <a:rPr lang="en-US" altLang="ko-KR" b="1" dirty="0"/>
-              <a:t>5</a:t>
-            </a:r>
-            <a:endParaRPr lang="ko-KR" altLang="en-US" b="1" dirty="0"/>
-          </a:p>
-        </p:txBody>
-      </p:sp>
-    </p:spTree>
-    <p:extLst>
-      <p:ext uri="{BB962C8B-B14F-4D97-AF65-F5344CB8AC3E}">
-        <p14:creationId xmlns:p14="http://schemas.microsoft.com/office/powerpoint/2010/main" val="69118590"/>
-      </p:ext>
-    </p:extLst>
-  </p:cSld>
-  <p:clrMapOvr>
-    <a:masterClrMapping/>
-  </p:clrMapOvr>
-</p:sld>
-</file>
-
-<file path=ppt/slides/slide20.xml><?xml version="1.0" encoding="utf-8"?>
+<file path=ppt/slides/slide21.xml><?xml version="1.0" encoding="utf-8"?>
 <p:sld xmlns:a="http://schemas.openxmlformats.org/drawingml/2006/main" xmlns:r="http://schemas.openxmlformats.org/officeDocument/2006/relationships" xmlns:p="http://schemas.openxmlformats.org/presentationml/2006/main">
   <p:cSld>
     <p:spTree>
